--- a/books/deep-learning-design-patterns/Workshops/Junior/Deep Learning Design Patterns - Workshop - Chapter 4.pptx
+++ b/books/deep-learning-design-patterns/Workshops/Junior/Deep Learning Design Patterns - Workshop - Chapter 4.pptx
@@ -35,16 +35,26 @@
     <p:sldId id="280" r:id="rId31"/>
     <p:sldId id="281" r:id="rId32"/>
     <p:sldId id="282" r:id="rId33"/>
+    <p:sldId id="283" r:id="rId34"/>
+    <p:sldId id="284" r:id="rId35"/>
+    <p:sldId id="285" r:id="rId36"/>
+    <p:sldId id="286" r:id="rId37"/>
+    <p:sldId id="287" r:id="rId38"/>
+    <p:sldId id="288" r:id="rId39"/>
+    <p:sldId id="289" r:id="rId40"/>
+    <p:sldId id="290" r:id="rId41"/>
+    <p:sldId id="291" r:id="rId42"/>
+    <p:sldId id="292" r:id="rId43"/>
   </p:sldIdLst>
   <p:sldSz cy="5143500" cx="9144000"/>
   <p:notesSz cx="6858000" cy="9144000"/>
   <p:embeddedFontLst>
     <p:embeddedFont>
       <p:font typeface="Roboto"/>
-      <p:regular r:id="rId34"/>
-      <p:bold r:id="rId35"/>
-      <p:italic r:id="rId36"/>
-      <p:boldItalic r:id="rId37"/>
+      <p:regular r:id="rId44"/>
+      <p:bold r:id="rId45"/>
+      <p:italic r:id="rId46"/>
+      <p:boldItalic r:id="rId47"/>
     </p:embeddedFont>
   </p:embeddedFontLst>
   <p:defaultTextStyle>
@@ -2621,7 +2631,7 @@
       </p:grpSpPr>
       <p:sp>
         <p:nvSpPr>
-          <p:cNvPr id="262" name="Google Shape;262;g7d510cf431_2_140:notes"/>
+          <p:cNvPr id="262" name="Google Shape;262;g6f080818eb_1_0:notes"/>
           <p:cNvSpPr/>
           <p:nvPr>
             <p:ph idx="2" type="sldImg"/>
@@ -2656,7 +2666,205 @@
       </p:sp>
       <p:sp>
         <p:nvSpPr>
-          <p:cNvPr id="263" name="Google Shape;263;g7d510cf431_2_140:notes"/>
+          <p:cNvPr id="263" name="Google Shape;263;g6f080818eb_1_0:notes"/>
+          <p:cNvSpPr txBox="1"/>
+          <p:nvPr>
+            <p:ph idx="1" type="body"/>
+          </p:nvPr>
+        </p:nvSpPr>
+        <p:spPr>
+          <a:xfrm>
+            <a:off x="685800" y="4343400"/>
+            <a:ext cx="5486400" cy="4114800"/>
+          </a:xfrm>
+          <a:prstGeom prst="rect">
+            <a:avLst/>
+          </a:prstGeom>
+        </p:spPr>
+        <p:txBody>
+          <a:bodyPr anchorCtr="0" anchor="t" bIns="91425" lIns="91425" spcFirstLastPara="1" rIns="91425" wrap="square" tIns="91425">
+            <a:noAutofit/>
+          </a:bodyPr>
+          <a:lstStyle/>
+          <a:p>
+            <a:pPr indent="0" lvl="0" marL="0" rtl="0" algn="l">
+              <a:spcBef>
+                <a:spcPts val="0"/>
+              </a:spcBef>
+              <a:spcAft>
+                <a:spcPts val="0"/>
+              </a:spcAft>
+              <a:buNone/>
+            </a:pPr>
+            <a:r>
+              <a:t/>
+            </a:r>
+            <a:endParaRPr/>
+          </a:p>
+        </p:txBody>
+      </p:sp>
+    </p:spTree>
+  </p:cSld>
+  <p:clrMapOvr>
+    <a:masterClrMapping/>
+  </p:clrMapOvr>
+</p:notes>
+</file>
+
+<file path=ppt/notesSlides/notesSlide28.xml><?xml version="1.0" encoding="utf-8"?>
+<p:notes xmlns:a="http://schemas.openxmlformats.org/drawingml/2006/main" xmlns:r="http://schemas.openxmlformats.org/officeDocument/2006/relationships" xmlns:mc="http://schemas.openxmlformats.org/markup-compatibility/2006" xmlns:mv="urn:schemas-microsoft-com:mac:vml" xmlns:p="http://schemas.openxmlformats.org/presentationml/2006/main" xmlns:c="http://schemas.openxmlformats.org/drawingml/2006/chart" xmlns:dgm="http://schemas.openxmlformats.org/drawingml/2006/diagram" xmlns:o="urn:schemas-microsoft-com:office:office" xmlns:v="urn:schemas-microsoft-com:vml" xmlns:pvml="urn:schemas-microsoft-com:office:powerpoint" xmlns:com="http://schemas.openxmlformats.org/drawingml/2006/compatibility" xmlns:p14="http://schemas.microsoft.com/office/powerpoint/2010/main" xmlns:p15="http://schemas.microsoft.com/office/powerpoint/2012/main" showMasterPhAnim="0" showMasterSp="0">
+  <p:cSld>
+    <p:spTree>
+      <p:nvGrpSpPr>
+        <p:cNvPr id="268" name="Shape 268"/>
+        <p:cNvGrpSpPr/>
+        <p:nvPr/>
+      </p:nvGrpSpPr>
+      <p:grpSpPr>
+        <a:xfrm>
+          <a:off x="0" y="0"/>
+          <a:ext cx="0" cy="0"/>
+          <a:chOff x="0" y="0"/>
+          <a:chExt cx="0" cy="0"/>
+        </a:xfrm>
+      </p:grpSpPr>
+      <p:sp>
+        <p:nvSpPr>
+          <p:cNvPr id="269" name="Google Shape;269;g6f080818eb_1_7:notes"/>
+          <p:cNvSpPr/>
+          <p:nvPr>
+            <p:ph idx="2" type="sldImg"/>
+          </p:nvPr>
+        </p:nvSpPr>
+        <p:spPr>
+          <a:xfrm>
+            <a:off x="381300" y="685800"/>
+            <a:ext cx="6096000" cy="3429000"/>
+          </a:xfrm>
+          <a:custGeom>
+            <a:rect b="b" l="l" r="r" t="t"/>
+            <a:pathLst>
+              <a:path extrusionOk="0" h="120000" w="120000">
+                <a:moveTo>
+                  <a:pt x="0" y="0"/>
+                </a:moveTo>
+                <a:lnTo>
+                  <a:pt x="120000" y="0"/>
+                </a:lnTo>
+                <a:lnTo>
+                  <a:pt x="120000" y="120000"/>
+                </a:lnTo>
+                <a:lnTo>
+                  <a:pt x="0" y="120000"/>
+                </a:lnTo>
+                <a:close/>
+              </a:path>
+            </a:pathLst>
+          </a:custGeom>
+        </p:spPr>
+      </p:sp>
+      <p:sp>
+        <p:nvSpPr>
+          <p:cNvPr id="270" name="Google Shape;270;g6f080818eb_1_7:notes"/>
+          <p:cNvSpPr txBox="1"/>
+          <p:nvPr>
+            <p:ph idx="1" type="body"/>
+          </p:nvPr>
+        </p:nvSpPr>
+        <p:spPr>
+          <a:xfrm>
+            <a:off x="685800" y="4343400"/>
+            <a:ext cx="5486400" cy="4114800"/>
+          </a:xfrm>
+          <a:prstGeom prst="rect">
+            <a:avLst/>
+          </a:prstGeom>
+        </p:spPr>
+        <p:txBody>
+          <a:bodyPr anchorCtr="0" anchor="t" bIns="91425" lIns="91425" spcFirstLastPara="1" rIns="91425" wrap="square" tIns="91425">
+            <a:noAutofit/>
+          </a:bodyPr>
+          <a:lstStyle/>
+          <a:p>
+            <a:pPr indent="0" lvl="0" marL="0" rtl="0" algn="l">
+              <a:spcBef>
+                <a:spcPts val="0"/>
+              </a:spcBef>
+              <a:spcAft>
+                <a:spcPts val="0"/>
+              </a:spcAft>
+              <a:buNone/>
+            </a:pPr>
+            <a:r>
+              <a:t/>
+            </a:r>
+            <a:endParaRPr/>
+          </a:p>
+        </p:txBody>
+      </p:sp>
+    </p:spTree>
+  </p:cSld>
+  <p:clrMapOvr>
+    <a:masterClrMapping/>
+  </p:clrMapOvr>
+</p:notes>
+</file>
+
+<file path=ppt/notesSlides/notesSlide29.xml><?xml version="1.0" encoding="utf-8"?>
+<p:notes xmlns:a="http://schemas.openxmlformats.org/drawingml/2006/main" xmlns:r="http://schemas.openxmlformats.org/officeDocument/2006/relationships" xmlns:mc="http://schemas.openxmlformats.org/markup-compatibility/2006" xmlns:mv="urn:schemas-microsoft-com:mac:vml" xmlns:p="http://schemas.openxmlformats.org/presentationml/2006/main" xmlns:c="http://schemas.openxmlformats.org/drawingml/2006/chart" xmlns:dgm="http://schemas.openxmlformats.org/drawingml/2006/diagram" xmlns:o="urn:schemas-microsoft-com:office:office" xmlns:v="urn:schemas-microsoft-com:vml" xmlns:pvml="urn:schemas-microsoft-com:office:powerpoint" xmlns:com="http://schemas.openxmlformats.org/drawingml/2006/compatibility" xmlns:p14="http://schemas.microsoft.com/office/powerpoint/2010/main" xmlns:p15="http://schemas.microsoft.com/office/powerpoint/2012/main" showMasterPhAnim="0" showMasterSp="0">
+  <p:cSld>
+    <p:spTree>
+      <p:nvGrpSpPr>
+        <p:cNvPr id="276" name="Shape 276"/>
+        <p:cNvGrpSpPr/>
+        <p:nvPr/>
+      </p:nvGrpSpPr>
+      <p:grpSpPr>
+        <a:xfrm>
+          <a:off x="0" y="0"/>
+          <a:ext cx="0" cy="0"/>
+          <a:chOff x="0" y="0"/>
+          <a:chExt cx="0" cy="0"/>
+        </a:xfrm>
+      </p:grpSpPr>
+      <p:sp>
+        <p:nvSpPr>
+          <p:cNvPr id="277" name="Google Shape;277;g6f080818eb_1_15:notes"/>
+          <p:cNvSpPr/>
+          <p:nvPr>
+            <p:ph idx="2" type="sldImg"/>
+          </p:nvPr>
+        </p:nvSpPr>
+        <p:spPr>
+          <a:xfrm>
+            <a:off x="381300" y="685800"/>
+            <a:ext cx="6096000" cy="3429000"/>
+          </a:xfrm>
+          <a:custGeom>
+            <a:rect b="b" l="l" r="r" t="t"/>
+            <a:pathLst>
+              <a:path extrusionOk="0" h="120000" w="120000">
+                <a:moveTo>
+                  <a:pt x="0" y="0"/>
+                </a:moveTo>
+                <a:lnTo>
+                  <a:pt x="120000" y="0"/>
+                </a:lnTo>
+                <a:lnTo>
+                  <a:pt x="120000" y="120000"/>
+                </a:lnTo>
+                <a:lnTo>
+                  <a:pt x="0" y="120000"/>
+                </a:lnTo>
+                <a:close/>
+              </a:path>
+            </a:pathLst>
+          </a:custGeom>
+        </p:spPr>
+      </p:sp>
+      <p:sp>
+        <p:nvSpPr>
+          <p:cNvPr id="278" name="Google Shape;278;g6f080818eb_1_15:notes"/>
           <p:cNvSpPr txBox="1"/>
           <p:nvPr>
             <p:ph idx="1" type="body"/>
@@ -2756,6 +2964,798 @@
       <p:sp>
         <p:nvSpPr>
           <p:cNvPr id="69" name="Google Shape;69;g76c2e96d2a_0_46:notes"/>
+          <p:cNvSpPr txBox="1"/>
+          <p:nvPr>
+            <p:ph idx="1" type="body"/>
+          </p:nvPr>
+        </p:nvSpPr>
+        <p:spPr>
+          <a:xfrm>
+            <a:off x="685800" y="4343400"/>
+            <a:ext cx="5486400" cy="4114800"/>
+          </a:xfrm>
+          <a:prstGeom prst="rect">
+            <a:avLst/>
+          </a:prstGeom>
+        </p:spPr>
+        <p:txBody>
+          <a:bodyPr anchorCtr="0" anchor="t" bIns="91425" lIns="91425" spcFirstLastPara="1" rIns="91425" wrap="square" tIns="91425">
+            <a:noAutofit/>
+          </a:bodyPr>
+          <a:lstStyle/>
+          <a:p>
+            <a:pPr indent="0" lvl="0" marL="0" rtl="0" algn="l">
+              <a:spcBef>
+                <a:spcPts val="0"/>
+              </a:spcBef>
+              <a:spcAft>
+                <a:spcPts val="0"/>
+              </a:spcAft>
+              <a:buNone/>
+            </a:pPr>
+            <a:r>
+              <a:t/>
+            </a:r>
+            <a:endParaRPr/>
+          </a:p>
+        </p:txBody>
+      </p:sp>
+    </p:spTree>
+  </p:cSld>
+  <p:clrMapOvr>
+    <a:masterClrMapping/>
+  </p:clrMapOvr>
+</p:notes>
+</file>
+
+<file path=ppt/notesSlides/notesSlide30.xml><?xml version="1.0" encoding="utf-8"?>
+<p:notes xmlns:a="http://schemas.openxmlformats.org/drawingml/2006/main" xmlns:r="http://schemas.openxmlformats.org/officeDocument/2006/relationships" xmlns:mc="http://schemas.openxmlformats.org/markup-compatibility/2006" xmlns:mv="urn:schemas-microsoft-com:mac:vml" xmlns:p="http://schemas.openxmlformats.org/presentationml/2006/main" xmlns:c="http://schemas.openxmlformats.org/drawingml/2006/chart" xmlns:dgm="http://schemas.openxmlformats.org/drawingml/2006/diagram" xmlns:o="urn:schemas-microsoft-com:office:office" xmlns:v="urn:schemas-microsoft-com:vml" xmlns:pvml="urn:schemas-microsoft-com:office:powerpoint" xmlns:com="http://schemas.openxmlformats.org/drawingml/2006/compatibility" xmlns:p14="http://schemas.microsoft.com/office/powerpoint/2010/main" xmlns:p15="http://schemas.microsoft.com/office/powerpoint/2012/main" showMasterPhAnim="0" showMasterSp="0">
+  <p:cSld>
+    <p:spTree>
+      <p:nvGrpSpPr>
+        <p:cNvPr id="284" name="Shape 284"/>
+        <p:cNvGrpSpPr/>
+        <p:nvPr/>
+      </p:nvGrpSpPr>
+      <p:grpSpPr>
+        <a:xfrm>
+          <a:off x="0" y="0"/>
+          <a:ext cx="0" cy="0"/>
+          <a:chOff x="0" y="0"/>
+          <a:chExt cx="0" cy="0"/>
+        </a:xfrm>
+      </p:grpSpPr>
+      <p:sp>
+        <p:nvSpPr>
+          <p:cNvPr id="285" name="Google Shape;285;g6f080818eb_1_24:notes"/>
+          <p:cNvSpPr/>
+          <p:nvPr>
+            <p:ph idx="2" type="sldImg"/>
+          </p:nvPr>
+        </p:nvSpPr>
+        <p:spPr>
+          <a:xfrm>
+            <a:off x="381300" y="685800"/>
+            <a:ext cx="6096000" cy="3429000"/>
+          </a:xfrm>
+          <a:custGeom>
+            <a:rect b="b" l="l" r="r" t="t"/>
+            <a:pathLst>
+              <a:path extrusionOk="0" h="120000" w="120000">
+                <a:moveTo>
+                  <a:pt x="0" y="0"/>
+                </a:moveTo>
+                <a:lnTo>
+                  <a:pt x="120000" y="0"/>
+                </a:lnTo>
+                <a:lnTo>
+                  <a:pt x="120000" y="120000"/>
+                </a:lnTo>
+                <a:lnTo>
+                  <a:pt x="0" y="120000"/>
+                </a:lnTo>
+                <a:close/>
+              </a:path>
+            </a:pathLst>
+          </a:custGeom>
+        </p:spPr>
+      </p:sp>
+      <p:sp>
+        <p:nvSpPr>
+          <p:cNvPr id="286" name="Google Shape;286;g6f080818eb_1_24:notes"/>
+          <p:cNvSpPr txBox="1"/>
+          <p:nvPr>
+            <p:ph idx="1" type="body"/>
+          </p:nvPr>
+        </p:nvSpPr>
+        <p:spPr>
+          <a:xfrm>
+            <a:off x="685800" y="4343400"/>
+            <a:ext cx="5486400" cy="4114800"/>
+          </a:xfrm>
+          <a:prstGeom prst="rect">
+            <a:avLst/>
+          </a:prstGeom>
+        </p:spPr>
+        <p:txBody>
+          <a:bodyPr anchorCtr="0" anchor="t" bIns="91425" lIns="91425" spcFirstLastPara="1" rIns="91425" wrap="square" tIns="91425">
+            <a:noAutofit/>
+          </a:bodyPr>
+          <a:lstStyle/>
+          <a:p>
+            <a:pPr indent="0" lvl="0" marL="0" rtl="0" algn="l">
+              <a:spcBef>
+                <a:spcPts val="0"/>
+              </a:spcBef>
+              <a:spcAft>
+                <a:spcPts val="0"/>
+              </a:spcAft>
+              <a:buNone/>
+            </a:pPr>
+            <a:r>
+              <a:t/>
+            </a:r>
+            <a:endParaRPr/>
+          </a:p>
+        </p:txBody>
+      </p:sp>
+    </p:spTree>
+  </p:cSld>
+  <p:clrMapOvr>
+    <a:masterClrMapping/>
+  </p:clrMapOvr>
+</p:notes>
+</file>
+
+<file path=ppt/notesSlides/notesSlide31.xml><?xml version="1.0" encoding="utf-8"?>
+<p:notes xmlns:a="http://schemas.openxmlformats.org/drawingml/2006/main" xmlns:r="http://schemas.openxmlformats.org/officeDocument/2006/relationships" xmlns:mc="http://schemas.openxmlformats.org/markup-compatibility/2006" xmlns:mv="urn:schemas-microsoft-com:mac:vml" xmlns:p="http://schemas.openxmlformats.org/presentationml/2006/main" xmlns:c="http://schemas.openxmlformats.org/drawingml/2006/chart" xmlns:dgm="http://schemas.openxmlformats.org/drawingml/2006/diagram" xmlns:o="urn:schemas-microsoft-com:office:office" xmlns:v="urn:schemas-microsoft-com:vml" xmlns:pvml="urn:schemas-microsoft-com:office:powerpoint" xmlns:com="http://schemas.openxmlformats.org/drawingml/2006/compatibility" xmlns:p14="http://schemas.microsoft.com/office/powerpoint/2010/main" xmlns:p15="http://schemas.microsoft.com/office/powerpoint/2012/main" showMasterPhAnim="0" showMasterSp="0">
+  <p:cSld>
+    <p:spTree>
+      <p:nvGrpSpPr>
+        <p:cNvPr id="294" name="Shape 294"/>
+        <p:cNvGrpSpPr/>
+        <p:nvPr/>
+      </p:nvGrpSpPr>
+      <p:grpSpPr>
+        <a:xfrm>
+          <a:off x="0" y="0"/>
+          <a:ext cx="0" cy="0"/>
+          <a:chOff x="0" y="0"/>
+          <a:chExt cx="0" cy="0"/>
+        </a:xfrm>
+      </p:grpSpPr>
+      <p:sp>
+        <p:nvSpPr>
+          <p:cNvPr id="295" name="Google Shape;295;g6f080818eb_1_37:notes"/>
+          <p:cNvSpPr/>
+          <p:nvPr>
+            <p:ph idx="2" type="sldImg"/>
+          </p:nvPr>
+        </p:nvSpPr>
+        <p:spPr>
+          <a:xfrm>
+            <a:off x="381300" y="685800"/>
+            <a:ext cx="6096000" cy="3429000"/>
+          </a:xfrm>
+          <a:custGeom>
+            <a:rect b="b" l="l" r="r" t="t"/>
+            <a:pathLst>
+              <a:path extrusionOk="0" h="120000" w="120000">
+                <a:moveTo>
+                  <a:pt x="0" y="0"/>
+                </a:moveTo>
+                <a:lnTo>
+                  <a:pt x="120000" y="0"/>
+                </a:lnTo>
+                <a:lnTo>
+                  <a:pt x="120000" y="120000"/>
+                </a:lnTo>
+                <a:lnTo>
+                  <a:pt x="0" y="120000"/>
+                </a:lnTo>
+                <a:close/>
+              </a:path>
+            </a:pathLst>
+          </a:custGeom>
+        </p:spPr>
+      </p:sp>
+      <p:sp>
+        <p:nvSpPr>
+          <p:cNvPr id="296" name="Google Shape;296;g6f080818eb_1_37:notes"/>
+          <p:cNvSpPr txBox="1"/>
+          <p:nvPr>
+            <p:ph idx="1" type="body"/>
+          </p:nvPr>
+        </p:nvSpPr>
+        <p:spPr>
+          <a:xfrm>
+            <a:off x="685800" y="4343400"/>
+            <a:ext cx="5486400" cy="4114800"/>
+          </a:xfrm>
+          <a:prstGeom prst="rect">
+            <a:avLst/>
+          </a:prstGeom>
+        </p:spPr>
+        <p:txBody>
+          <a:bodyPr anchorCtr="0" anchor="t" bIns="91425" lIns="91425" spcFirstLastPara="1" rIns="91425" wrap="square" tIns="91425">
+            <a:noAutofit/>
+          </a:bodyPr>
+          <a:lstStyle/>
+          <a:p>
+            <a:pPr indent="0" lvl="0" marL="0" rtl="0" algn="l">
+              <a:spcBef>
+                <a:spcPts val="0"/>
+              </a:spcBef>
+              <a:spcAft>
+                <a:spcPts val="0"/>
+              </a:spcAft>
+              <a:buNone/>
+            </a:pPr>
+            <a:r>
+              <a:t/>
+            </a:r>
+            <a:endParaRPr/>
+          </a:p>
+        </p:txBody>
+      </p:sp>
+    </p:spTree>
+  </p:cSld>
+  <p:clrMapOvr>
+    <a:masterClrMapping/>
+  </p:clrMapOvr>
+</p:notes>
+</file>
+
+<file path=ppt/notesSlides/notesSlide32.xml><?xml version="1.0" encoding="utf-8"?>
+<p:notes xmlns:a="http://schemas.openxmlformats.org/drawingml/2006/main" xmlns:r="http://schemas.openxmlformats.org/officeDocument/2006/relationships" xmlns:mc="http://schemas.openxmlformats.org/markup-compatibility/2006" xmlns:mv="urn:schemas-microsoft-com:mac:vml" xmlns:p="http://schemas.openxmlformats.org/presentationml/2006/main" xmlns:c="http://schemas.openxmlformats.org/drawingml/2006/chart" xmlns:dgm="http://schemas.openxmlformats.org/drawingml/2006/diagram" xmlns:o="urn:schemas-microsoft-com:office:office" xmlns:v="urn:schemas-microsoft-com:vml" xmlns:pvml="urn:schemas-microsoft-com:office:powerpoint" xmlns:com="http://schemas.openxmlformats.org/drawingml/2006/compatibility" xmlns:p14="http://schemas.microsoft.com/office/powerpoint/2010/main" xmlns:p15="http://schemas.microsoft.com/office/powerpoint/2012/main" showMasterPhAnim="0" showMasterSp="0">
+  <p:cSld>
+    <p:spTree>
+      <p:nvGrpSpPr>
+        <p:cNvPr id="302" name="Shape 302"/>
+        <p:cNvGrpSpPr/>
+        <p:nvPr/>
+      </p:nvGrpSpPr>
+      <p:grpSpPr>
+        <a:xfrm>
+          <a:off x="0" y="0"/>
+          <a:ext cx="0" cy="0"/>
+          <a:chOff x="0" y="0"/>
+          <a:chExt cx="0" cy="0"/>
+        </a:xfrm>
+      </p:grpSpPr>
+      <p:sp>
+        <p:nvSpPr>
+          <p:cNvPr id="303" name="Google Shape;303;g6f080818eb_1_44:notes"/>
+          <p:cNvSpPr/>
+          <p:nvPr>
+            <p:ph idx="2" type="sldImg"/>
+          </p:nvPr>
+        </p:nvSpPr>
+        <p:spPr>
+          <a:xfrm>
+            <a:off x="381300" y="685800"/>
+            <a:ext cx="6096000" cy="3429000"/>
+          </a:xfrm>
+          <a:custGeom>
+            <a:rect b="b" l="l" r="r" t="t"/>
+            <a:pathLst>
+              <a:path extrusionOk="0" h="120000" w="120000">
+                <a:moveTo>
+                  <a:pt x="0" y="0"/>
+                </a:moveTo>
+                <a:lnTo>
+                  <a:pt x="120000" y="0"/>
+                </a:lnTo>
+                <a:lnTo>
+                  <a:pt x="120000" y="120000"/>
+                </a:lnTo>
+                <a:lnTo>
+                  <a:pt x="0" y="120000"/>
+                </a:lnTo>
+                <a:close/>
+              </a:path>
+            </a:pathLst>
+          </a:custGeom>
+        </p:spPr>
+      </p:sp>
+      <p:sp>
+        <p:nvSpPr>
+          <p:cNvPr id="304" name="Google Shape;304;g6f080818eb_1_44:notes"/>
+          <p:cNvSpPr txBox="1"/>
+          <p:nvPr>
+            <p:ph idx="1" type="body"/>
+          </p:nvPr>
+        </p:nvSpPr>
+        <p:spPr>
+          <a:xfrm>
+            <a:off x="685800" y="4343400"/>
+            <a:ext cx="5486400" cy="4114800"/>
+          </a:xfrm>
+          <a:prstGeom prst="rect">
+            <a:avLst/>
+          </a:prstGeom>
+        </p:spPr>
+        <p:txBody>
+          <a:bodyPr anchorCtr="0" anchor="t" bIns="91425" lIns="91425" spcFirstLastPara="1" rIns="91425" wrap="square" tIns="91425">
+            <a:noAutofit/>
+          </a:bodyPr>
+          <a:lstStyle/>
+          <a:p>
+            <a:pPr indent="0" lvl="0" marL="0" rtl="0" algn="l">
+              <a:spcBef>
+                <a:spcPts val="0"/>
+              </a:spcBef>
+              <a:spcAft>
+                <a:spcPts val="0"/>
+              </a:spcAft>
+              <a:buNone/>
+            </a:pPr>
+            <a:r>
+              <a:t/>
+            </a:r>
+            <a:endParaRPr/>
+          </a:p>
+        </p:txBody>
+      </p:sp>
+    </p:spTree>
+  </p:cSld>
+  <p:clrMapOvr>
+    <a:masterClrMapping/>
+  </p:clrMapOvr>
+</p:notes>
+</file>
+
+<file path=ppt/notesSlides/notesSlide33.xml><?xml version="1.0" encoding="utf-8"?>
+<p:notes xmlns:a="http://schemas.openxmlformats.org/drawingml/2006/main" xmlns:r="http://schemas.openxmlformats.org/officeDocument/2006/relationships" xmlns:mc="http://schemas.openxmlformats.org/markup-compatibility/2006" xmlns:mv="urn:schemas-microsoft-com:mac:vml" xmlns:p="http://schemas.openxmlformats.org/presentationml/2006/main" xmlns:c="http://schemas.openxmlformats.org/drawingml/2006/chart" xmlns:dgm="http://schemas.openxmlformats.org/drawingml/2006/diagram" xmlns:o="urn:schemas-microsoft-com:office:office" xmlns:v="urn:schemas-microsoft-com:vml" xmlns:pvml="urn:schemas-microsoft-com:office:powerpoint" xmlns:com="http://schemas.openxmlformats.org/drawingml/2006/compatibility" xmlns:p14="http://schemas.microsoft.com/office/powerpoint/2010/main" xmlns:p15="http://schemas.microsoft.com/office/powerpoint/2012/main" showMasterPhAnim="0" showMasterSp="0">
+  <p:cSld>
+    <p:spTree>
+      <p:nvGrpSpPr>
+        <p:cNvPr id="309" name="Shape 309"/>
+        <p:cNvGrpSpPr/>
+        <p:nvPr/>
+      </p:nvGrpSpPr>
+      <p:grpSpPr>
+        <a:xfrm>
+          <a:off x="0" y="0"/>
+          <a:ext cx="0" cy="0"/>
+          <a:chOff x="0" y="0"/>
+          <a:chExt cx="0" cy="0"/>
+        </a:xfrm>
+      </p:grpSpPr>
+      <p:sp>
+        <p:nvSpPr>
+          <p:cNvPr id="310" name="Google Shape;310;g6f080818eb_1_53:notes"/>
+          <p:cNvSpPr/>
+          <p:nvPr>
+            <p:ph idx="2" type="sldImg"/>
+          </p:nvPr>
+        </p:nvSpPr>
+        <p:spPr>
+          <a:xfrm>
+            <a:off x="381300" y="685800"/>
+            <a:ext cx="6096000" cy="3429000"/>
+          </a:xfrm>
+          <a:custGeom>
+            <a:rect b="b" l="l" r="r" t="t"/>
+            <a:pathLst>
+              <a:path extrusionOk="0" h="120000" w="120000">
+                <a:moveTo>
+                  <a:pt x="0" y="0"/>
+                </a:moveTo>
+                <a:lnTo>
+                  <a:pt x="120000" y="0"/>
+                </a:lnTo>
+                <a:lnTo>
+                  <a:pt x="120000" y="120000"/>
+                </a:lnTo>
+                <a:lnTo>
+                  <a:pt x="0" y="120000"/>
+                </a:lnTo>
+                <a:close/>
+              </a:path>
+            </a:pathLst>
+          </a:custGeom>
+        </p:spPr>
+      </p:sp>
+      <p:sp>
+        <p:nvSpPr>
+          <p:cNvPr id="311" name="Google Shape;311;g6f080818eb_1_53:notes"/>
+          <p:cNvSpPr txBox="1"/>
+          <p:nvPr>
+            <p:ph idx="1" type="body"/>
+          </p:nvPr>
+        </p:nvSpPr>
+        <p:spPr>
+          <a:xfrm>
+            <a:off x="685800" y="4343400"/>
+            <a:ext cx="5486400" cy="4114800"/>
+          </a:xfrm>
+          <a:prstGeom prst="rect">
+            <a:avLst/>
+          </a:prstGeom>
+        </p:spPr>
+        <p:txBody>
+          <a:bodyPr anchorCtr="0" anchor="t" bIns="91425" lIns="91425" spcFirstLastPara="1" rIns="91425" wrap="square" tIns="91425">
+            <a:noAutofit/>
+          </a:bodyPr>
+          <a:lstStyle/>
+          <a:p>
+            <a:pPr indent="0" lvl="0" marL="0" rtl="0" algn="l">
+              <a:spcBef>
+                <a:spcPts val="0"/>
+              </a:spcBef>
+              <a:spcAft>
+                <a:spcPts val="0"/>
+              </a:spcAft>
+              <a:buNone/>
+            </a:pPr>
+            <a:r>
+              <a:t/>
+            </a:r>
+            <a:endParaRPr/>
+          </a:p>
+        </p:txBody>
+      </p:sp>
+    </p:spTree>
+  </p:cSld>
+  <p:clrMapOvr>
+    <a:masterClrMapping/>
+  </p:clrMapOvr>
+</p:notes>
+</file>
+
+<file path=ppt/notesSlides/notesSlide34.xml><?xml version="1.0" encoding="utf-8"?>
+<p:notes xmlns:a="http://schemas.openxmlformats.org/drawingml/2006/main" xmlns:r="http://schemas.openxmlformats.org/officeDocument/2006/relationships" xmlns:mc="http://schemas.openxmlformats.org/markup-compatibility/2006" xmlns:mv="urn:schemas-microsoft-com:mac:vml" xmlns:p="http://schemas.openxmlformats.org/presentationml/2006/main" xmlns:c="http://schemas.openxmlformats.org/drawingml/2006/chart" xmlns:dgm="http://schemas.openxmlformats.org/drawingml/2006/diagram" xmlns:o="urn:schemas-microsoft-com:office:office" xmlns:v="urn:schemas-microsoft-com:vml" xmlns:pvml="urn:schemas-microsoft-com:office:powerpoint" xmlns:com="http://schemas.openxmlformats.org/drawingml/2006/compatibility" xmlns:p14="http://schemas.microsoft.com/office/powerpoint/2010/main" xmlns:p15="http://schemas.microsoft.com/office/powerpoint/2012/main" showMasterPhAnim="0" showMasterSp="0">
+  <p:cSld>
+    <p:spTree>
+      <p:nvGrpSpPr>
+        <p:cNvPr id="317" name="Shape 317"/>
+        <p:cNvGrpSpPr/>
+        <p:nvPr/>
+      </p:nvGrpSpPr>
+      <p:grpSpPr>
+        <a:xfrm>
+          <a:off x="0" y="0"/>
+          <a:ext cx="0" cy="0"/>
+          <a:chOff x="0" y="0"/>
+          <a:chExt cx="0" cy="0"/>
+        </a:xfrm>
+      </p:grpSpPr>
+      <p:sp>
+        <p:nvSpPr>
+          <p:cNvPr id="318" name="Google Shape;318;g6f080818eb_1_63:notes"/>
+          <p:cNvSpPr/>
+          <p:nvPr>
+            <p:ph idx="2" type="sldImg"/>
+          </p:nvPr>
+        </p:nvSpPr>
+        <p:spPr>
+          <a:xfrm>
+            <a:off x="381300" y="685800"/>
+            <a:ext cx="6096000" cy="3429000"/>
+          </a:xfrm>
+          <a:custGeom>
+            <a:rect b="b" l="l" r="r" t="t"/>
+            <a:pathLst>
+              <a:path extrusionOk="0" h="120000" w="120000">
+                <a:moveTo>
+                  <a:pt x="0" y="0"/>
+                </a:moveTo>
+                <a:lnTo>
+                  <a:pt x="120000" y="0"/>
+                </a:lnTo>
+                <a:lnTo>
+                  <a:pt x="120000" y="120000"/>
+                </a:lnTo>
+                <a:lnTo>
+                  <a:pt x="0" y="120000"/>
+                </a:lnTo>
+                <a:close/>
+              </a:path>
+            </a:pathLst>
+          </a:custGeom>
+        </p:spPr>
+      </p:sp>
+      <p:sp>
+        <p:nvSpPr>
+          <p:cNvPr id="319" name="Google Shape;319;g6f080818eb_1_63:notes"/>
+          <p:cNvSpPr txBox="1"/>
+          <p:nvPr>
+            <p:ph idx="1" type="body"/>
+          </p:nvPr>
+        </p:nvSpPr>
+        <p:spPr>
+          <a:xfrm>
+            <a:off x="685800" y="4343400"/>
+            <a:ext cx="5486400" cy="4114800"/>
+          </a:xfrm>
+          <a:prstGeom prst="rect">
+            <a:avLst/>
+          </a:prstGeom>
+        </p:spPr>
+        <p:txBody>
+          <a:bodyPr anchorCtr="0" anchor="t" bIns="91425" lIns="91425" spcFirstLastPara="1" rIns="91425" wrap="square" tIns="91425">
+            <a:noAutofit/>
+          </a:bodyPr>
+          <a:lstStyle/>
+          <a:p>
+            <a:pPr indent="0" lvl="0" marL="0" rtl="0" algn="l">
+              <a:spcBef>
+                <a:spcPts val="0"/>
+              </a:spcBef>
+              <a:spcAft>
+                <a:spcPts val="0"/>
+              </a:spcAft>
+              <a:buNone/>
+            </a:pPr>
+            <a:r>
+              <a:t/>
+            </a:r>
+            <a:endParaRPr/>
+          </a:p>
+        </p:txBody>
+      </p:sp>
+    </p:spTree>
+  </p:cSld>
+  <p:clrMapOvr>
+    <a:masterClrMapping/>
+  </p:clrMapOvr>
+</p:notes>
+</file>
+
+<file path=ppt/notesSlides/notesSlide35.xml><?xml version="1.0" encoding="utf-8"?>
+<p:notes xmlns:a="http://schemas.openxmlformats.org/drawingml/2006/main" xmlns:r="http://schemas.openxmlformats.org/officeDocument/2006/relationships" xmlns:mc="http://schemas.openxmlformats.org/markup-compatibility/2006" xmlns:mv="urn:schemas-microsoft-com:mac:vml" xmlns:p="http://schemas.openxmlformats.org/presentationml/2006/main" xmlns:c="http://schemas.openxmlformats.org/drawingml/2006/chart" xmlns:dgm="http://schemas.openxmlformats.org/drawingml/2006/diagram" xmlns:o="urn:schemas-microsoft-com:office:office" xmlns:v="urn:schemas-microsoft-com:vml" xmlns:pvml="urn:schemas-microsoft-com:office:powerpoint" xmlns:com="http://schemas.openxmlformats.org/drawingml/2006/compatibility" xmlns:p14="http://schemas.microsoft.com/office/powerpoint/2010/main" xmlns:p15="http://schemas.microsoft.com/office/powerpoint/2012/main" showMasterPhAnim="0" showMasterSp="0">
+  <p:cSld>
+    <p:spTree>
+      <p:nvGrpSpPr>
+        <p:cNvPr id="325" name="Shape 325"/>
+        <p:cNvGrpSpPr/>
+        <p:nvPr/>
+      </p:nvGrpSpPr>
+      <p:grpSpPr>
+        <a:xfrm>
+          <a:off x="0" y="0"/>
+          <a:ext cx="0" cy="0"/>
+          <a:chOff x="0" y="0"/>
+          <a:chExt cx="0" cy="0"/>
+        </a:xfrm>
+      </p:grpSpPr>
+      <p:sp>
+        <p:nvSpPr>
+          <p:cNvPr id="326" name="Google Shape;326;g6f080818eb_1_72:notes"/>
+          <p:cNvSpPr/>
+          <p:nvPr>
+            <p:ph idx="2" type="sldImg"/>
+          </p:nvPr>
+        </p:nvSpPr>
+        <p:spPr>
+          <a:xfrm>
+            <a:off x="381300" y="685800"/>
+            <a:ext cx="6096000" cy="3429000"/>
+          </a:xfrm>
+          <a:custGeom>
+            <a:rect b="b" l="l" r="r" t="t"/>
+            <a:pathLst>
+              <a:path extrusionOk="0" h="120000" w="120000">
+                <a:moveTo>
+                  <a:pt x="0" y="0"/>
+                </a:moveTo>
+                <a:lnTo>
+                  <a:pt x="120000" y="0"/>
+                </a:lnTo>
+                <a:lnTo>
+                  <a:pt x="120000" y="120000"/>
+                </a:lnTo>
+                <a:lnTo>
+                  <a:pt x="0" y="120000"/>
+                </a:lnTo>
+                <a:close/>
+              </a:path>
+            </a:pathLst>
+          </a:custGeom>
+        </p:spPr>
+      </p:sp>
+      <p:sp>
+        <p:nvSpPr>
+          <p:cNvPr id="327" name="Google Shape;327;g6f080818eb_1_72:notes"/>
+          <p:cNvSpPr txBox="1"/>
+          <p:nvPr>
+            <p:ph idx="1" type="body"/>
+          </p:nvPr>
+        </p:nvSpPr>
+        <p:spPr>
+          <a:xfrm>
+            <a:off x="685800" y="4343400"/>
+            <a:ext cx="5486400" cy="4114800"/>
+          </a:xfrm>
+          <a:prstGeom prst="rect">
+            <a:avLst/>
+          </a:prstGeom>
+        </p:spPr>
+        <p:txBody>
+          <a:bodyPr anchorCtr="0" anchor="t" bIns="91425" lIns="91425" spcFirstLastPara="1" rIns="91425" wrap="square" tIns="91425">
+            <a:noAutofit/>
+          </a:bodyPr>
+          <a:lstStyle/>
+          <a:p>
+            <a:pPr indent="0" lvl="0" marL="0" rtl="0" algn="l">
+              <a:spcBef>
+                <a:spcPts val="0"/>
+              </a:spcBef>
+              <a:spcAft>
+                <a:spcPts val="0"/>
+              </a:spcAft>
+              <a:buNone/>
+            </a:pPr>
+            <a:r>
+              <a:t/>
+            </a:r>
+            <a:endParaRPr/>
+          </a:p>
+        </p:txBody>
+      </p:sp>
+    </p:spTree>
+  </p:cSld>
+  <p:clrMapOvr>
+    <a:masterClrMapping/>
+  </p:clrMapOvr>
+</p:notes>
+</file>
+
+<file path=ppt/notesSlides/notesSlide36.xml><?xml version="1.0" encoding="utf-8"?>
+<p:notes xmlns:a="http://schemas.openxmlformats.org/drawingml/2006/main" xmlns:r="http://schemas.openxmlformats.org/officeDocument/2006/relationships" xmlns:mc="http://schemas.openxmlformats.org/markup-compatibility/2006" xmlns:mv="urn:schemas-microsoft-com:mac:vml" xmlns:p="http://schemas.openxmlformats.org/presentationml/2006/main" xmlns:c="http://schemas.openxmlformats.org/drawingml/2006/chart" xmlns:dgm="http://schemas.openxmlformats.org/drawingml/2006/diagram" xmlns:o="urn:schemas-microsoft-com:office:office" xmlns:v="urn:schemas-microsoft-com:vml" xmlns:pvml="urn:schemas-microsoft-com:office:powerpoint" xmlns:com="http://schemas.openxmlformats.org/drawingml/2006/compatibility" xmlns:p14="http://schemas.microsoft.com/office/powerpoint/2010/main" xmlns:p15="http://schemas.microsoft.com/office/powerpoint/2012/main" showMasterPhAnim="0" showMasterSp="0">
+  <p:cSld>
+    <p:spTree>
+      <p:nvGrpSpPr>
+        <p:cNvPr id="333" name="Shape 333"/>
+        <p:cNvGrpSpPr/>
+        <p:nvPr/>
+      </p:nvGrpSpPr>
+      <p:grpSpPr>
+        <a:xfrm>
+          <a:off x="0" y="0"/>
+          <a:ext cx="0" cy="0"/>
+          <a:chOff x="0" y="0"/>
+          <a:chExt cx="0" cy="0"/>
+        </a:xfrm>
+      </p:grpSpPr>
+      <p:sp>
+        <p:nvSpPr>
+          <p:cNvPr id="334" name="Google Shape;334;g6f080818eb_1_81:notes"/>
+          <p:cNvSpPr/>
+          <p:nvPr>
+            <p:ph idx="2" type="sldImg"/>
+          </p:nvPr>
+        </p:nvSpPr>
+        <p:spPr>
+          <a:xfrm>
+            <a:off x="381300" y="685800"/>
+            <a:ext cx="6096000" cy="3429000"/>
+          </a:xfrm>
+          <a:custGeom>
+            <a:rect b="b" l="l" r="r" t="t"/>
+            <a:pathLst>
+              <a:path extrusionOk="0" h="120000" w="120000">
+                <a:moveTo>
+                  <a:pt x="0" y="0"/>
+                </a:moveTo>
+                <a:lnTo>
+                  <a:pt x="120000" y="0"/>
+                </a:lnTo>
+                <a:lnTo>
+                  <a:pt x="120000" y="120000"/>
+                </a:lnTo>
+                <a:lnTo>
+                  <a:pt x="0" y="120000"/>
+                </a:lnTo>
+                <a:close/>
+              </a:path>
+            </a:pathLst>
+          </a:custGeom>
+        </p:spPr>
+      </p:sp>
+      <p:sp>
+        <p:nvSpPr>
+          <p:cNvPr id="335" name="Google Shape;335;g6f080818eb_1_81:notes"/>
+          <p:cNvSpPr txBox="1"/>
+          <p:nvPr>
+            <p:ph idx="1" type="body"/>
+          </p:nvPr>
+        </p:nvSpPr>
+        <p:spPr>
+          <a:xfrm>
+            <a:off x="685800" y="4343400"/>
+            <a:ext cx="5486400" cy="4114800"/>
+          </a:xfrm>
+          <a:prstGeom prst="rect">
+            <a:avLst/>
+          </a:prstGeom>
+        </p:spPr>
+        <p:txBody>
+          <a:bodyPr anchorCtr="0" anchor="t" bIns="91425" lIns="91425" spcFirstLastPara="1" rIns="91425" wrap="square" tIns="91425">
+            <a:noAutofit/>
+          </a:bodyPr>
+          <a:lstStyle/>
+          <a:p>
+            <a:pPr indent="0" lvl="0" marL="0" rtl="0" algn="l">
+              <a:spcBef>
+                <a:spcPts val="0"/>
+              </a:spcBef>
+              <a:spcAft>
+                <a:spcPts val="0"/>
+              </a:spcAft>
+              <a:buNone/>
+            </a:pPr>
+            <a:r>
+              <a:t/>
+            </a:r>
+            <a:endParaRPr/>
+          </a:p>
+        </p:txBody>
+      </p:sp>
+    </p:spTree>
+  </p:cSld>
+  <p:clrMapOvr>
+    <a:masterClrMapping/>
+  </p:clrMapOvr>
+</p:notes>
+</file>
+
+<file path=ppt/notesSlides/notesSlide37.xml><?xml version="1.0" encoding="utf-8"?>
+<p:notes xmlns:a="http://schemas.openxmlformats.org/drawingml/2006/main" xmlns:r="http://schemas.openxmlformats.org/officeDocument/2006/relationships" xmlns:mc="http://schemas.openxmlformats.org/markup-compatibility/2006" xmlns:mv="urn:schemas-microsoft-com:mac:vml" xmlns:p="http://schemas.openxmlformats.org/presentationml/2006/main" xmlns:c="http://schemas.openxmlformats.org/drawingml/2006/chart" xmlns:dgm="http://schemas.openxmlformats.org/drawingml/2006/diagram" xmlns:o="urn:schemas-microsoft-com:office:office" xmlns:v="urn:schemas-microsoft-com:vml" xmlns:pvml="urn:schemas-microsoft-com:office:powerpoint" xmlns:com="http://schemas.openxmlformats.org/drawingml/2006/compatibility" xmlns:p14="http://schemas.microsoft.com/office/powerpoint/2010/main" xmlns:p15="http://schemas.microsoft.com/office/powerpoint/2012/main" showMasterPhAnim="0" showMasterSp="0">
+  <p:cSld>
+    <p:spTree>
+      <p:nvGrpSpPr>
+        <p:cNvPr id="340" name="Shape 340"/>
+        <p:cNvGrpSpPr/>
+        <p:nvPr/>
+      </p:nvGrpSpPr>
+      <p:grpSpPr>
+        <a:xfrm>
+          <a:off x="0" y="0"/>
+          <a:ext cx="0" cy="0"/>
+          <a:chOff x="0" y="0"/>
+          <a:chExt cx="0" cy="0"/>
+        </a:xfrm>
+      </p:grpSpPr>
+      <p:sp>
+        <p:nvSpPr>
+          <p:cNvPr id="341" name="Google Shape;341;g7d510cf431_2_140:notes"/>
+          <p:cNvSpPr/>
+          <p:nvPr>
+            <p:ph idx="2" type="sldImg"/>
+          </p:nvPr>
+        </p:nvSpPr>
+        <p:spPr>
+          <a:xfrm>
+            <a:off x="381300" y="685800"/>
+            <a:ext cx="6096000" cy="3429000"/>
+          </a:xfrm>
+          <a:custGeom>
+            <a:rect b="b" l="l" r="r" t="t"/>
+            <a:pathLst>
+              <a:path extrusionOk="0" h="120000" w="120000">
+                <a:moveTo>
+                  <a:pt x="0" y="0"/>
+                </a:moveTo>
+                <a:lnTo>
+                  <a:pt x="120000" y="0"/>
+                </a:lnTo>
+                <a:lnTo>
+                  <a:pt x="120000" y="120000"/>
+                </a:lnTo>
+                <a:lnTo>
+                  <a:pt x="0" y="120000"/>
+                </a:lnTo>
+                <a:close/>
+              </a:path>
+            </a:pathLst>
+          </a:custGeom>
+        </p:spPr>
+      </p:sp>
+      <p:sp>
+        <p:nvSpPr>
+          <p:cNvPr id="342" name="Google Shape;342;g7d510cf431_2_140:notes"/>
           <p:cNvSpPr txBox="1"/>
           <p:nvPr>
             <p:ph idx="1" type="body"/>
@@ -8601,7 +9601,7 @@
             <a:tbl>
               <a:tblPr>
                 <a:noFill/>
-                <a:tableStyleId>{10FEF1FE-55A9-4735-BBD3-201494F4F201}</a:tableStyleId>
+                <a:tableStyleId>{B073F476-F391-438D-A385-14AA45281D93}</a:tableStyleId>
               </a:tblPr>
               <a:tblGrid>
                 <a:gridCol w="5476200"/>
@@ -11009,7 +12009,7 @@
             <a:tbl>
               <a:tblPr>
                 <a:noFill/>
-                <a:tableStyleId>{10FEF1FE-55A9-4735-BBD3-201494F4F201}</a:tableStyleId>
+                <a:tableStyleId>{B073F476-F391-438D-A385-14AA45281D93}</a:tableStyleId>
               </a:tblPr>
               <a:tblGrid>
                 <a:gridCol w="5476200"/>
@@ -13792,7 +14792,7 @@
             <a:tbl>
               <a:tblPr>
                 <a:noFill/>
-                <a:tableStyleId>{10FEF1FE-55A9-4735-BBD3-201494F4F201}</a:tableStyleId>
+                <a:tableStyleId>{B073F476-F391-438D-A385-14AA45281D93}</a:tableStyleId>
               </a:tblPr>
               <a:tblGrid>
                 <a:gridCol w="5476200"/>
@@ -17917,7 +18917,7 @@
             <a:tbl>
               <a:tblPr>
                 <a:noFill/>
-                <a:tableStyleId>{10FEF1FE-55A9-4735-BBD3-201494F4F201}</a:tableStyleId>
+                <a:tableStyleId>{B073F476-F391-438D-A385-14AA45281D93}</a:tableStyleId>
               </a:tblPr>
               <a:tblGrid>
                 <a:gridCol w="5476200"/>
@@ -20064,7 +21064,7 @@
             <a:tbl>
               <a:tblPr>
                 <a:noFill/>
-                <a:tableStyleId>{10FEF1FE-55A9-4735-BBD3-201494F4F201}</a:tableStyleId>
+                <a:tableStyleId>{B073F476-F391-438D-A385-14AA45281D93}</a:tableStyleId>
               </a:tblPr>
               <a:tblGrid>
                 <a:gridCol w="4802225"/>
@@ -21684,7 +22684,7 @@
             <a:tbl>
               <a:tblPr>
                 <a:noFill/>
-                <a:tableStyleId>{10FEF1FE-55A9-4735-BBD3-201494F4F201}</a:tableStyleId>
+                <a:tableStyleId>{B073F476-F391-438D-A385-14AA45281D93}</a:tableStyleId>
               </a:tblPr>
               <a:tblGrid>
                 <a:gridCol w="3634525"/>
@@ -25800,17 +26800,20 @@
           <p:cNvPr id="265" name="Google Shape;265;p39"/>
           <p:cNvSpPr txBox="1"/>
           <p:nvPr>
-            <p:ph idx="1" type="subTitle"/>
+            <p:ph type="title"/>
           </p:nvPr>
         </p:nvSpPr>
         <p:spPr>
           <a:xfrm>
-            <a:off x="835000" y="118125"/>
-            <a:ext cx="8520600" cy="792600"/>
+            <a:off x="311700" y="445025"/>
+            <a:ext cx="8520600" cy="572700"/>
           </a:xfrm>
           <a:prstGeom prst="rect">
             <a:avLst/>
           </a:prstGeom>
+          <a:solidFill>
+            <a:srgbClr val="D9D9D9"/>
+          </a:solidFill>
         </p:spPr>
         <p:txBody>
           <a:bodyPr anchorCtr="0" anchor="t" bIns="91425" lIns="91425" spcFirstLastPara="1" rIns="91425" wrap="square" tIns="91425">
@@ -25830,55 +26833,59 @@
             <a:r>
               <a:rPr lang="en">
                 <a:solidFill>
-                  <a:srgbClr val="38761D"/>
+                  <a:srgbClr val="A61C00"/>
                 </a:solidFill>
               </a:rPr>
-              <a:t>Mobile Networks</a:t>
-            </a:r>
-            <a:r>
-              <a:rPr lang="en">
-                <a:solidFill>
-                  <a:srgbClr val="38761D"/>
-                </a:solidFill>
-              </a:rPr>
-              <a:t> - Lab Exercise #8</a:t>
+              <a:t>SqueezeNet - Learner</a:t>
             </a:r>
             <a:endParaRPr>
               <a:solidFill>
-                <a:srgbClr val="38761D"/>
+                <a:srgbClr val="A61C00"/>
               </a:solidFill>
             </a:endParaRPr>
           </a:p>
         </p:txBody>
       </p:sp>
-      <p:pic>
-        <p:nvPicPr>
+      <p:sp>
+        <p:nvSpPr>
           <p:cNvPr id="266" name="Google Shape;266;p39"/>
-          <p:cNvPicPr preferRelativeResize="0"/>
-          <p:nvPr/>
-        </p:nvPicPr>
-        <p:blipFill>
-          <a:blip r:embed="rId3">
-            <a:alphaModFix/>
-          </a:blip>
-          <a:stretch>
-            <a:fillRect/>
-          </a:stretch>
-        </p:blipFill>
+          <p:cNvSpPr txBox="1"/>
+          <p:nvPr>
+            <p:ph idx="12" type="sldNum"/>
+          </p:nvPr>
+        </p:nvSpPr>
         <p:spPr>
           <a:xfrm>
-            <a:off x="0" y="0"/>
-            <a:ext cx="1466275" cy="730575"/>
+            <a:off x="8472458" y="4663217"/>
+            <a:ext cx="548700" cy="393600"/>
           </a:xfrm>
           <a:prstGeom prst="rect">
             <a:avLst/>
           </a:prstGeom>
-          <a:noFill/>
-          <a:ln>
-            <a:noFill/>
-          </a:ln>
         </p:spPr>
-      </p:pic>
+        <p:txBody>
+          <a:bodyPr anchorCtr="0" anchor="ctr" bIns="91425" lIns="91425" spcFirstLastPara="1" rIns="91425" wrap="square" tIns="91425">
+            <a:noAutofit/>
+          </a:bodyPr>
+          <a:lstStyle/>
+          <a:p>
+            <a:pPr indent="0" lvl="0" marL="0" rtl="0" algn="r">
+              <a:spcBef>
+                <a:spcPts val="0"/>
+              </a:spcBef>
+              <a:spcAft>
+                <a:spcPts val="0"/>
+              </a:spcAft>
+              <a:buNone/>
+            </a:pPr>
+            <a:fld id="{00000000-1234-1234-1234-123412341234}" type="slidenum">
+              <a:rPr lang="en"/>
+              <a:t>‹#›</a:t>
+            </a:fld>
+            <a:endParaRPr/>
+          </a:p>
+        </p:txBody>
+      </p:sp>
       <p:sp>
         <p:nvSpPr>
           <p:cNvPr id="267" name="Google Shape;267;p39"/>
@@ -25887,8 +26894,8 @@
         </p:nvSpPr>
         <p:spPr>
           <a:xfrm>
-            <a:off x="423375" y="730575"/>
-            <a:ext cx="8430600" cy="4302900"/>
+            <a:off x="311700" y="1188675"/>
+            <a:ext cx="8520600" cy="2268300"/>
           </a:xfrm>
           <a:prstGeom prst="rect">
             <a:avLst/>
@@ -25904,38 +26911,48 @@
           </a:bodyPr>
           <a:lstStyle/>
           <a:p>
-            <a:pPr indent="0" lvl="0" marL="0" rtl="0" algn="ctr">
-              <a:spcBef>
-                <a:spcPts val="1100"/>
-              </a:spcBef>
-              <a:spcAft>
-                <a:spcPts val="0"/>
-              </a:spcAft>
+            <a:pPr indent="0" lvl="0" marL="0" rtl="0" algn="l">
+              <a:lnSpc>
+                <a:spcPct val="115000"/>
+              </a:lnSpc>
+              <a:spcBef>
+                <a:spcPts val="0"/>
+              </a:spcBef>
+              <a:spcAft>
+                <a:spcPts val="0"/>
+              </a:spcAft>
+              <a:buClr>
+                <a:schemeClr val="dk1"/>
+              </a:buClr>
+              <a:buSzPts val="1100"/>
+              <a:buFont typeface="Arial"/>
               <a:buNone/>
             </a:pPr>
             <a:r>
-              <a:rPr b="1" lang="en" sz="1200">
+              <a:rPr lang="en" sz="1200">
                 <a:solidFill>
                   <a:schemeClr val="dk1"/>
                 </a:solidFill>
-                <a:highlight>
-                  <a:schemeClr val="lt1"/>
-                </a:highlight>
               </a:rPr>
-              <a:t>Optional Code Lab - </a:t>
-            </a:r>
-            <a:r>
-              <a:rPr b="1" lang="en" sz="1200">
+              <a:t>The learner consists of three </a:t>
+            </a:r>
+            <a:r>
+              <a:rPr i="1" lang="en" sz="1200">
                 <a:solidFill>
-                  <a:srgbClr val="0000FF"/>
+                  <a:schemeClr val="dk1"/>
                 </a:solidFill>
-                <a:highlight>
-                  <a:srgbClr val="FFFFFF"/>
-                </a:highlight>
               </a:rPr>
-              <a:t>Get Familiar with Mobile Networks</a:t>
-            </a:r>
-            <a:endParaRPr sz="1100">
+              <a:t>fire </a:t>
+            </a:r>
+            <a:r>
+              <a:rPr lang="en" sz="1200">
+                <a:solidFill>
+                  <a:schemeClr val="dk1"/>
+                </a:solidFill>
+              </a:rPr>
+              <a:t>groups:</a:t>
+            </a:r>
+            <a:endParaRPr sz="1200">
               <a:solidFill>
                 <a:schemeClr val="dk1"/>
               </a:solidFill>
@@ -25943,8 +26960,11 @@
           </a:p>
           <a:p>
             <a:pPr indent="0" lvl="0" marL="0" rtl="0" algn="l">
-              <a:spcBef>
-                <a:spcPts val="1100"/>
+              <a:lnSpc>
+                <a:spcPct val="115000"/>
+              </a:lnSpc>
+              <a:spcBef>
+                <a:spcPts val="0"/>
               </a:spcBef>
               <a:spcAft>
                 <a:spcPts val="0"/>
@@ -25959,17 +26979,14 @@
             <a:r>
               <a:t/>
             </a:r>
-            <a:endParaRPr b="1" sz="1650">
+            <a:endParaRPr sz="1200">
               <a:solidFill>
-                <a:srgbClr val="337AB7"/>
+                <a:schemeClr val="dk1"/>
               </a:solidFill>
-              <a:highlight>
-                <a:srgbClr val="FFFFFF"/>
-              </a:highlight>
             </a:endParaRPr>
           </a:p>
           <a:p>
-            <a:pPr indent="0" lvl="0" marL="0" rtl="0" algn="ctr">
+            <a:pPr indent="-317500" lvl="0" marL="457200" rtl="0" algn="l">
               <a:lnSpc>
                 <a:spcPct val="115000"/>
               </a:lnSpc>
@@ -25979,19 +26996,254 @@
               <a:spcAft>
                 <a:spcPts val="0"/>
               </a:spcAft>
-              <a:buNone/>
+              <a:buClr>
+                <a:srgbClr val="0D904F"/>
+              </a:buClr>
+              <a:buSzPts val="1400"/>
+              <a:buAutoNum type="arabicPeriod"/>
             </a:pPr>
             <a:r>
-              <a:rPr lang="en" sz="1000" u="sng">
+              <a:rPr b="1" lang="en">
                 <a:solidFill>
-                  <a:schemeClr val="hlink"/>
+                  <a:srgbClr val="0D904F"/>
                 </a:solidFill>
-                <a:highlight>
-                  <a:srgbClr val="FAFAFA"/>
-                </a:highlight>
-                <a:hlinkClick r:id="rId4"/>
               </a:rPr>
-              <a:t>Deep Learning Design Patterns - Workshop - Chapter 4.ipynb</a:t>
+              <a:t>The first </a:t>
+            </a:r>
+            <a:r>
+              <a:rPr b="1" i="1" lang="en">
+                <a:solidFill>
+                  <a:srgbClr val="0D904F"/>
+                </a:solidFill>
+              </a:rPr>
+              <a:t>fire </a:t>
+            </a:r>
+            <a:r>
+              <a:rPr b="1" lang="en">
+                <a:solidFill>
+                  <a:srgbClr val="0D904F"/>
+                </a:solidFill>
+              </a:rPr>
+              <a:t>group has an input of 16 filters (channels) and an output of 32 filters (channels). </a:t>
+            </a:r>
+            <a:endParaRPr b="1">
+              <a:solidFill>
+                <a:srgbClr val="0D904F"/>
+              </a:solidFill>
+            </a:endParaRPr>
+          </a:p>
+          <a:p>
+            <a:pPr indent="0" lvl="0" marL="457200" rtl="0" algn="l">
+              <a:lnSpc>
+                <a:spcPct val="115000"/>
+              </a:lnSpc>
+              <a:spcBef>
+                <a:spcPts val="0"/>
+              </a:spcBef>
+              <a:spcAft>
+                <a:spcPts val="0"/>
+              </a:spcAft>
+              <a:buNone/>
+            </a:pPr>
+            <a:r>
+              <a:t/>
+            </a:r>
+            <a:endParaRPr b="1">
+              <a:solidFill>
+                <a:srgbClr val="0D904F"/>
+              </a:solidFill>
+            </a:endParaRPr>
+          </a:p>
+          <a:p>
+            <a:pPr indent="-317500" lvl="0" marL="457200" rtl="0" algn="l">
+              <a:lnSpc>
+                <a:spcPct val="115000"/>
+              </a:lnSpc>
+              <a:spcBef>
+                <a:spcPts val="0"/>
+              </a:spcBef>
+              <a:spcAft>
+                <a:spcPts val="0"/>
+              </a:spcAft>
+              <a:buClr>
+                <a:srgbClr val="0D904F"/>
+              </a:buClr>
+              <a:buSzPts val="1400"/>
+              <a:buAutoNum type="arabicPeriod"/>
+            </a:pPr>
+            <a:r>
+              <a:rPr b="1" lang="en">
+                <a:solidFill>
+                  <a:srgbClr val="0D904F"/>
+                </a:solidFill>
+              </a:rPr>
+              <a:t>The second </a:t>
+            </a:r>
+            <a:r>
+              <a:rPr b="1" i="1" lang="en">
+                <a:solidFill>
+                  <a:srgbClr val="0D904F"/>
+                </a:solidFill>
+              </a:rPr>
+              <a:t>fire </a:t>
+            </a:r>
+            <a:r>
+              <a:rPr b="1" lang="en">
+                <a:solidFill>
+                  <a:srgbClr val="0D904F"/>
+                </a:solidFill>
+              </a:rPr>
+              <a:t>group doubles that with input of 32 filters (channels) and output of 64 filters (channels). Both groups delay downsampling of the feature maps to the end of the group with a MaxPooling2D layer. </a:t>
+            </a:r>
+            <a:endParaRPr b="1">
+              <a:solidFill>
+                <a:srgbClr val="0D904F"/>
+              </a:solidFill>
+            </a:endParaRPr>
+          </a:p>
+          <a:p>
+            <a:pPr indent="0" lvl="0" marL="457200" rtl="0" algn="l">
+              <a:lnSpc>
+                <a:spcPct val="115000"/>
+              </a:lnSpc>
+              <a:spcBef>
+                <a:spcPts val="0"/>
+              </a:spcBef>
+              <a:spcAft>
+                <a:spcPts val="0"/>
+              </a:spcAft>
+              <a:buNone/>
+            </a:pPr>
+            <a:r>
+              <a:t/>
+            </a:r>
+            <a:endParaRPr b="1">
+              <a:solidFill>
+                <a:srgbClr val="0D904F"/>
+              </a:solidFill>
+            </a:endParaRPr>
+          </a:p>
+          <a:p>
+            <a:pPr indent="-317500" lvl="0" marL="457200" rtl="0" algn="l">
+              <a:lnSpc>
+                <a:spcPct val="115000"/>
+              </a:lnSpc>
+              <a:spcBef>
+                <a:spcPts val="0"/>
+              </a:spcBef>
+              <a:spcAft>
+                <a:spcPts val="0"/>
+              </a:spcAft>
+              <a:buClr>
+                <a:srgbClr val="0D904F"/>
+              </a:buClr>
+              <a:buSzPts val="1400"/>
+              <a:buAutoNum type="arabicPeriod"/>
+            </a:pPr>
+            <a:r>
+              <a:rPr b="1" lang="en">
+                <a:solidFill>
+                  <a:srgbClr val="0D904F"/>
+                </a:solidFill>
+              </a:rPr>
+              <a:t>The third</a:t>
+            </a:r>
+            <a:r>
+              <a:rPr b="1" i="1" lang="en">
+                <a:solidFill>
+                  <a:srgbClr val="0D904F"/>
+                </a:solidFill>
+              </a:rPr>
+              <a:t> fire </a:t>
+            </a:r>
+            <a:r>
+              <a:rPr b="1" lang="en">
+                <a:solidFill>
+                  <a:srgbClr val="0D904F"/>
+                </a:solidFill>
+              </a:rPr>
+              <a:t>group is a single fire block of 64 filters followed by a dropout layer.</a:t>
+            </a:r>
+            <a:endParaRPr b="1">
+              <a:solidFill>
+                <a:srgbClr val="0D904F"/>
+              </a:solidFill>
+            </a:endParaRPr>
+          </a:p>
+          <a:p>
+            <a:pPr indent="0" lvl="0" marL="0" rtl="0" algn="l">
+              <a:lnSpc>
+                <a:spcPct val="115000"/>
+              </a:lnSpc>
+              <a:spcBef>
+                <a:spcPts val="0"/>
+              </a:spcBef>
+              <a:spcAft>
+                <a:spcPts val="0"/>
+              </a:spcAft>
+              <a:buClr>
+                <a:schemeClr val="dk1"/>
+              </a:buClr>
+              <a:buSzPts val="1100"/>
+              <a:buFont typeface="Arial"/>
+              <a:buNone/>
+            </a:pPr>
+            <a:r>
+              <a:t/>
+            </a:r>
+            <a:endParaRPr sz="1200">
+              <a:solidFill>
+                <a:schemeClr val="dk1"/>
+              </a:solidFill>
+            </a:endParaRPr>
+          </a:p>
+          <a:p>
+            <a:pPr indent="0" lvl="0" marL="0" rtl="0" algn="l">
+              <a:lnSpc>
+                <a:spcPct val="115000"/>
+              </a:lnSpc>
+              <a:spcBef>
+                <a:spcPts val="0"/>
+              </a:spcBef>
+              <a:spcAft>
+                <a:spcPts val="0"/>
+              </a:spcAft>
+              <a:buClr>
+                <a:schemeClr val="dk1"/>
+              </a:buClr>
+              <a:buSzPts val="1100"/>
+              <a:buFont typeface="Arial"/>
+              <a:buNone/>
+            </a:pPr>
+            <a:r>
+              <a:t/>
+            </a:r>
+            <a:endParaRPr sz="1200">
+              <a:solidFill>
+                <a:schemeClr val="dk1"/>
+              </a:solidFill>
+            </a:endParaRPr>
+          </a:p>
+          <a:p>
+            <a:pPr indent="0" lvl="0" marL="0" rtl="0" algn="l">
+              <a:lnSpc>
+                <a:spcPct val="115000"/>
+              </a:lnSpc>
+              <a:spcBef>
+                <a:spcPts val="0"/>
+              </a:spcBef>
+              <a:spcAft>
+                <a:spcPts val="0"/>
+              </a:spcAft>
+              <a:buClr>
+                <a:schemeClr val="dk1"/>
+              </a:buClr>
+              <a:buSzPts val="1100"/>
+              <a:buFont typeface="Arial"/>
+              <a:buNone/>
+            </a:pPr>
+            <a:r>
+              <a:t/>
             </a:r>
             <a:endParaRPr b="1" sz="1200">
               <a:solidFill>
@@ -26010,6 +27262,38 @@
               <a:spcAft>
                 <a:spcPts val="0"/>
               </a:spcAft>
+              <a:buClr>
+                <a:schemeClr val="dk1"/>
+              </a:buClr>
+              <a:buSzPts val="1100"/>
+              <a:buFont typeface="Arial"/>
+              <a:buNone/>
+            </a:pPr>
+            <a:r>
+              <a:t/>
+            </a:r>
+            <a:endParaRPr sz="1100">
+              <a:solidFill>
+                <a:schemeClr val="dk1"/>
+              </a:solidFill>
+            </a:endParaRPr>
+          </a:p>
+          <a:p>
+            <a:pPr indent="0" lvl="0" marL="0" rtl="0" algn="l">
+              <a:lnSpc>
+                <a:spcPct val="115000"/>
+              </a:lnSpc>
+              <a:spcBef>
+                <a:spcPts val="0"/>
+              </a:spcBef>
+              <a:spcAft>
+                <a:spcPts val="0"/>
+              </a:spcAft>
+              <a:buClr>
+                <a:schemeClr val="dk1"/>
+              </a:buClr>
+              <a:buSzPts val="1100"/>
+              <a:buFont typeface="Arial"/>
               <a:buNone/>
             </a:pPr>
             <a:r>
@@ -26027,11 +27311,16 @@
                 <a:spcPct val="115000"/>
               </a:lnSpc>
               <a:spcBef>
-                <a:spcPts val="1100"/>
-              </a:spcBef>
-              <a:spcAft>
-                <a:spcPts val="0"/>
-              </a:spcAft>
+                <a:spcPts val="0"/>
+              </a:spcBef>
+              <a:spcAft>
+                <a:spcPts val="0"/>
+              </a:spcAft>
+              <a:buClr>
+                <a:schemeClr val="dk1"/>
+              </a:buClr>
+              <a:buSzPts val="1100"/>
+              <a:buFont typeface="Arial"/>
               <a:buNone/>
             </a:pPr>
             <a:r>
@@ -26041,13 +27330,1508 @@
               <a:solidFill>
                 <a:schemeClr val="dk1"/>
               </a:solidFill>
-              <a:highlight>
-                <a:srgbClr val="FFFFFF"/>
-              </a:highlight>
+            </a:endParaRPr>
+          </a:p>
+          <a:p>
+            <a:pPr indent="0" lvl="0" marL="0" rtl="0" algn="l">
+              <a:lnSpc>
+                <a:spcPct val="115000"/>
+              </a:lnSpc>
+              <a:spcBef>
+                <a:spcPts val="0"/>
+              </a:spcBef>
+              <a:spcAft>
+                <a:spcPts val="0"/>
+              </a:spcAft>
+              <a:buClr>
+                <a:schemeClr val="dk1"/>
+              </a:buClr>
+              <a:buSzPts val="1100"/>
+              <a:buFont typeface="Arial"/>
+              <a:buNone/>
+            </a:pPr>
+            <a:r>
+              <a:t/>
+            </a:r>
+            <a:endParaRPr sz="1200">
+              <a:solidFill>
+                <a:schemeClr val="dk1"/>
+              </a:solidFill>
+            </a:endParaRPr>
+          </a:p>
+          <a:p>
+            <a:pPr indent="0" lvl="0" marL="0" rtl="0" algn="l">
+              <a:lnSpc>
+                <a:spcPct val="115000"/>
+              </a:lnSpc>
+              <a:spcBef>
+                <a:spcPts val="0"/>
+              </a:spcBef>
+              <a:spcAft>
+                <a:spcPts val="0"/>
+              </a:spcAft>
+              <a:buNone/>
+            </a:pPr>
+            <a:r>
+              <a:t/>
+            </a:r>
+            <a:endParaRPr sz="1100">
+              <a:solidFill>
+                <a:schemeClr val="dk1"/>
+              </a:solidFill>
             </a:endParaRPr>
           </a:p>
         </p:txBody>
       </p:sp>
+    </p:spTree>
+  </p:cSld>
+  <p:clrMapOvr>
+    <a:masterClrMapping/>
+  </p:clrMapOvr>
+</p:sld>
+</file>
+
+<file path=ppt/slides/slide28.xml><?xml version="1.0" encoding="utf-8"?>
+<p:sld xmlns:a="http://schemas.openxmlformats.org/drawingml/2006/main" xmlns:r="http://schemas.openxmlformats.org/officeDocument/2006/relationships" xmlns:mc="http://schemas.openxmlformats.org/markup-compatibility/2006" xmlns:mv="urn:schemas-microsoft-com:mac:vml" xmlns:p="http://schemas.openxmlformats.org/presentationml/2006/main" xmlns:c="http://schemas.openxmlformats.org/drawingml/2006/chart" xmlns:dgm="http://schemas.openxmlformats.org/drawingml/2006/diagram" xmlns:o="urn:schemas-microsoft-com:office:office" xmlns:v="urn:schemas-microsoft-com:vml" xmlns:pvml="urn:schemas-microsoft-com:office:powerpoint" xmlns:com="http://schemas.openxmlformats.org/drawingml/2006/compatibility" xmlns:p14="http://schemas.microsoft.com/office/powerpoint/2010/main" xmlns:p15="http://schemas.microsoft.com/office/powerpoint/2012/main">
+  <p:cSld>
+    <p:spTree>
+      <p:nvGrpSpPr>
+        <p:cNvPr id="271" name="Shape 271"/>
+        <p:cNvGrpSpPr/>
+        <p:nvPr/>
+      </p:nvGrpSpPr>
+      <p:grpSpPr>
+        <a:xfrm>
+          <a:off x="0" y="0"/>
+          <a:ext cx="0" cy="0"/>
+          <a:chOff x="0" y="0"/>
+          <a:chExt cx="0" cy="0"/>
+        </a:xfrm>
+      </p:grpSpPr>
+      <p:sp>
+        <p:nvSpPr>
+          <p:cNvPr id="272" name="Google Shape;272;p40"/>
+          <p:cNvSpPr txBox="1"/>
+          <p:nvPr>
+            <p:ph type="title"/>
+          </p:nvPr>
+        </p:nvSpPr>
+        <p:spPr>
+          <a:xfrm>
+            <a:off x="311700" y="445025"/>
+            <a:ext cx="8520600" cy="572700"/>
+          </a:xfrm>
+          <a:prstGeom prst="rect">
+            <a:avLst/>
+          </a:prstGeom>
+          <a:solidFill>
+            <a:srgbClr val="D9D9D9"/>
+          </a:solidFill>
+        </p:spPr>
+        <p:txBody>
+          <a:bodyPr anchorCtr="0" anchor="t" bIns="91425" lIns="91425" spcFirstLastPara="1" rIns="91425" wrap="square" tIns="91425">
+            <a:noAutofit/>
+          </a:bodyPr>
+          <a:lstStyle/>
+          <a:p>
+            <a:pPr indent="0" lvl="0" marL="0" rtl="0" algn="ctr">
+              <a:spcBef>
+                <a:spcPts val="0"/>
+              </a:spcBef>
+              <a:spcAft>
+                <a:spcPts val="0"/>
+              </a:spcAft>
+              <a:buNone/>
+            </a:pPr>
+            <a:r>
+              <a:rPr lang="en">
+                <a:solidFill>
+                  <a:srgbClr val="A61C00"/>
+                </a:solidFill>
+              </a:rPr>
+              <a:t>SqueezeNet - Learner</a:t>
+            </a:r>
+            <a:endParaRPr>
+              <a:solidFill>
+                <a:srgbClr val="A61C00"/>
+              </a:solidFill>
+            </a:endParaRPr>
+          </a:p>
+        </p:txBody>
+      </p:sp>
+      <p:sp>
+        <p:nvSpPr>
+          <p:cNvPr id="273" name="Google Shape;273;p40"/>
+          <p:cNvSpPr txBox="1"/>
+          <p:nvPr>
+            <p:ph idx="12" type="sldNum"/>
+          </p:nvPr>
+        </p:nvSpPr>
+        <p:spPr>
+          <a:xfrm>
+            <a:off x="8472458" y="4663217"/>
+            <a:ext cx="548700" cy="393600"/>
+          </a:xfrm>
+          <a:prstGeom prst="rect">
+            <a:avLst/>
+          </a:prstGeom>
+        </p:spPr>
+        <p:txBody>
+          <a:bodyPr anchorCtr="0" anchor="ctr" bIns="91425" lIns="91425" spcFirstLastPara="1" rIns="91425" wrap="square" tIns="91425">
+            <a:noAutofit/>
+          </a:bodyPr>
+          <a:lstStyle/>
+          <a:p>
+            <a:pPr indent="0" lvl="0" marL="0" rtl="0" algn="r">
+              <a:spcBef>
+                <a:spcPts val="0"/>
+              </a:spcBef>
+              <a:spcAft>
+                <a:spcPts val="0"/>
+              </a:spcAft>
+              <a:buNone/>
+            </a:pPr>
+            <a:fld id="{00000000-1234-1234-1234-123412341234}" type="slidenum">
+              <a:rPr lang="en"/>
+              <a:t>‹#›</a:t>
+            </a:fld>
+            <a:endParaRPr/>
+          </a:p>
+        </p:txBody>
+      </p:sp>
+      <p:sp>
+        <p:nvSpPr>
+          <p:cNvPr id="274" name="Google Shape;274;p40"/>
+          <p:cNvSpPr txBox="1"/>
+          <p:nvPr/>
+        </p:nvSpPr>
+        <p:spPr>
+          <a:xfrm>
+            <a:off x="311700" y="1188675"/>
+            <a:ext cx="8520600" cy="529500"/>
+          </a:xfrm>
+          <a:prstGeom prst="rect">
+            <a:avLst/>
+          </a:prstGeom>
+          <a:noFill/>
+          <a:ln>
+            <a:noFill/>
+          </a:ln>
+        </p:spPr>
+        <p:txBody>
+          <a:bodyPr anchorCtr="0" anchor="t" bIns="91425" lIns="91425" spcFirstLastPara="1" rIns="91425" wrap="square" tIns="91425">
+            <a:noAutofit/>
+          </a:bodyPr>
+          <a:lstStyle/>
+          <a:p>
+            <a:pPr indent="0" lvl="0" marL="457200" rtl="0" algn="l">
+              <a:lnSpc>
+                <a:spcPct val="115000"/>
+              </a:lnSpc>
+              <a:spcBef>
+                <a:spcPts val="0"/>
+              </a:spcBef>
+              <a:spcAft>
+                <a:spcPts val="0"/>
+              </a:spcAft>
+              <a:buNone/>
+            </a:pPr>
+            <a:r>
+              <a:t/>
+            </a:r>
+            <a:endParaRPr b="1">
+              <a:solidFill>
+                <a:srgbClr val="0D904F"/>
+              </a:solidFill>
+            </a:endParaRPr>
+          </a:p>
+          <a:p>
+            <a:pPr indent="0" lvl="0" marL="0" rtl="0" algn="l">
+              <a:lnSpc>
+                <a:spcPct val="115000"/>
+              </a:lnSpc>
+              <a:spcBef>
+                <a:spcPts val="0"/>
+              </a:spcBef>
+              <a:spcAft>
+                <a:spcPts val="0"/>
+              </a:spcAft>
+              <a:buClr>
+                <a:schemeClr val="dk1"/>
+              </a:buClr>
+              <a:buSzPts val="1100"/>
+              <a:buFont typeface="Arial"/>
+              <a:buNone/>
+            </a:pPr>
+            <a:r>
+              <a:t/>
+            </a:r>
+            <a:endParaRPr sz="1200">
+              <a:solidFill>
+                <a:schemeClr val="dk1"/>
+              </a:solidFill>
+            </a:endParaRPr>
+          </a:p>
+          <a:p>
+            <a:pPr indent="0" lvl="0" marL="0" rtl="0" algn="l">
+              <a:lnSpc>
+                <a:spcPct val="115000"/>
+              </a:lnSpc>
+              <a:spcBef>
+                <a:spcPts val="0"/>
+              </a:spcBef>
+              <a:spcAft>
+                <a:spcPts val="0"/>
+              </a:spcAft>
+              <a:buClr>
+                <a:schemeClr val="dk1"/>
+              </a:buClr>
+              <a:buSzPts val="1100"/>
+              <a:buFont typeface="Arial"/>
+              <a:buNone/>
+            </a:pPr>
+            <a:r>
+              <a:t/>
+            </a:r>
+            <a:endParaRPr sz="1200">
+              <a:solidFill>
+                <a:schemeClr val="dk1"/>
+              </a:solidFill>
+            </a:endParaRPr>
+          </a:p>
+          <a:p>
+            <a:pPr indent="0" lvl="0" marL="0" rtl="0" algn="l">
+              <a:lnSpc>
+                <a:spcPct val="115000"/>
+              </a:lnSpc>
+              <a:spcBef>
+                <a:spcPts val="0"/>
+              </a:spcBef>
+              <a:spcAft>
+                <a:spcPts val="0"/>
+              </a:spcAft>
+              <a:buClr>
+                <a:schemeClr val="dk1"/>
+              </a:buClr>
+              <a:buSzPts val="1100"/>
+              <a:buFont typeface="Arial"/>
+              <a:buNone/>
+            </a:pPr>
+            <a:r>
+              <a:t/>
+            </a:r>
+            <a:endParaRPr b="1" sz="1200">
+              <a:solidFill>
+                <a:schemeClr val="dk1"/>
+              </a:solidFill>
+            </a:endParaRPr>
+          </a:p>
+          <a:p>
+            <a:pPr indent="0" lvl="0" marL="0" rtl="0" algn="l">
+              <a:lnSpc>
+                <a:spcPct val="115000"/>
+              </a:lnSpc>
+              <a:spcBef>
+                <a:spcPts val="0"/>
+              </a:spcBef>
+              <a:spcAft>
+                <a:spcPts val="0"/>
+              </a:spcAft>
+              <a:buClr>
+                <a:schemeClr val="dk1"/>
+              </a:buClr>
+              <a:buSzPts val="1100"/>
+              <a:buFont typeface="Arial"/>
+              <a:buNone/>
+            </a:pPr>
+            <a:r>
+              <a:t/>
+            </a:r>
+            <a:endParaRPr sz="1100">
+              <a:solidFill>
+                <a:schemeClr val="dk1"/>
+              </a:solidFill>
+            </a:endParaRPr>
+          </a:p>
+          <a:p>
+            <a:pPr indent="0" lvl="0" marL="0" rtl="0" algn="l">
+              <a:lnSpc>
+                <a:spcPct val="115000"/>
+              </a:lnSpc>
+              <a:spcBef>
+                <a:spcPts val="0"/>
+              </a:spcBef>
+              <a:spcAft>
+                <a:spcPts val="0"/>
+              </a:spcAft>
+              <a:buClr>
+                <a:schemeClr val="dk1"/>
+              </a:buClr>
+              <a:buSzPts val="1100"/>
+              <a:buFont typeface="Arial"/>
+              <a:buNone/>
+            </a:pPr>
+            <a:r>
+              <a:t/>
+            </a:r>
+            <a:endParaRPr sz="1200">
+              <a:solidFill>
+                <a:schemeClr val="dk1"/>
+              </a:solidFill>
+            </a:endParaRPr>
+          </a:p>
+          <a:p>
+            <a:pPr indent="0" lvl="0" marL="0" rtl="0" algn="l">
+              <a:lnSpc>
+                <a:spcPct val="115000"/>
+              </a:lnSpc>
+              <a:spcBef>
+                <a:spcPts val="0"/>
+              </a:spcBef>
+              <a:spcAft>
+                <a:spcPts val="0"/>
+              </a:spcAft>
+              <a:buClr>
+                <a:schemeClr val="dk1"/>
+              </a:buClr>
+              <a:buSzPts val="1100"/>
+              <a:buFont typeface="Arial"/>
+              <a:buNone/>
+            </a:pPr>
+            <a:r>
+              <a:t/>
+            </a:r>
+            <a:endParaRPr sz="1200">
+              <a:solidFill>
+                <a:schemeClr val="dk1"/>
+              </a:solidFill>
+            </a:endParaRPr>
+          </a:p>
+          <a:p>
+            <a:pPr indent="0" lvl="0" marL="0" rtl="0" algn="l">
+              <a:lnSpc>
+                <a:spcPct val="115000"/>
+              </a:lnSpc>
+              <a:spcBef>
+                <a:spcPts val="0"/>
+              </a:spcBef>
+              <a:spcAft>
+                <a:spcPts val="0"/>
+              </a:spcAft>
+              <a:buClr>
+                <a:schemeClr val="dk1"/>
+              </a:buClr>
+              <a:buSzPts val="1100"/>
+              <a:buFont typeface="Arial"/>
+              <a:buNone/>
+            </a:pPr>
+            <a:r>
+              <a:t/>
+            </a:r>
+            <a:endParaRPr sz="1200">
+              <a:solidFill>
+                <a:schemeClr val="dk1"/>
+              </a:solidFill>
+            </a:endParaRPr>
+          </a:p>
+          <a:p>
+            <a:pPr indent="0" lvl="0" marL="0" rtl="0" algn="l">
+              <a:lnSpc>
+                <a:spcPct val="115000"/>
+              </a:lnSpc>
+              <a:spcBef>
+                <a:spcPts val="0"/>
+              </a:spcBef>
+              <a:spcAft>
+                <a:spcPts val="0"/>
+              </a:spcAft>
+              <a:buNone/>
+            </a:pPr>
+            <a:r>
+              <a:t/>
+            </a:r>
+            <a:endParaRPr sz="1100">
+              <a:solidFill>
+                <a:schemeClr val="dk1"/>
+              </a:solidFill>
+            </a:endParaRPr>
+          </a:p>
+        </p:txBody>
+      </p:sp>
+      <p:pic>
+        <p:nvPicPr>
+          <p:cNvPr id="275" name="Google Shape;275;p40"/>
+          <p:cNvPicPr preferRelativeResize="0"/>
+          <p:nvPr/>
+        </p:nvPicPr>
+        <p:blipFill>
+          <a:blip r:embed="rId3">
+            <a:alphaModFix/>
+          </a:blip>
+          <a:stretch>
+            <a:fillRect/>
+          </a:stretch>
+        </p:blipFill>
+        <p:spPr>
+          <a:xfrm>
+            <a:off x="978963" y="1301400"/>
+            <a:ext cx="7186074" cy="3546975"/>
+          </a:xfrm>
+          <a:prstGeom prst="rect">
+            <a:avLst/>
+          </a:prstGeom>
+          <a:noFill/>
+          <a:ln>
+            <a:noFill/>
+          </a:ln>
+        </p:spPr>
+      </p:pic>
+    </p:spTree>
+  </p:cSld>
+  <p:clrMapOvr>
+    <a:masterClrMapping/>
+  </p:clrMapOvr>
+</p:sld>
+</file>
+
+<file path=ppt/slides/slide29.xml><?xml version="1.0" encoding="utf-8"?>
+<p:sld xmlns:a="http://schemas.openxmlformats.org/drawingml/2006/main" xmlns:r="http://schemas.openxmlformats.org/officeDocument/2006/relationships" xmlns:mc="http://schemas.openxmlformats.org/markup-compatibility/2006" xmlns:mv="urn:schemas-microsoft-com:mac:vml" xmlns:p="http://schemas.openxmlformats.org/presentationml/2006/main" xmlns:c="http://schemas.openxmlformats.org/drawingml/2006/chart" xmlns:dgm="http://schemas.openxmlformats.org/drawingml/2006/diagram" xmlns:o="urn:schemas-microsoft-com:office:office" xmlns:v="urn:schemas-microsoft-com:vml" xmlns:pvml="urn:schemas-microsoft-com:office:powerpoint" xmlns:com="http://schemas.openxmlformats.org/drawingml/2006/compatibility" xmlns:p14="http://schemas.microsoft.com/office/powerpoint/2010/main" xmlns:p15="http://schemas.microsoft.com/office/powerpoint/2012/main">
+  <p:cSld>
+    <p:spTree>
+      <p:nvGrpSpPr>
+        <p:cNvPr id="279" name="Shape 279"/>
+        <p:cNvGrpSpPr/>
+        <p:nvPr/>
+      </p:nvGrpSpPr>
+      <p:grpSpPr>
+        <a:xfrm>
+          <a:off x="0" y="0"/>
+          <a:ext cx="0" cy="0"/>
+          <a:chOff x="0" y="0"/>
+          <a:chExt cx="0" cy="0"/>
+        </a:xfrm>
+      </p:grpSpPr>
+      <p:sp>
+        <p:nvSpPr>
+          <p:cNvPr id="280" name="Google Shape;280;p41"/>
+          <p:cNvSpPr txBox="1"/>
+          <p:nvPr>
+            <p:ph type="title"/>
+          </p:nvPr>
+        </p:nvSpPr>
+        <p:spPr>
+          <a:xfrm>
+            <a:off x="311700" y="445025"/>
+            <a:ext cx="8520600" cy="572700"/>
+          </a:xfrm>
+          <a:prstGeom prst="rect">
+            <a:avLst/>
+          </a:prstGeom>
+          <a:solidFill>
+            <a:srgbClr val="D9D9D9"/>
+          </a:solidFill>
+        </p:spPr>
+        <p:txBody>
+          <a:bodyPr anchorCtr="0" anchor="t" bIns="91425" lIns="91425" spcFirstLastPara="1" rIns="91425" wrap="square" tIns="91425">
+            <a:noAutofit/>
+          </a:bodyPr>
+          <a:lstStyle/>
+          <a:p>
+            <a:pPr indent="0" lvl="0" marL="0" rtl="0" algn="ctr">
+              <a:spcBef>
+                <a:spcPts val="0"/>
+              </a:spcBef>
+              <a:spcAft>
+                <a:spcPts val="0"/>
+              </a:spcAft>
+              <a:buNone/>
+            </a:pPr>
+            <a:r>
+              <a:rPr lang="en">
+                <a:solidFill>
+                  <a:srgbClr val="A61C00"/>
+                </a:solidFill>
+              </a:rPr>
+              <a:t>SqueezeNet - Group</a:t>
+            </a:r>
+            <a:endParaRPr>
+              <a:solidFill>
+                <a:srgbClr val="A61C00"/>
+              </a:solidFill>
+            </a:endParaRPr>
+          </a:p>
+        </p:txBody>
+      </p:sp>
+      <p:sp>
+        <p:nvSpPr>
+          <p:cNvPr id="281" name="Google Shape;281;p41"/>
+          <p:cNvSpPr txBox="1"/>
+          <p:nvPr>
+            <p:ph idx="12" type="sldNum"/>
+          </p:nvPr>
+        </p:nvSpPr>
+        <p:spPr>
+          <a:xfrm>
+            <a:off x="8472458" y="4663217"/>
+            <a:ext cx="548700" cy="393600"/>
+          </a:xfrm>
+          <a:prstGeom prst="rect">
+            <a:avLst/>
+          </a:prstGeom>
+        </p:spPr>
+        <p:txBody>
+          <a:bodyPr anchorCtr="0" anchor="ctr" bIns="91425" lIns="91425" spcFirstLastPara="1" rIns="91425" wrap="square" tIns="91425">
+            <a:noAutofit/>
+          </a:bodyPr>
+          <a:lstStyle/>
+          <a:p>
+            <a:pPr indent="0" lvl="0" marL="0" rtl="0" algn="r">
+              <a:spcBef>
+                <a:spcPts val="0"/>
+              </a:spcBef>
+              <a:spcAft>
+                <a:spcPts val="0"/>
+              </a:spcAft>
+              <a:buNone/>
+            </a:pPr>
+            <a:fld id="{00000000-1234-1234-1234-123412341234}" type="slidenum">
+              <a:rPr lang="en"/>
+              <a:t>‹#›</a:t>
+            </a:fld>
+            <a:endParaRPr/>
+          </a:p>
+        </p:txBody>
+      </p:sp>
+      <p:sp>
+        <p:nvSpPr>
+          <p:cNvPr id="282" name="Google Shape;282;p41"/>
+          <p:cNvSpPr txBox="1"/>
+          <p:nvPr/>
+        </p:nvSpPr>
+        <p:spPr>
+          <a:xfrm>
+            <a:off x="311700" y="1188675"/>
+            <a:ext cx="8520600" cy="529500"/>
+          </a:xfrm>
+          <a:prstGeom prst="rect">
+            <a:avLst/>
+          </a:prstGeom>
+          <a:noFill/>
+          <a:ln>
+            <a:noFill/>
+          </a:ln>
+        </p:spPr>
+        <p:txBody>
+          <a:bodyPr anchorCtr="0" anchor="t" bIns="91425" lIns="91425" spcFirstLastPara="1" rIns="91425" wrap="square" tIns="91425">
+            <a:noAutofit/>
+          </a:bodyPr>
+          <a:lstStyle/>
+          <a:p>
+            <a:pPr indent="0" lvl="0" marL="0" rtl="0" algn="l">
+              <a:lnSpc>
+                <a:spcPct val="115000"/>
+              </a:lnSpc>
+              <a:spcBef>
+                <a:spcPts val="0"/>
+              </a:spcBef>
+              <a:spcAft>
+                <a:spcPts val="0"/>
+              </a:spcAft>
+              <a:buClr>
+                <a:schemeClr val="dk1"/>
+              </a:buClr>
+              <a:buSzPts val="1100"/>
+              <a:buFont typeface="Arial"/>
+              <a:buNone/>
+            </a:pPr>
+            <a:r>
+              <a:rPr lang="en" sz="1200">
+                <a:solidFill>
+                  <a:schemeClr val="dk1"/>
+                </a:solidFill>
+              </a:rPr>
+              <a:t>Below is an example implementation for the first and second (non-last) </a:t>
+            </a:r>
+            <a:r>
+              <a:rPr i="1" lang="en" sz="1200">
+                <a:solidFill>
+                  <a:schemeClr val="dk1"/>
+                </a:solidFill>
+              </a:rPr>
+              <a:t>fire</a:t>
+            </a:r>
+            <a:r>
+              <a:rPr lang="en" sz="1200">
+                <a:solidFill>
+                  <a:schemeClr val="dk1"/>
+                </a:solidFill>
+              </a:rPr>
+              <a:t> group.</a:t>
+            </a:r>
+            <a:endParaRPr sz="1200">
+              <a:solidFill>
+                <a:schemeClr val="dk1"/>
+              </a:solidFill>
+            </a:endParaRPr>
+          </a:p>
+        </p:txBody>
+      </p:sp>
+      <p:graphicFrame>
+        <p:nvGraphicFramePr>
+          <p:cNvPr id="283" name="Google Shape;283;p41"/>
+          <p:cNvGraphicFramePr/>
+          <p:nvPr/>
+        </p:nvGraphicFramePr>
+        <p:xfrm>
+          <a:off x="384275" y="1718175"/>
+          <a:ext cx="3000000" cy="3000000"/>
+        </p:xfrm>
+        <a:graphic>
+          <a:graphicData uri="http://schemas.openxmlformats.org/drawingml/2006/table">
+            <a:tbl>
+              <a:tblPr>
+                <a:noFill/>
+                <a:tableStyleId>{B073F476-F391-438D-A385-14AA45281D93}</a:tableStyleId>
+              </a:tblPr>
+              <a:tblGrid>
+                <a:gridCol w="5957625"/>
+              </a:tblGrid>
+              <a:tr h="2383625">
+                <a:tc>
+                  <a:txBody>
+                    <a:bodyPr/>
+                    <a:lstStyle/>
+                    <a:p>
+                      <a:pPr indent="0" lvl="0" marL="0" rtl="0" algn="l">
+                        <a:lnSpc>
+                          <a:spcPct val="115000"/>
+                        </a:lnSpc>
+                        <a:spcBef>
+                          <a:spcPts val="0"/>
+                        </a:spcBef>
+                        <a:spcAft>
+                          <a:spcPts val="0"/>
+                        </a:spcAft>
+                        <a:buNone/>
+                      </a:pPr>
+                      <a:r>
+                        <a:rPr lang="en" sz="1000">
+                          <a:solidFill>
+                            <a:srgbClr val="9C27B0"/>
+                          </a:solidFill>
+                          <a:latin typeface="Consolas"/>
+                          <a:ea typeface="Consolas"/>
+                          <a:cs typeface="Consolas"/>
+                          <a:sym typeface="Consolas"/>
+                        </a:rPr>
+                        <a:t>def</a:t>
+                      </a:r>
+                      <a:r>
+                        <a:rPr lang="en" sz="1000">
+                          <a:latin typeface="Consolas"/>
+                          <a:ea typeface="Consolas"/>
+                          <a:cs typeface="Consolas"/>
+                          <a:sym typeface="Consolas"/>
+                        </a:rPr>
+                        <a:t> </a:t>
+                      </a:r>
+                      <a:r>
+                        <a:rPr lang="en" sz="1000">
+                          <a:solidFill>
+                            <a:srgbClr val="9C27B0"/>
+                          </a:solidFill>
+                          <a:latin typeface="Consolas"/>
+                          <a:ea typeface="Consolas"/>
+                          <a:cs typeface="Consolas"/>
+                          <a:sym typeface="Consolas"/>
+                        </a:rPr>
+                        <a:t>group</a:t>
+                      </a:r>
+                      <a:r>
+                        <a:rPr lang="en" sz="1000">
+                          <a:solidFill>
+                            <a:srgbClr val="616161"/>
+                          </a:solidFill>
+                          <a:latin typeface="Consolas"/>
+                          <a:ea typeface="Consolas"/>
+                          <a:cs typeface="Consolas"/>
+                          <a:sym typeface="Consolas"/>
+                        </a:rPr>
+                        <a:t>(</a:t>
+                      </a:r>
+                      <a:r>
+                        <a:rPr lang="en" sz="1000">
+                          <a:latin typeface="Consolas"/>
+                          <a:ea typeface="Consolas"/>
+                          <a:cs typeface="Consolas"/>
+                          <a:sym typeface="Consolas"/>
+                        </a:rPr>
+                        <a:t>x</a:t>
+                      </a:r>
+                      <a:r>
+                        <a:rPr lang="en" sz="1000">
+                          <a:solidFill>
+                            <a:srgbClr val="616161"/>
+                          </a:solidFill>
+                          <a:latin typeface="Consolas"/>
+                          <a:ea typeface="Consolas"/>
+                          <a:cs typeface="Consolas"/>
+                          <a:sym typeface="Consolas"/>
+                        </a:rPr>
+                        <a:t>,</a:t>
+                      </a:r>
+                      <a:r>
+                        <a:rPr lang="en" sz="1000">
+                          <a:latin typeface="Consolas"/>
+                          <a:ea typeface="Consolas"/>
+                          <a:cs typeface="Consolas"/>
+                          <a:sym typeface="Consolas"/>
+                        </a:rPr>
+                        <a:t> filters</a:t>
+                      </a:r>
+                      <a:r>
+                        <a:rPr lang="en" sz="1000">
+                          <a:solidFill>
+                            <a:srgbClr val="616161"/>
+                          </a:solidFill>
+                          <a:latin typeface="Consolas"/>
+                          <a:ea typeface="Consolas"/>
+                          <a:cs typeface="Consolas"/>
+                          <a:sym typeface="Consolas"/>
+                        </a:rPr>
+                        <a:t>):</a:t>
+                      </a:r>
+                      <a:endParaRPr sz="1000">
+                        <a:latin typeface="Consolas"/>
+                        <a:ea typeface="Consolas"/>
+                        <a:cs typeface="Consolas"/>
+                        <a:sym typeface="Consolas"/>
+                      </a:endParaRPr>
+                    </a:p>
+                    <a:p>
+                      <a:pPr indent="0" lvl="0" marL="0" rtl="0" algn="l">
+                        <a:lnSpc>
+                          <a:spcPct val="115000"/>
+                        </a:lnSpc>
+                        <a:spcBef>
+                          <a:spcPts val="0"/>
+                        </a:spcBef>
+                        <a:spcAft>
+                          <a:spcPts val="0"/>
+                        </a:spcAft>
+                        <a:buNone/>
+                      </a:pPr>
+                      <a:r>
+                        <a:rPr lang="en" sz="1000">
+                          <a:latin typeface="Consolas"/>
+                          <a:ea typeface="Consolas"/>
+                          <a:cs typeface="Consolas"/>
+                          <a:sym typeface="Consolas"/>
+                        </a:rPr>
+                        <a:t>    </a:t>
+                      </a:r>
+                      <a:r>
+                        <a:rPr lang="en" sz="1000">
+                          <a:solidFill>
+                            <a:srgbClr val="0F9D58"/>
+                          </a:solidFill>
+                          <a:latin typeface="Consolas"/>
+                          <a:ea typeface="Consolas"/>
+                          <a:cs typeface="Consolas"/>
+                          <a:sym typeface="Consolas"/>
+                        </a:rPr>
+                        <a:t>''' Construct a Fire Group</a:t>
+                      </a:r>
+                      <a:endParaRPr sz="1000">
+                        <a:latin typeface="Consolas"/>
+                        <a:ea typeface="Consolas"/>
+                        <a:cs typeface="Consolas"/>
+                        <a:sym typeface="Consolas"/>
+                      </a:endParaRPr>
+                    </a:p>
+                    <a:p>
+                      <a:pPr indent="0" lvl="0" marL="0" rtl="0" algn="l">
+                        <a:lnSpc>
+                          <a:spcPct val="115000"/>
+                        </a:lnSpc>
+                        <a:spcBef>
+                          <a:spcPts val="0"/>
+                        </a:spcBef>
+                        <a:spcAft>
+                          <a:spcPts val="0"/>
+                        </a:spcAft>
+                        <a:buNone/>
+                      </a:pPr>
+                      <a:r>
+                        <a:rPr lang="en" sz="1000">
+                          <a:solidFill>
+                            <a:srgbClr val="0F9D58"/>
+                          </a:solidFill>
+                          <a:latin typeface="Consolas"/>
+                          <a:ea typeface="Consolas"/>
+                          <a:cs typeface="Consolas"/>
+                          <a:sym typeface="Consolas"/>
+                        </a:rPr>
+                        <a:t>        x     : input to the group</a:t>
+                      </a:r>
+                      <a:endParaRPr sz="1000">
+                        <a:latin typeface="Consolas"/>
+                        <a:ea typeface="Consolas"/>
+                        <a:cs typeface="Consolas"/>
+                        <a:sym typeface="Consolas"/>
+                      </a:endParaRPr>
+                    </a:p>
+                    <a:p>
+                      <a:pPr indent="0" lvl="0" marL="0" rtl="0" algn="l">
+                        <a:lnSpc>
+                          <a:spcPct val="115000"/>
+                        </a:lnSpc>
+                        <a:spcBef>
+                          <a:spcPts val="0"/>
+                        </a:spcBef>
+                        <a:spcAft>
+                          <a:spcPts val="0"/>
+                        </a:spcAft>
+                        <a:buNone/>
+                      </a:pPr>
+                      <a:r>
+                        <a:rPr lang="en" sz="1000">
+                          <a:solidFill>
+                            <a:srgbClr val="0F9D58"/>
+                          </a:solidFill>
+                          <a:latin typeface="Consolas"/>
+                          <a:ea typeface="Consolas"/>
+                          <a:cs typeface="Consolas"/>
+                          <a:sym typeface="Consolas"/>
+                        </a:rPr>
+                        <a:t>        filters: list of number of filters per fire block (module)</a:t>
+                      </a:r>
+                      <a:endParaRPr sz="1000">
+                        <a:latin typeface="Consolas"/>
+                        <a:ea typeface="Consolas"/>
+                        <a:cs typeface="Consolas"/>
+                        <a:sym typeface="Consolas"/>
+                      </a:endParaRPr>
+                    </a:p>
+                    <a:p>
+                      <a:pPr indent="0" lvl="0" marL="0" rtl="0" algn="l">
+                        <a:lnSpc>
+                          <a:spcPct val="115000"/>
+                        </a:lnSpc>
+                        <a:spcBef>
+                          <a:spcPts val="0"/>
+                        </a:spcBef>
+                        <a:spcAft>
+                          <a:spcPts val="0"/>
+                        </a:spcAft>
+                        <a:buNone/>
+                      </a:pPr>
+                      <a:r>
+                        <a:rPr lang="en" sz="1000">
+                          <a:solidFill>
+                            <a:srgbClr val="0F9D58"/>
+                          </a:solidFill>
+                          <a:latin typeface="Consolas"/>
+                          <a:ea typeface="Consolas"/>
+                          <a:cs typeface="Consolas"/>
+                          <a:sym typeface="Consolas"/>
+                        </a:rPr>
+                        <a:t>    '''</a:t>
+                      </a:r>
+                      <a:endParaRPr sz="1000">
+                        <a:latin typeface="Consolas"/>
+                        <a:ea typeface="Consolas"/>
+                        <a:cs typeface="Consolas"/>
+                        <a:sym typeface="Consolas"/>
+                      </a:endParaRPr>
+                    </a:p>
+                    <a:p>
+                      <a:pPr indent="0" lvl="0" marL="0" rtl="0" algn="l">
+                        <a:lnSpc>
+                          <a:spcPct val="115000"/>
+                        </a:lnSpc>
+                        <a:spcBef>
+                          <a:spcPts val="0"/>
+                        </a:spcBef>
+                        <a:spcAft>
+                          <a:spcPts val="0"/>
+                        </a:spcAft>
+                        <a:buNone/>
+                      </a:pPr>
+                      <a:r>
+                        <a:rPr lang="en" sz="1000">
+                          <a:latin typeface="Consolas"/>
+                          <a:ea typeface="Consolas"/>
+                          <a:cs typeface="Consolas"/>
+                          <a:sym typeface="Consolas"/>
+                        </a:rPr>
+                        <a:t>    </a:t>
+                      </a:r>
+                      <a:r>
+                        <a:rPr lang="en" sz="1000">
+                          <a:solidFill>
+                            <a:srgbClr val="455A64"/>
+                          </a:solidFill>
+                          <a:latin typeface="Consolas"/>
+                          <a:ea typeface="Consolas"/>
+                          <a:cs typeface="Consolas"/>
+                          <a:sym typeface="Consolas"/>
+                        </a:rPr>
+                        <a:t># Add the fire blocks (modules) for this group</a:t>
+                      </a:r>
+                      <a:endParaRPr sz="1000">
+                        <a:latin typeface="Consolas"/>
+                        <a:ea typeface="Consolas"/>
+                        <a:cs typeface="Consolas"/>
+                        <a:sym typeface="Consolas"/>
+                      </a:endParaRPr>
+                    </a:p>
+                    <a:p>
+                      <a:pPr indent="0" lvl="0" marL="0" rtl="0" algn="l">
+                        <a:lnSpc>
+                          <a:spcPct val="115000"/>
+                        </a:lnSpc>
+                        <a:spcBef>
+                          <a:spcPts val="0"/>
+                        </a:spcBef>
+                        <a:spcAft>
+                          <a:spcPts val="0"/>
+                        </a:spcAft>
+                        <a:buNone/>
+                      </a:pPr>
+                      <a:r>
+                        <a:rPr lang="en" sz="1000">
+                          <a:latin typeface="Consolas"/>
+                          <a:ea typeface="Consolas"/>
+                          <a:cs typeface="Consolas"/>
+                          <a:sym typeface="Consolas"/>
+                        </a:rPr>
+                        <a:t>    </a:t>
+                      </a:r>
+                      <a:r>
+                        <a:rPr lang="en" sz="1000">
+                          <a:solidFill>
+                            <a:srgbClr val="9C27B0"/>
+                          </a:solidFill>
+                          <a:latin typeface="Consolas"/>
+                          <a:ea typeface="Consolas"/>
+                          <a:cs typeface="Consolas"/>
+                          <a:sym typeface="Consolas"/>
+                        </a:rPr>
+                        <a:t>for</a:t>
+                      </a:r>
+                      <a:r>
+                        <a:rPr lang="en" sz="1000">
+                          <a:latin typeface="Consolas"/>
+                          <a:ea typeface="Consolas"/>
+                          <a:cs typeface="Consolas"/>
+                          <a:sym typeface="Consolas"/>
+                        </a:rPr>
+                        <a:t> n_filters </a:t>
+                      </a:r>
+                      <a:r>
+                        <a:rPr lang="en" sz="1000">
+                          <a:solidFill>
+                            <a:srgbClr val="9C27B0"/>
+                          </a:solidFill>
+                          <a:latin typeface="Consolas"/>
+                          <a:ea typeface="Consolas"/>
+                          <a:cs typeface="Consolas"/>
+                          <a:sym typeface="Consolas"/>
+                        </a:rPr>
+                        <a:t>in</a:t>
+                      </a:r>
+                      <a:r>
+                        <a:rPr lang="en" sz="1000">
+                          <a:latin typeface="Consolas"/>
+                          <a:ea typeface="Consolas"/>
+                          <a:cs typeface="Consolas"/>
+                          <a:sym typeface="Consolas"/>
+                        </a:rPr>
+                        <a:t> filters</a:t>
+                      </a:r>
+                      <a:r>
+                        <a:rPr lang="en" sz="1000">
+                          <a:solidFill>
+                            <a:srgbClr val="616161"/>
+                          </a:solidFill>
+                          <a:latin typeface="Consolas"/>
+                          <a:ea typeface="Consolas"/>
+                          <a:cs typeface="Consolas"/>
+                          <a:sym typeface="Consolas"/>
+                        </a:rPr>
+                        <a:t>:</a:t>
+                      </a:r>
+                      <a:endParaRPr sz="1000">
+                        <a:latin typeface="Consolas"/>
+                        <a:ea typeface="Consolas"/>
+                        <a:cs typeface="Consolas"/>
+                        <a:sym typeface="Consolas"/>
+                      </a:endParaRPr>
+                    </a:p>
+                    <a:p>
+                      <a:pPr indent="0" lvl="0" marL="0" rtl="0" algn="l">
+                        <a:lnSpc>
+                          <a:spcPct val="115000"/>
+                        </a:lnSpc>
+                        <a:spcBef>
+                          <a:spcPts val="0"/>
+                        </a:spcBef>
+                        <a:spcAft>
+                          <a:spcPts val="0"/>
+                        </a:spcAft>
+                        <a:buNone/>
+                      </a:pPr>
+                      <a:r>
+                        <a:rPr lang="en" sz="1000">
+                          <a:latin typeface="Consolas"/>
+                          <a:ea typeface="Consolas"/>
+                          <a:cs typeface="Consolas"/>
+                          <a:sym typeface="Consolas"/>
+                        </a:rPr>
+                        <a:t>        x </a:t>
+                      </a:r>
+                      <a:r>
+                        <a:rPr lang="en" sz="1000">
+                          <a:solidFill>
+                            <a:srgbClr val="616161"/>
+                          </a:solidFill>
+                          <a:latin typeface="Consolas"/>
+                          <a:ea typeface="Consolas"/>
+                          <a:cs typeface="Consolas"/>
+                          <a:sym typeface="Consolas"/>
+                        </a:rPr>
+                        <a:t>=</a:t>
+                      </a:r>
+                      <a:r>
+                        <a:rPr lang="en" sz="1000">
+                          <a:latin typeface="Consolas"/>
+                          <a:ea typeface="Consolas"/>
+                          <a:cs typeface="Consolas"/>
+                          <a:sym typeface="Consolas"/>
+                        </a:rPr>
+                        <a:t> fire_block</a:t>
+                      </a:r>
+                      <a:r>
+                        <a:rPr lang="en" sz="1000">
+                          <a:solidFill>
+                            <a:srgbClr val="616161"/>
+                          </a:solidFill>
+                          <a:latin typeface="Consolas"/>
+                          <a:ea typeface="Consolas"/>
+                          <a:cs typeface="Consolas"/>
+                          <a:sym typeface="Consolas"/>
+                        </a:rPr>
+                        <a:t>(</a:t>
+                      </a:r>
+                      <a:r>
+                        <a:rPr lang="en" sz="1000">
+                          <a:latin typeface="Consolas"/>
+                          <a:ea typeface="Consolas"/>
+                          <a:cs typeface="Consolas"/>
+                          <a:sym typeface="Consolas"/>
+                        </a:rPr>
+                        <a:t>x</a:t>
+                      </a:r>
+                      <a:r>
+                        <a:rPr lang="en" sz="1000">
+                          <a:solidFill>
+                            <a:srgbClr val="616161"/>
+                          </a:solidFill>
+                          <a:latin typeface="Consolas"/>
+                          <a:ea typeface="Consolas"/>
+                          <a:cs typeface="Consolas"/>
+                          <a:sym typeface="Consolas"/>
+                        </a:rPr>
+                        <a:t>,</a:t>
+                      </a:r>
+                      <a:r>
+                        <a:rPr lang="en" sz="1000">
+                          <a:latin typeface="Consolas"/>
+                          <a:ea typeface="Consolas"/>
+                          <a:cs typeface="Consolas"/>
+                          <a:sym typeface="Consolas"/>
+                        </a:rPr>
+                        <a:t> n_filters</a:t>
+                      </a:r>
+                      <a:r>
+                        <a:rPr lang="en" sz="1000">
+                          <a:solidFill>
+                            <a:srgbClr val="616161"/>
+                          </a:solidFill>
+                          <a:latin typeface="Consolas"/>
+                          <a:ea typeface="Consolas"/>
+                          <a:cs typeface="Consolas"/>
+                          <a:sym typeface="Consolas"/>
+                        </a:rPr>
+                        <a:t>)</a:t>
+                      </a:r>
+                      <a:endParaRPr sz="1000">
+                        <a:latin typeface="Consolas"/>
+                        <a:ea typeface="Consolas"/>
+                        <a:cs typeface="Consolas"/>
+                        <a:sym typeface="Consolas"/>
+                      </a:endParaRPr>
+                    </a:p>
+                    <a:p>
+                      <a:pPr indent="0" lvl="0" marL="0" rtl="0" algn="l">
+                        <a:lnSpc>
+                          <a:spcPct val="115000"/>
+                        </a:lnSpc>
+                        <a:spcBef>
+                          <a:spcPts val="0"/>
+                        </a:spcBef>
+                        <a:spcAft>
+                          <a:spcPts val="0"/>
+                        </a:spcAft>
+                        <a:buNone/>
+                      </a:pPr>
+                      <a:r>
+                        <a:t/>
+                      </a:r>
+                      <a:endParaRPr sz="1000">
+                        <a:latin typeface="Consolas"/>
+                        <a:ea typeface="Consolas"/>
+                        <a:cs typeface="Consolas"/>
+                        <a:sym typeface="Consolas"/>
+                      </a:endParaRPr>
+                    </a:p>
+                    <a:p>
+                      <a:pPr indent="0" lvl="0" marL="0" rtl="0" algn="l">
+                        <a:lnSpc>
+                          <a:spcPct val="115000"/>
+                        </a:lnSpc>
+                        <a:spcBef>
+                          <a:spcPts val="0"/>
+                        </a:spcBef>
+                        <a:spcAft>
+                          <a:spcPts val="0"/>
+                        </a:spcAft>
+                        <a:buNone/>
+                      </a:pPr>
+                      <a:r>
+                        <a:rPr lang="en" sz="1000">
+                          <a:latin typeface="Consolas"/>
+                          <a:ea typeface="Consolas"/>
+                          <a:cs typeface="Consolas"/>
+                          <a:sym typeface="Consolas"/>
+                        </a:rPr>
+                        <a:t>    </a:t>
+                      </a:r>
+                      <a:r>
+                        <a:rPr lang="en" sz="1000">
+                          <a:solidFill>
+                            <a:srgbClr val="455A64"/>
+                          </a:solidFill>
+                          <a:latin typeface="Consolas"/>
+                          <a:ea typeface="Consolas"/>
+                          <a:cs typeface="Consolas"/>
+                          <a:sym typeface="Consolas"/>
+                        </a:rPr>
+                        <a:t># Delayed downsampling</a:t>
+                      </a:r>
+                      <a:endParaRPr sz="1000">
+                        <a:latin typeface="Consolas"/>
+                        <a:ea typeface="Consolas"/>
+                        <a:cs typeface="Consolas"/>
+                        <a:sym typeface="Consolas"/>
+                      </a:endParaRPr>
+                    </a:p>
+                    <a:p>
+                      <a:pPr indent="0" lvl="0" marL="0" rtl="0" algn="l">
+                        <a:lnSpc>
+                          <a:spcPct val="115000"/>
+                        </a:lnSpc>
+                        <a:spcBef>
+                          <a:spcPts val="0"/>
+                        </a:spcBef>
+                        <a:spcAft>
+                          <a:spcPts val="0"/>
+                        </a:spcAft>
+                        <a:buNone/>
+                      </a:pPr>
+                      <a:r>
+                        <a:rPr lang="en" sz="1000">
+                          <a:latin typeface="Consolas"/>
+                          <a:ea typeface="Consolas"/>
+                          <a:cs typeface="Consolas"/>
+                          <a:sym typeface="Consolas"/>
+                        </a:rPr>
+                        <a:t>    x </a:t>
+                      </a:r>
+                      <a:r>
+                        <a:rPr lang="en" sz="1000">
+                          <a:solidFill>
+                            <a:srgbClr val="616161"/>
+                          </a:solidFill>
+                          <a:latin typeface="Consolas"/>
+                          <a:ea typeface="Consolas"/>
+                          <a:cs typeface="Consolas"/>
+                          <a:sym typeface="Consolas"/>
+                        </a:rPr>
+                        <a:t>=</a:t>
+                      </a:r>
+                      <a:r>
+                        <a:rPr lang="en" sz="1000">
+                          <a:latin typeface="Consolas"/>
+                          <a:ea typeface="Consolas"/>
+                          <a:cs typeface="Consolas"/>
+                          <a:sym typeface="Consolas"/>
+                        </a:rPr>
+                        <a:t> </a:t>
+                      </a:r>
+                      <a:r>
+                        <a:rPr lang="en" sz="1000">
+                          <a:solidFill>
+                            <a:srgbClr val="3367D6"/>
+                          </a:solidFill>
+                          <a:latin typeface="Consolas"/>
+                          <a:ea typeface="Consolas"/>
+                          <a:cs typeface="Consolas"/>
+                          <a:sym typeface="Consolas"/>
+                        </a:rPr>
+                        <a:t>MaxPooling2D</a:t>
+                      </a:r>
+                      <a:r>
+                        <a:rPr lang="en" sz="1000">
+                          <a:solidFill>
+                            <a:srgbClr val="616161"/>
+                          </a:solidFill>
+                          <a:latin typeface="Consolas"/>
+                          <a:ea typeface="Consolas"/>
+                          <a:cs typeface="Consolas"/>
+                          <a:sym typeface="Consolas"/>
+                        </a:rPr>
+                        <a:t>((</a:t>
+                      </a:r>
+                      <a:r>
+                        <a:rPr lang="en" sz="1000">
+                          <a:solidFill>
+                            <a:srgbClr val="C53929"/>
+                          </a:solidFill>
+                          <a:latin typeface="Consolas"/>
+                          <a:ea typeface="Consolas"/>
+                          <a:cs typeface="Consolas"/>
+                          <a:sym typeface="Consolas"/>
+                        </a:rPr>
+                        <a:t>3</a:t>
+                      </a:r>
+                      <a:r>
+                        <a:rPr lang="en" sz="1000">
+                          <a:solidFill>
+                            <a:srgbClr val="616161"/>
+                          </a:solidFill>
+                          <a:latin typeface="Consolas"/>
+                          <a:ea typeface="Consolas"/>
+                          <a:cs typeface="Consolas"/>
+                          <a:sym typeface="Consolas"/>
+                        </a:rPr>
+                        <a:t>,</a:t>
+                      </a:r>
+                      <a:r>
+                        <a:rPr lang="en" sz="1000">
+                          <a:latin typeface="Consolas"/>
+                          <a:ea typeface="Consolas"/>
+                          <a:cs typeface="Consolas"/>
+                          <a:sym typeface="Consolas"/>
+                        </a:rPr>
+                        <a:t> </a:t>
+                      </a:r>
+                      <a:r>
+                        <a:rPr lang="en" sz="1000">
+                          <a:solidFill>
+                            <a:srgbClr val="C53929"/>
+                          </a:solidFill>
+                          <a:latin typeface="Consolas"/>
+                          <a:ea typeface="Consolas"/>
+                          <a:cs typeface="Consolas"/>
+                          <a:sym typeface="Consolas"/>
+                        </a:rPr>
+                        <a:t>3</a:t>
+                      </a:r>
+                      <a:r>
+                        <a:rPr lang="en" sz="1000">
+                          <a:solidFill>
+                            <a:srgbClr val="616161"/>
+                          </a:solidFill>
+                          <a:latin typeface="Consolas"/>
+                          <a:ea typeface="Consolas"/>
+                          <a:cs typeface="Consolas"/>
+                          <a:sym typeface="Consolas"/>
+                        </a:rPr>
+                        <a:t>),</a:t>
+                      </a:r>
+                      <a:r>
+                        <a:rPr lang="en" sz="1000">
+                          <a:latin typeface="Consolas"/>
+                          <a:ea typeface="Consolas"/>
+                          <a:cs typeface="Consolas"/>
+                          <a:sym typeface="Consolas"/>
+                        </a:rPr>
+                        <a:t> strides</a:t>
+                      </a:r>
+                      <a:r>
+                        <a:rPr lang="en" sz="1000">
+                          <a:solidFill>
+                            <a:srgbClr val="616161"/>
+                          </a:solidFill>
+                          <a:latin typeface="Consolas"/>
+                          <a:ea typeface="Consolas"/>
+                          <a:cs typeface="Consolas"/>
+                          <a:sym typeface="Consolas"/>
+                        </a:rPr>
+                        <a:t>=(</a:t>
+                      </a:r>
+                      <a:r>
+                        <a:rPr lang="en" sz="1000">
+                          <a:solidFill>
+                            <a:srgbClr val="C53929"/>
+                          </a:solidFill>
+                          <a:latin typeface="Consolas"/>
+                          <a:ea typeface="Consolas"/>
+                          <a:cs typeface="Consolas"/>
+                          <a:sym typeface="Consolas"/>
+                        </a:rPr>
+                        <a:t>2</a:t>
+                      </a:r>
+                      <a:r>
+                        <a:rPr lang="en" sz="1000">
+                          <a:solidFill>
+                            <a:srgbClr val="616161"/>
+                          </a:solidFill>
+                          <a:latin typeface="Consolas"/>
+                          <a:ea typeface="Consolas"/>
+                          <a:cs typeface="Consolas"/>
+                          <a:sym typeface="Consolas"/>
+                        </a:rPr>
+                        <a:t>,</a:t>
+                      </a:r>
+                      <a:r>
+                        <a:rPr lang="en" sz="1000">
+                          <a:latin typeface="Consolas"/>
+                          <a:ea typeface="Consolas"/>
+                          <a:cs typeface="Consolas"/>
+                          <a:sym typeface="Consolas"/>
+                        </a:rPr>
+                        <a:t> </a:t>
+                      </a:r>
+                      <a:r>
+                        <a:rPr lang="en" sz="1000">
+                          <a:solidFill>
+                            <a:srgbClr val="C53929"/>
+                          </a:solidFill>
+                          <a:latin typeface="Consolas"/>
+                          <a:ea typeface="Consolas"/>
+                          <a:cs typeface="Consolas"/>
+                          <a:sym typeface="Consolas"/>
+                        </a:rPr>
+                        <a:t>2</a:t>
+                      </a:r>
+                      <a:r>
+                        <a:rPr lang="en" sz="1000">
+                          <a:solidFill>
+                            <a:srgbClr val="616161"/>
+                          </a:solidFill>
+                          <a:latin typeface="Consolas"/>
+                          <a:ea typeface="Consolas"/>
+                          <a:cs typeface="Consolas"/>
+                          <a:sym typeface="Consolas"/>
+                        </a:rPr>
+                        <a:t>))(</a:t>
+                      </a:r>
+                      <a:r>
+                        <a:rPr lang="en" sz="1000">
+                          <a:latin typeface="Consolas"/>
+                          <a:ea typeface="Consolas"/>
+                          <a:cs typeface="Consolas"/>
+                          <a:sym typeface="Consolas"/>
+                        </a:rPr>
+                        <a:t>x</a:t>
+                      </a:r>
+                      <a:r>
+                        <a:rPr lang="en" sz="1000">
+                          <a:solidFill>
+                            <a:srgbClr val="616161"/>
+                          </a:solidFill>
+                          <a:latin typeface="Consolas"/>
+                          <a:ea typeface="Consolas"/>
+                          <a:cs typeface="Consolas"/>
+                          <a:sym typeface="Consolas"/>
+                        </a:rPr>
+                        <a:t>)</a:t>
+                      </a:r>
+                      <a:endParaRPr sz="1000">
+                        <a:latin typeface="Consolas"/>
+                        <a:ea typeface="Consolas"/>
+                        <a:cs typeface="Consolas"/>
+                        <a:sym typeface="Consolas"/>
+                      </a:endParaRPr>
+                    </a:p>
+                    <a:p>
+                      <a:pPr indent="0" lvl="0" marL="0" rtl="0" algn="l">
+                        <a:lnSpc>
+                          <a:spcPct val="115000"/>
+                        </a:lnSpc>
+                        <a:spcBef>
+                          <a:spcPts val="0"/>
+                        </a:spcBef>
+                        <a:spcAft>
+                          <a:spcPts val="0"/>
+                        </a:spcAft>
+                        <a:buNone/>
+                      </a:pPr>
+                      <a:r>
+                        <a:rPr lang="en" sz="1000">
+                          <a:latin typeface="Consolas"/>
+                          <a:ea typeface="Consolas"/>
+                          <a:cs typeface="Consolas"/>
+                          <a:sym typeface="Consolas"/>
+                        </a:rPr>
+                        <a:t>    </a:t>
+                      </a:r>
+                      <a:r>
+                        <a:rPr lang="en" sz="1000">
+                          <a:solidFill>
+                            <a:srgbClr val="9C27B0"/>
+                          </a:solidFill>
+                          <a:latin typeface="Consolas"/>
+                          <a:ea typeface="Consolas"/>
+                          <a:cs typeface="Consolas"/>
+                          <a:sym typeface="Consolas"/>
+                        </a:rPr>
+                        <a:t>return</a:t>
+                      </a:r>
+                      <a:r>
+                        <a:rPr lang="en" sz="1000">
+                          <a:latin typeface="Consolas"/>
+                          <a:ea typeface="Consolas"/>
+                          <a:cs typeface="Consolas"/>
+                          <a:sym typeface="Consolas"/>
+                        </a:rPr>
+                        <a:t> x</a:t>
+                      </a:r>
+                      <a:endParaRPr sz="1000">
+                        <a:solidFill>
+                          <a:srgbClr val="9C27B0"/>
+                        </a:solidFill>
+                        <a:latin typeface="Consolas"/>
+                        <a:ea typeface="Consolas"/>
+                        <a:cs typeface="Consolas"/>
+                        <a:sym typeface="Consolas"/>
+                      </a:endParaRPr>
+                    </a:p>
+                  </a:txBody>
+                  <a:tcPr marT="63500" marB="63500" marR="63500" marL="63500">
+                    <a:solidFill>
+                      <a:srgbClr val="FAFAFA"/>
+                    </a:solidFill>
+                  </a:tcPr>
+                </a:tc>
+              </a:tr>
+            </a:tbl>
+          </a:graphicData>
+        </a:graphic>
+      </p:graphicFrame>
     </p:spTree>
   </p:cSld>
   <p:clrMapOvr>
@@ -26337,6 +29121,5173 @@
               <a:solidFill>
                 <a:schemeClr val="dk1"/>
               </a:solidFill>
+            </a:endParaRPr>
+          </a:p>
+        </p:txBody>
+      </p:sp>
+    </p:spTree>
+  </p:cSld>
+  <p:clrMapOvr>
+    <a:masterClrMapping/>
+  </p:clrMapOvr>
+</p:sld>
+</file>
+
+<file path=ppt/slides/slide30.xml><?xml version="1.0" encoding="utf-8"?>
+<p:sld xmlns:a="http://schemas.openxmlformats.org/drawingml/2006/main" xmlns:r="http://schemas.openxmlformats.org/officeDocument/2006/relationships" xmlns:mc="http://schemas.openxmlformats.org/markup-compatibility/2006" xmlns:mv="urn:schemas-microsoft-com:mac:vml" xmlns:p="http://schemas.openxmlformats.org/presentationml/2006/main" xmlns:c="http://schemas.openxmlformats.org/drawingml/2006/chart" xmlns:dgm="http://schemas.openxmlformats.org/drawingml/2006/diagram" xmlns:o="urn:schemas-microsoft-com:office:office" xmlns:v="urn:schemas-microsoft-com:vml" xmlns:pvml="urn:schemas-microsoft-com:office:powerpoint" xmlns:com="http://schemas.openxmlformats.org/drawingml/2006/compatibility" xmlns:p14="http://schemas.microsoft.com/office/powerpoint/2010/main" xmlns:p15="http://schemas.microsoft.com/office/powerpoint/2012/main">
+  <p:cSld>
+    <p:spTree>
+      <p:nvGrpSpPr>
+        <p:cNvPr id="287" name="Shape 287"/>
+        <p:cNvGrpSpPr/>
+        <p:nvPr/>
+      </p:nvGrpSpPr>
+      <p:grpSpPr>
+        <a:xfrm>
+          <a:off x="0" y="0"/>
+          <a:ext cx="0" cy="0"/>
+          <a:chOff x="0" y="0"/>
+          <a:chExt cx="0" cy="0"/>
+        </a:xfrm>
+      </p:grpSpPr>
+      <p:sp>
+        <p:nvSpPr>
+          <p:cNvPr id="288" name="Google Shape;288;p42"/>
+          <p:cNvSpPr txBox="1"/>
+          <p:nvPr>
+            <p:ph type="title"/>
+          </p:nvPr>
+        </p:nvSpPr>
+        <p:spPr>
+          <a:xfrm>
+            <a:off x="311700" y="445025"/>
+            <a:ext cx="8520600" cy="572700"/>
+          </a:xfrm>
+          <a:prstGeom prst="rect">
+            <a:avLst/>
+          </a:prstGeom>
+          <a:solidFill>
+            <a:srgbClr val="D9D9D9"/>
+          </a:solidFill>
+        </p:spPr>
+        <p:txBody>
+          <a:bodyPr anchorCtr="0" anchor="t" bIns="91425" lIns="91425" spcFirstLastPara="1" rIns="91425" wrap="square" tIns="91425">
+            <a:noAutofit/>
+          </a:bodyPr>
+          <a:lstStyle/>
+          <a:p>
+            <a:pPr indent="0" lvl="0" marL="0" rtl="0" algn="ctr">
+              <a:spcBef>
+                <a:spcPts val="0"/>
+              </a:spcBef>
+              <a:spcAft>
+                <a:spcPts val="0"/>
+              </a:spcAft>
+              <a:buNone/>
+            </a:pPr>
+            <a:r>
+              <a:rPr lang="en">
+                <a:solidFill>
+                  <a:srgbClr val="A61C00"/>
+                </a:solidFill>
+              </a:rPr>
+              <a:t>SqueezeNet - Block</a:t>
+            </a:r>
+            <a:endParaRPr>
+              <a:solidFill>
+                <a:srgbClr val="A61C00"/>
+              </a:solidFill>
+            </a:endParaRPr>
+          </a:p>
+        </p:txBody>
+      </p:sp>
+      <p:sp>
+        <p:nvSpPr>
+          <p:cNvPr id="289" name="Google Shape;289;p42"/>
+          <p:cNvSpPr txBox="1"/>
+          <p:nvPr>
+            <p:ph idx="12" type="sldNum"/>
+          </p:nvPr>
+        </p:nvSpPr>
+        <p:spPr>
+          <a:xfrm>
+            <a:off x="8472458" y="4663217"/>
+            <a:ext cx="548700" cy="393600"/>
+          </a:xfrm>
+          <a:prstGeom prst="rect">
+            <a:avLst/>
+          </a:prstGeom>
+        </p:spPr>
+        <p:txBody>
+          <a:bodyPr anchorCtr="0" anchor="ctr" bIns="91425" lIns="91425" spcFirstLastPara="1" rIns="91425" wrap="square" tIns="91425">
+            <a:noAutofit/>
+          </a:bodyPr>
+          <a:lstStyle/>
+          <a:p>
+            <a:pPr indent="0" lvl="0" marL="0" rtl="0" algn="r">
+              <a:spcBef>
+                <a:spcPts val="0"/>
+              </a:spcBef>
+              <a:spcAft>
+                <a:spcPts val="0"/>
+              </a:spcAft>
+              <a:buNone/>
+            </a:pPr>
+            <a:fld id="{00000000-1234-1234-1234-123412341234}" type="slidenum">
+              <a:rPr lang="en"/>
+              <a:t>‹#›</a:t>
+            </a:fld>
+            <a:endParaRPr/>
+          </a:p>
+        </p:txBody>
+      </p:sp>
+      <p:sp>
+        <p:nvSpPr>
+          <p:cNvPr id="290" name="Google Shape;290;p42"/>
+          <p:cNvSpPr txBox="1"/>
+          <p:nvPr/>
+        </p:nvSpPr>
+        <p:spPr>
+          <a:xfrm>
+            <a:off x="311700" y="1188675"/>
+            <a:ext cx="8520600" cy="1224900"/>
+          </a:xfrm>
+          <a:prstGeom prst="rect">
+            <a:avLst/>
+          </a:prstGeom>
+          <a:noFill/>
+          <a:ln>
+            <a:noFill/>
+          </a:ln>
+        </p:spPr>
+        <p:txBody>
+          <a:bodyPr anchorCtr="0" anchor="t" bIns="91425" lIns="91425" spcFirstLastPara="1" rIns="91425" wrap="square" tIns="91425">
+            <a:noAutofit/>
+          </a:bodyPr>
+          <a:lstStyle/>
+          <a:p>
+            <a:pPr indent="0" lvl="0" marL="0" rtl="0" algn="l">
+              <a:lnSpc>
+                <a:spcPct val="115000"/>
+              </a:lnSpc>
+              <a:spcBef>
+                <a:spcPts val="0"/>
+              </a:spcBef>
+              <a:spcAft>
+                <a:spcPts val="0"/>
+              </a:spcAft>
+              <a:buNone/>
+            </a:pPr>
+            <a:r>
+              <a:rPr lang="en" sz="1200">
+                <a:solidFill>
+                  <a:schemeClr val="dk1"/>
+                </a:solidFill>
+              </a:rPr>
+              <a:t>The</a:t>
+            </a:r>
+            <a:r>
+              <a:rPr i="1" lang="en" sz="1200">
+                <a:solidFill>
+                  <a:schemeClr val="dk1"/>
+                </a:solidFill>
+              </a:rPr>
+              <a:t> fire</a:t>
+            </a:r>
+            <a:r>
+              <a:rPr lang="en" sz="1200">
+                <a:solidFill>
+                  <a:schemeClr val="dk1"/>
+                </a:solidFill>
+              </a:rPr>
+              <a:t> block consists of two convolutional layers, where the first layer is the </a:t>
+            </a:r>
+            <a:r>
+              <a:rPr b="1" i="1" lang="en" sz="1200">
+                <a:solidFill>
+                  <a:srgbClr val="4A86E8"/>
+                </a:solidFill>
+              </a:rPr>
+              <a:t>squeeze layer</a:t>
+            </a:r>
+            <a:r>
+              <a:rPr lang="en" sz="1200">
+                <a:solidFill>
+                  <a:schemeClr val="dk1"/>
+                </a:solidFill>
+              </a:rPr>
+              <a:t> and the second layer is the </a:t>
+            </a:r>
+            <a:r>
+              <a:rPr b="1" i="1" lang="en" sz="1200">
+                <a:solidFill>
+                  <a:srgbClr val="4A86E8"/>
+                </a:solidFill>
+              </a:rPr>
+              <a:t>expand layer</a:t>
+            </a:r>
+            <a:r>
+              <a:rPr lang="en" sz="1200">
+                <a:solidFill>
+                  <a:schemeClr val="dk1"/>
+                </a:solidFill>
+              </a:rPr>
+              <a:t>.</a:t>
+            </a:r>
+            <a:endParaRPr sz="1200">
+              <a:solidFill>
+                <a:schemeClr val="dk1"/>
+              </a:solidFill>
+            </a:endParaRPr>
+          </a:p>
+        </p:txBody>
+      </p:sp>
+      <p:sp>
+        <p:nvSpPr>
+          <p:cNvPr id="291" name="Google Shape;291;p42"/>
+          <p:cNvSpPr txBox="1"/>
+          <p:nvPr/>
+        </p:nvSpPr>
+        <p:spPr>
+          <a:xfrm>
+            <a:off x="311700" y="2055350"/>
+            <a:ext cx="1870200" cy="1971000"/>
+          </a:xfrm>
+          <a:prstGeom prst="rect">
+            <a:avLst/>
+          </a:prstGeom>
+          <a:noFill/>
+          <a:ln cap="flat" cmpd="sng" w="9525">
+            <a:solidFill>
+              <a:srgbClr val="0D904F"/>
+            </a:solidFill>
+            <a:prstDash val="solid"/>
+            <a:round/>
+            <a:headEnd len="sm" w="sm" type="none"/>
+            <a:tailEnd len="sm" w="sm" type="none"/>
+          </a:ln>
+        </p:spPr>
+        <p:txBody>
+          <a:bodyPr anchorCtr="0" anchor="t" bIns="91425" lIns="91425" spcFirstLastPara="1" rIns="91425" wrap="square" tIns="91425">
+            <a:noAutofit/>
+          </a:bodyPr>
+          <a:lstStyle/>
+          <a:p>
+            <a:pPr indent="0" lvl="0" marL="0" rtl="0" algn="l">
+              <a:lnSpc>
+                <a:spcPct val="115000"/>
+              </a:lnSpc>
+              <a:spcBef>
+                <a:spcPts val="0"/>
+              </a:spcBef>
+              <a:spcAft>
+                <a:spcPts val="0"/>
+              </a:spcAft>
+              <a:buNone/>
+            </a:pPr>
+            <a:r>
+              <a:t/>
+            </a:r>
+            <a:endParaRPr sz="1000">
+              <a:solidFill>
+                <a:srgbClr val="0D904F"/>
+              </a:solidFill>
+            </a:endParaRPr>
+          </a:p>
+          <a:p>
+            <a:pPr indent="0" lvl="0" marL="0" rtl="0" algn="l">
+              <a:lnSpc>
+                <a:spcPct val="115000"/>
+              </a:lnSpc>
+              <a:spcBef>
+                <a:spcPts val="0"/>
+              </a:spcBef>
+              <a:spcAft>
+                <a:spcPts val="0"/>
+              </a:spcAft>
+              <a:buNone/>
+            </a:pPr>
+            <a:r>
+              <a:rPr lang="en" sz="1000">
+                <a:solidFill>
+                  <a:srgbClr val="0D904F"/>
+                </a:solidFill>
+              </a:rPr>
+              <a:t>T</a:t>
+            </a:r>
+            <a:r>
+              <a:rPr lang="en" sz="1000">
+                <a:solidFill>
+                  <a:srgbClr val="0D904F"/>
+                </a:solidFill>
+              </a:rPr>
+              <a:t>he </a:t>
+            </a:r>
+            <a:r>
+              <a:rPr i="1" lang="en" sz="1000">
+                <a:solidFill>
+                  <a:srgbClr val="0D904F"/>
+                </a:solidFill>
+              </a:rPr>
+              <a:t>squeeze layer</a:t>
+            </a:r>
+            <a:r>
+              <a:rPr lang="en" sz="1000">
+                <a:solidFill>
+                  <a:srgbClr val="0D904F"/>
+                </a:solidFill>
+              </a:rPr>
+              <a:t> uses a 1x1 bottleneck convolution, which is a 1x1 convolution with a stride of 1 to preserve the size of the feature maps (i.e., no downsampling), and reduce the number of filters passed to the </a:t>
+            </a:r>
+            <a:r>
+              <a:rPr i="1" lang="en" sz="1000">
+                <a:solidFill>
+                  <a:srgbClr val="0D904F"/>
+                </a:solidFill>
+              </a:rPr>
+              <a:t>expand layer</a:t>
+            </a:r>
+            <a:r>
+              <a:rPr lang="en" sz="1000">
+                <a:solidFill>
+                  <a:srgbClr val="0D904F"/>
+                </a:solidFill>
+              </a:rPr>
+              <a:t>.</a:t>
+            </a:r>
+            <a:endParaRPr sz="1000">
+              <a:solidFill>
+                <a:srgbClr val="0D904F"/>
+              </a:solidFill>
+            </a:endParaRPr>
+          </a:p>
+        </p:txBody>
+      </p:sp>
+      <p:sp>
+        <p:nvSpPr>
+          <p:cNvPr id="292" name="Google Shape;292;p42"/>
+          <p:cNvSpPr txBox="1"/>
+          <p:nvPr/>
+        </p:nvSpPr>
+        <p:spPr>
+          <a:xfrm>
+            <a:off x="6854400" y="2007950"/>
+            <a:ext cx="1977900" cy="2065800"/>
+          </a:xfrm>
+          <a:prstGeom prst="rect">
+            <a:avLst/>
+          </a:prstGeom>
+          <a:noFill/>
+          <a:ln cap="flat" cmpd="sng" w="9525">
+            <a:solidFill>
+              <a:srgbClr val="0D904F"/>
+            </a:solidFill>
+            <a:prstDash val="solid"/>
+            <a:round/>
+            <a:headEnd len="sm" w="sm" type="none"/>
+            <a:tailEnd len="sm" w="sm" type="none"/>
+          </a:ln>
+        </p:spPr>
+        <p:txBody>
+          <a:bodyPr anchorCtr="0" anchor="t" bIns="91425" lIns="91425" spcFirstLastPara="1" rIns="91425" wrap="square" tIns="91425">
+            <a:noAutofit/>
+          </a:bodyPr>
+          <a:lstStyle/>
+          <a:p>
+            <a:pPr indent="0" lvl="0" marL="0" rtl="0" algn="l">
+              <a:lnSpc>
+                <a:spcPct val="115000"/>
+              </a:lnSpc>
+              <a:spcBef>
+                <a:spcPts val="0"/>
+              </a:spcBef>
+              <a:spcAft>
+                <a:spcPts val="0"/>
+              </a:spcAft>
+              <a:buNone/>
+            </a:pPr>
+            <a:r>
+              <a:rPr lang="en" sz="1200">
+                <a:solidFill>
+                  <a:schemeClr val="dk1"/>
+                </a:solidFill>
+              </a:rPr>
+              <a:t> </a:t>
+            </a:r>
+            <a:endParaRPr sz="1200">
+              <a:solidFill>
+                <a:schemeClr val="dk1"/>
+              </a:solidFill>
+            </a:endParaRPr>
+          </a:p>
+          <a:p>
+            <a:pPr indent="0" lvl="0" marL="0" rtl="0" algn="l">
+              <a:lnSpc>
+                <a:spcPct val="115000"/>
+              </a:lnSpc>
+              <a:spcBef>
+                <a:spcPts val="0"/>
+              </a:spcBef>
+              <a:spcAft>
+                <a:spcPts val="0"/>
+              </a:spcAft>
+              <a:buNone/>
+            </a:pPr>
+            <a:r>
+              <a:rPr lang="en" sz="1000">
+                <a:solidFill>
+                  <a:srgbClr val="0D904F"/>
+                </a:solidFill>
+              </a:rPr>
+              <a:t>The</a:t>
+            </a:r>
+            <a:r>
+              <a:rPr i="1" lang="en" sz="1000">
+                <a:solidFill>
+                  <a:srgbClr val="0D904F"/>
+                </a:solidFill>
+              </a:rPr>
+              <a:t> expand layer </a:t>
+            </a:r>
+            <a:r>
+              <a:rPr lang="en" sz="1000">
+                <a:solidFill>
+                  <a:srgbClr val="0D904F"/>
+                </a:solidFill>
+              </a:rPr>
+              <a:t>is a branch of two convolutions, a 1x1 linear projection convolution and a 3x3 convolution. The outputs (feature maps) from the convolutions are then concatenated. The</a:t>
+            </a:r>
+            <a:r>
+              <a:rPr i="1" lang="en" sz="1000">
+                <a:solidFill>
+                  <a:srgbClr val="0D904F"/>
+                </a:solidFill>
+              </a:rPr>
+              <a:t> expand layer</a:t>
+            </a:r>
+            <a:r>
+              <a:rPr lang="en" sz="1000">
+                <a:solidFill>
+                  <a:srgbClr val="0D904F"/>
+                </a:solidFill>
+              </a:rPr>
+              <a:t> expands the number of feature maps by a factor of 8.</a:t>
+            </a:r>
+            <a:endParaRPr sz="1000">
+              <a:solidFill>
+                <a:srgbClr val="0D904F"/>
+              </a:solidFill>
+            </a:endParaRPr>
+          </a:p>
+        </p:txBody>
+      </p:sp>
+      <p:pic>
+        <p:nvPicPr>
+          <p:cNvPr id="293" name="Google Shape;293;p42"/>
+          <p:cNvPicPr preferRelativeResize="0"/>
+          <p:nvPr/>
+        </p:nvPicPr>
+        <p:blipFill>
+          <a:blip r:embed="rId3">
+            <a:alphaModFix/>
+          </a:blip>
+          <a:stretch>
+            <a:fillRect/>
+          </a:stretch>
+        </p:blipFill>
+        <p:spPr>
+          <a:xfrm>
+            <a:off x="2260525" y="2055350"/>
+            <a:ext cx="4530476" cy="2468516"/>
+          </a:xfrm>
+          <a:prstGeom prst="rect">
+            <a:avLst/>
+          </a:prstGeom>
+          <a:noFill/>
+          <a:ln>
+            <a:noFill/>
+          </a:ln>
+        </p:spPr>
+      </p:pic>
+    </p:spTree>
+  </p:cSld>
+  <p:clrMapOvr>
+    <a:masterClrMapping/>
+  </p:clrMapOvr>
+</p:sld>
+</file>
+
+<file path=ppt/slides/slide31.xml><?xml version="1.0" encoding="utf-8"?>
+<p:sld xmlns:a="http://schemas.openxmlformats.org/drawingml/2006/main" xmlns:r="http://schemas.openxmlformats.org/officeDocument/2006/relationships" xmlns:mc="http://schemas.openxmlformats.org/markup-compatibility/2006" xmlns:mv="urn:schemas-microsoft-com:mac:vml" xmlns:p="http://schemas.openxmlformats.org/presentationml/2006/main" xmlns:c="http://schemas.openxmlformats.org/drawingml/2006/chart" xmlns:dgm="http://schemas.openxmlformats.org/drawingml/2006/diagram" xmlns:o="urn:schemas-microsoft-com:office:office" xmlns:v="urn:schemas-microsoft-com:vml" xmlns:pvml="urn:schemas-microsoft-com:office:powerpoint" xmlns:com="http://schemas.openxmlformats.org/drawingml/2006/compatibility" xmlns:p14="http://schemas.microsoft.com/office/powerpoint/2010/main" xmlns:p15="http://schemas.microsoft.com/office/powerpoint/2012/main">
+  <p:cSld>
+    <p:spTree>
+      <p:nvGrpSpPr>
+        <p:cNvPr id="297" name="Shape 297"/>
+        <p:cNvGrpSpPr/>
+        <p:nvPr/>
+      </p:nvGrpSpPr>
+      <p:grpSpPr>
+        <a:xfrm>
+          <a:off x="0" y="0"/>
+          <a:ext cx="0" cy="0"/>
+          <a:chOff x="0" y="0"/>
+          <a:chExt cx="0" cy="0"/>
+        </a:xfrm>
+      </p:grpSpPr>
+      <p:sp>
+        <p:nvSpPr>
+          <p:cNvPr id="298" name="Google Shape;298;p43"/>
+          <p:cNvSpPr txBox="1"/>
+          <p:nvPr>
+            <p:ph type="title"/>
+          </p:nvPr>
+        </p:nvSpPr>
+        <p:spPr>
+          <a:xfrm>
+            <a:off x="311700" y="445025"/>
+            <a:ext cx="8520600" cy="572700"/>
+          </a:xfrm>
+          <a:prstGeom prst="rect">
+            <a:avLst/>
+          </a:prstGeom>
+          <a:solidFill>
+            <a:srgbClr val="D9D9D9"/>
+          </a:solidFill>
+        </p:spPr>
+        <p:txBody>
+          <a:bodyPr anchorCtr="0" anchor="t" bIns="91425" lIns="91425" spcFirstLastPara="1" rIns="91425" wrap="square" tIns="91425">
+            <a:noAutofit/>
+          </a:bodyPr>
+          <a:lstStyle/>
+          <a:p>
+            <a:pPr indent="0" lvl="0" marL="0" rtl="0" algn="ctr">
+              <a:spcBef>
+                <a:spcPts val="0"/>
+              </a:spcBef>
+              <a:spcAft>
+                <a:spcPts val="0"/>
+              </a:spcAft>
+              <a:buNone/>
+            </a:pPr>
+            <a:r>
+              <a:rPr lang="en">
+                <a:solidFill>
+                  <a:srgbClr val="A61C00"/>
+                </a:solidFill>
+              </a:rPr>
+              <a:t>SqueezeNet - Block</a:t>
+            </a:r>
+            <a:endParaRPr>
+              <a:solidFill>
+                <a:srgbClr val="A61C00"/>
+              </a:solidFill>
+            </a:endParaRPr>
+          </a:p>
+        </p:txBody>
+      </p:sp>
+      <p:sp>
+        <p:nvSpPr>
+          <p:cNvPr id="299" name="Google Shape;299;p43"/>
+          <p:cNvSpPr txBox="1"/>
+          <p:nvPr>
+            <p:ph idx="12" type="sldNum"/>
+          </p:nvPr>
+        </p:nvSpPr>
+        <p:spPr>
+          <a:xfrm>
+            <a:off x="8472458" y="4663217"/>
+            <a:ext cx="548700" cy="393600"/>
+          </a:xfrm>
+          <a:prstGeom prst="rect">
+            <a:avLst/>
+          </a:prstGeom>
+        </p:spPr>
+        <p:txBody>
+          <a:bodyPr anchorCtr="0" anchor="ctr" bIns="91425" lIns="91425" spcFirstLastPara="1" rIns="91425" wrap="square" tIns="91425">
+            <a:noAutofit/>
+          </a:bodyPr>
+          <a:lstStyle/>
+          <a:p>
+            <a:pPr indent="0" lvl="0" marL="0" rtl="0" algn="r">
+              <a:spcBef>
+                <a:spcPts val="0"/>
+              </a:spcBef>
+              <a:spcAft>
+                <a:spcPts val="0"/>
+              </a:spcAft>
+              <a:buNone/>
+            </a:pPr>
+            <a:fld id="{00000000-1234-1234-1234-123412341234}" type="slidenum">
+              <a:rPr lang="en"/>
+              <a:t>‹#›</a:t>
+            </a:fld>
+            <a:endParaRPr/>
+          </a:p>
+        </p:txBody>
+      </p:sp>
+      <p:sp>
+        <p:nvSpPr>
+          <p:cNvPr id="300" name="Google Shape;300;p43"/>
+          <p:cNvSpPr txBox="1"/>
+          <p:nvPr/>
+        </p:nvSpPr>
+        <p:spPr>
+          <a:xfrm>
+            <a:off x="311700" y="1188675"/>
+            <a:ext cx="8520600" cy="529500"/>
+          </a:xfrm>
+          <a:prstGeom prst="rect">
+            <a:avLst/>
+          </a:prstGeom>
+          <a:noFill/>
+          <a:ln>
+            <a:noFill/>
+          </a:ln>
+        </p:spPr>
+        <p:txBody>
+          <a:bodyPr anchorCtr="0" anchor="t" bIns="91425" lIns="91425" spcFirstLastPara="1" rIns="91425" wrap="square" tIns="91425">
+            <a:noAutofit/>
+          </a:bodyPr>
+          <a:lstStyle/>
+          <a:p>
+            <a:pPr indent="0" lvl="0" marL="0" rtl="0" algn="l">
+              <a:lnSpc>
+                <a:spcPct val="115000"/>
+              </a:lnSpc>
+              <a:spcBef>
+                <a:spcPts val="0"/>
+              </a:spcBef>
+              <a:spcAft>
+                <a:spcPts val="0"/>
+              </a:spcAft>
+              <a:buNone/>
+            </a:pPr>
+            <a:r>
+              <a:rPr lang="en" sz="1200">
+                <a:solidFill>
+                  <a:schemeClr val="dk1"/>
+                </a:solidFill>
+              </a:rPr>
+              <a:t>Below is an example implementation of a </a:t>
+            </a:r>
+            <a:r>
+              <a:rPr i="1" lang="en" sz="1200">
+                <a:solidFill>
+                  <a:schemeClr val="dk1"/>
+                </a:solidFill>
+              </a:rPr>
+              <a:t>fire</a:t>
+            </a:r>
+            <a:r>
+              <a:rPr lang="en" sz="1200">
+                <a:solidFill>
+                  <a:schemeClr val="dk1"/>
+                </a:solidFill>
+              </a:rPr>
+              <a:t> block:</a:t>
+            </a:r>
+            <a:endParaRPr sz="1200">
+              <a:solidFill>
+                <a:schemeClr val="dk1"/>
+              </a:solidFill>
+            </a:endParaRPr>
+          </a:p>
+        </p:txBody>
+      </p:sp>
+      <p:graphicFrame>
+        <p:nvGraphicFramePr>
+          <p:cNvPr id="301" name="Google Shape;301;p43"/>
+          <p:cNvGraphicFramePr/>
+          <p:nvPr/>
+        </p:nvGraphicFramePr>
+        <p:xfrm>
+          <a:off x="394800" y="1612775"/>
+          <a:ext cx="3000000" cy="3000000"/>
+        </p:xfrm>
+        <a:graphic>
+          <a:graphicData uri="http://schemas.openxmlformats.org/drawingml/2006/table">
+            <a:tbl>
+              <a:tblPr>
+                <a:noFill/>
+                <a:tableStyleId>{B073F476-F391-438D-A385-14AA45281D93}</a:tableStyleId>
+              </a:tblPr>
+              <a:tblGrid>
+                <a:gridCol w="8281675"/>
+              </a:tblGrid>
+              <a:tr h="2383625">
+                <a:tc>
+                  <a:txBody>
+                    <a:bodyPr/>
+                    <a:lstStyle/>
+                    <a:p>
+                      <a:pPr indent="0" lvl="0" marL="0" rtl="0" algn="l">
+                        <a:lnSpc>
+                          <a:spcPct val="115000"/>
+                        </a:lnSpc>
+                        <a:spcBef>
+                          <a:spcPts val="0"/>
+                        </a:spcBef>
+                        <a:spcAft>
+                          <a:spcPts val="0"/>
+                        </a:spcAft>
+                        <a:buClr>
+                          <a:schemeClr val="dk1"/>
+                        </a:buClr>
+                        <a:buSzPts val="1100"/>
+                        <a:buFont typeface="Arial"/>
+                        <a:buNone/>
+                      </a:pPr>
+                      <a:r>
+                        <a:rPr lang="en" sz="1000">
+                          <a:solidFill>
+                            <a:srgbClr val="9C27B0"/>
+                          </a:solidFill>
+                          <a:latin typeface="Consolas"/>
+                          <a:ea typeface="Consolas"/>
+                          <a:cs typeface="Consolas"/>
+                          <a:sym typeface="Consolas"/>
+                        </a:rPr>
+                        <a:t>def</a:t>
+                      </a:r>
+                      <a:r>
+                        <a:rPr lang="en" sz="1000">
+                          <a:solidFill>
+                            <a:schemeClr val="dk1"/>
+                          </a:solidFill>
+                          <a:latin typeface="Consolas"/>
+                          <a:ea typeface="Consolas"/>
+                          <a:cs typeface="Consolas"/>
+                          <a:sym typeface="Consolas"/>
+                        </a:rPr>
+                        <a:t> fire_block</a:t>
+                      </a:r>
+                      <a:r>
+                        <a:rPr lang="en" sz="1000">
+                          <a:solidFill>
+                            <a:srgbClr val="616161"/>
+                          </a:solidFill>
+                          <a:latin typeface="Consolas"/>
+                          <a:ea typeface="Consolas"/>
+                          <a:cs typeface="Consolas"/>
+                          <a:sym typeface="Consolas"/>
+                        </a:rPr>
+                        <a:t>(</a:t>
+                      </a:r>
+                      <a:r>
+                        <a:rPr lang="en" sz="1000">
+                          <a:solidFill>
+                            <a:schemeClr val="dk1"/>
+                          </a:solidFill>
+                          <a:latin typeface="Consolas"/>
+                          <a:ea typeface="Consolas"/>
+                          <a:cs typeface="Consolas"/>
+                          <a:sym typeface="Consolas"/>
+                        </a:rPr>
+                        <a:t>x</a:t>
+                      </a:r>
+                      <a:r>
+                        <a:rPr lang="en" sz="1000">
+                          <a:solidFill>
+                            <a:srgbClr val="616161"/>
+                          </a:solidFill>
+                          <a:latin typeface="Consolas"/>
+                          <a:ea typeface="Consolas"/>
+                          <a:cs typeface="Consolas"/>
+                          <a:sym typeface="Consolas"/>
+                        </a:rPr>
+                        <a:t>,</a:t>
+                      </a:r>
+                      <a:r>
+                        <a:rPr lang="en" sz="1000">
+                          <a:solidFill>
+                            <a:schemeClr val="dk1"/>
+                          </a:solidFill>
+                          <a:latin typeface="Consolas"/>
+                          <a:ea typeface="Consolas"/>
+                          <a:cs typeface="Consolas"/>
+                          <a:sym typeface="Consolas"/>
+                        </a:rPr>
+                        <a:t> n_filters</a:t>
+                      </a:r>
+                      <a:r>
+                        <a:rPr lang="en" sz="1000">
+                          <a:solidFill>
+                            <a:srgbClr val="616161"/>
+                          </a:solidFill>
+                          <a:latin typeface="Consolas"/>
+                          <a:ea typeface="Consolas"/>
+                          <a:cs typeface="Consolas"/>
+                          <a:sym typeface="Consolas"/>
+                        </a:rPr>
+                        <a:t>):</a:t>
+                      </a:r>
+                      <a:endParaRPr sz="1000">
+                        <a:solidFill>
+                          <a:schemeClr val="dk1"/>
+                        </a:solidFill>
+                        <a:latin typeface="Consolas"/>
+                        <a:ea typeface="Consolas"/>
+                        <a:cs typeface="Consolas"/>
+                        <a:sym typeface="Consolas"/>
+                      </a:endParaRPr>
+                    </a:p>
+                    <a:p>
+                      <a:pPr indent="0" lvl="0" marL="0" rtl="0" algn="l">
+                        <a:lnSpc>
+                          <a:spcPct val="115000"/>
+                        </a:lnSpc>
+                        <a:spcBef>
+                          <a:spcPts val="0"/>
+                        </a:spcBef>
+                        <a:spcAft>
+                          <a:spcPts val="0"/>
+                        </a:spcAft>
+                        <a:buClr>
+                          <a:schemeClr val="dk1"/>
+                        </a:buClr>
+                        <a:buSzPts val="1100"/>
+                        <a:buFont typeface="Arial"/>
+                        <a:buNone/>
+                      </a:pPr>
+                      <a:r>
+                        <a:rPr lang="en" sz="1000">
+                          <a:solidFill>
+                            <a:schemeClr val="dk1"/>
+                          </a:solidFill>
+                          <a:latin typeface="Consolas"/>
+                          <a:ea typeface="Consolas"/>
+                          <a:cs typeface="Consolas"/>
+                          <a:sym typeface="Consolas"/>
+                        </a:rPr>
+                        <a:t>    </a:t>
+                      </a:r>
+                      <a:r>
+                        <a:rPr lang="en" sz="1000">
+                          <a:solidFill>
+                            <a:srgbClr val="0F9D58"/>
+                          </a:solidFill>
+                          <a:latin typeface="Consolas"/>
+                          <a:ea typeface="Consolas"/>
+                          <a:cs typeface="Consolas"/>
+                          <a:sym typeface="Consolas"/>
+                        </a:rPr>
+                        <a:t>''' Construct a Fire Block</a:t>
+                      </a:r>
+                      <a:endParaRPr sz="1000">
+                        <a:solidFill>
+                          <a:schemeClr val="dk1"/>
+                        </a:solidFill>
+                        <a:latin typeface="Consolas"/>
+                        <a:ea typeface="Consolas"/>
+                        <a:cs typeface="Consolas"/>
+                        <a:sym typeface="Consolas"/>
+                      </a:endParaRPr>
+                    </a:p>
+                    <a:p>
+                      <a:pPr indent="0" lvl="0" marL="0" rtl="0" algn="l">
+                        <a:lnSpc>
+                          <a:spcPct val="115000"/>
+                        </a:lnSpc>
+                        <a:spcBef>
+                          <a:spcPts val="0"/>
+                        </a:spcBef>
+                        <a:spcAft>
+                          <a:spcPts val="0"/>
+                        </a:spcAft>
+                        <a:buClr>
+                          <a:schemeClr val="dk1"/>
+                        </a:buClr>
+                        <a:buSzPts val="1100"/>
+                        <a:buFont typeface="Arial"/>
+                        <a:buNone/>
+                      </a:pPr>
+                      <a:r>
+                        <a:rPr lang="en" sz="1000">
+                          <a:solidFill>
+                            <a:srgbClr val="0F9D58"/>
+                          </a:solidFill>
+                          <a:latin typeface="Consolas"/>
+                          <a:ea typeface="Consolas"/>
+                          <a:cs typeface="Consolas"/>
+                          <a:sym typeface="Consolas"/>
+                        </a:rPr>
+                        <a:t>        x        : input to the block</a:t>
+                      </a:r>
+                      <a:endParaRPr sz="1000">
+                        <a:solidFill>
+                          <a:schemeClr val="dk1"/>
+                        </a:solidFill>
+                        <a:latin typeface="Consolas"/>
+                        <a:ea typeface="Consolas"/>
+                        <a:cs typeface="Consolas"/>
+                        <a:sym typeface="Consolas"/>
+                      </a:endParaRPr>
+                    </a:p>
+                    <a:p>
+                      <a:pPr indent="0" lvl="0" marL="0" rtl="0" algn="l">
+                        <a:lnSpc>
+                          <a:spcPct val="115000"/>
+                        </a:lnSpc>
+                        <a:spcBef>
+                          <a:spcPts val="0"/>
+                        </a:spcBef>
+                        <a:spcAft>
+                          <a:spcPts val="0"/>
+                        </a:spcAft>
+                        <a:buClr>
+                          <a:schemeClr val="dk1"/>
+                        </a:buClr>
+                        <a:buSzPts val="1100"/>
+                        <a:buFont typeface="Arial"/>
+                        <a:buNone/>
+                      </a:pPr>
+                      <a:r>
+                        <a:rPr lang="en" sz="1000">
+                          <a:solidFill>
+                            <a:srgbClr val="0F9D58"/>
+                          </a:solidFill>
+                          <a:latin typeface="Consolas"/>
+                          <a:ea typeface="Consolas"/>
+                          <a:cs typeface="Consolas"/>
+                          <a:sym typeface="Consolas"/>
+                        </a:rPr>
+                        <a:t>        n_filters: number of filters</a:t>
+                      </a:r>
+                      <a:endParaRPr sz="1000">
+                        <a:solidFill>
+                          <a:schemeClr val="dk1"/>
+                        </a:solidFill>
+                        <a:latin typeface="Consolas"/>
+                        <a:ea typeface="Consolas"/>
+                        <a:cs typeface="Consolas"/>
+                        <a:sym typeface="Consolas"/>
+                      </a:endParaRPr>
+                    </a:p>
+                    <a:p>
+                      <a:pPr indent="0" lvl="0" marL="0" rtl="0" algn="l">
+                        <a:lnSpc>
+                          <a:spcPct val="115000"/>
+                        </a:lnSpc>
+                        <a:spcBef>
+                          <a:spcPts val="0"/>
+                        </a:spcBef>
+                        <a:spcAft>
+                          <a:spcPts val="0"/>
+                        </a:spcAft>
+                        <a:buClr>
+                          <a:schemeClr val="dk1"/>
+                        </a:buClr>
+                        <a:buSzPts val="1100"/>
+                        <a:buFont typeface="Arial"/>
+                        <a:buNone/>
+                      </a:pPr>
+                      <a:r>
+                        <a:rPr lang="en" sz="1000">
+                          <a:solidFill>
+                            <a:srgbClr val="0F9D58"/>
+                          </a:solidFill>
+                          <a:latin typeface="Consolas"/>
+                          <a:ea typeface="Consolas"/>
+                          <a:cs typeface="Consolas"/>
+                          <a:sym typeface="Consolas"/>
+                        </a:rPr>
+                        <a:t>    '''</a:t>
+                      </a:r>
+                      <a:endParaRPr sz="1000">
+                        <a:solidFill>
+                          <a:schemeClr val="dk1"/>
+                        </a:solidFill>
+                        <a:latin typeface="Consolas"/>
+                        <a:ea typeface="Consolas"/>
+                        <a:cs typeface="Consolas"/>
+                        <a:sym typeface="Consolas"/>
+                      </a:endParaRPr>
+                    </a:p>
+                    <a:p>
+                      <a:pPr indent="0" lvl="0" marL="0" rtl="0" algn="l">
+                        <a:lnSpc>
+                          <a:spcPct val="115000"/>
+                        </a:lnSpc>
+                        <a:spcBef>
+                          <a:spcPts val="0"/>
+                        </a:spcBef>
+                        <a:spcAft>
+                          <a:spcPts val="0"/>
+                        </a:spcAft>
+                        <a:buClr>
+                          <a:schemeClr val="dk1"/>
+                        </a:buClr>
+                        <a:buSzPts val="1100"/>
+                        <a:buFont typeface="Arial"/>
+                        <a:buNone/>
+                      </a:pPr>
+                      <a:r>
+                        <a:rPr lang="en" sz="1000">
+                          <a:solidFill>
+                            <a:schemeClr val="dk1"/>
+                          </a:solidFill>
+                          <a:latin typeface="Consolas"/>
+                          <a:ea typeface="Consolas"/>
+                          <a:cs typeface="Consolas"/>
+                          <a:sym typeface="Consolas"/>
+                        </a:rPr>
+                        <a:t>    </a:t>
+                      </a:r>
+                      <a:r>
+                        <a:rPr lang="en" sz="1000">
+                          <a:solidFill>
+                            <a:srgbClr val="455A64"/>
+                          </a:solidFill>
+                          <a:latin typeface="Consolas"/>
+                          <a:ea typeface="Consolas"/>
+                          <a:cs typeface="Consolas"/>
+                          <a:sym typeface="Consolas"/>
+                        </a:rPr>
+                        <a:t># squeeze layer</a:t>
+                      </a:r>
+                      <a:endParaRPr sz="1000">
+                        <a:solidFill>
+                          <a:schemeClr val="dk1"/>
+                        </a:solidFill>
+                        <a:latin typeface="Consolas"/>
+                        <a:ea typeface="Consolas"/>
+                        <a:cs typeface="Consolas"/>
+                        <a:sym typeface="Consolas"/>
+                      </a:endParaRPr>
+                    </a:p>
+                    <a:p>
+                      <a:pPr indent="0" lvl="0" marL="0" rtl="0" algn="l">
+                        <a:lnSpc>
+                          <a:spcPct val="115000"/>
+                        </a:lnSpc>
+                        <a:spcBef>
+                          <a:spcPts val="0"/>
+                        </a:spcBef>
+                        <a:spcAft>
+                          <a:spcPts val="0"/>
+                        </a:spcAft>
+                        <a:buClr>
+                          <a:schemeClr val="dk1"/>
+                        </a:buClr>
+                        <a:buSzPts val="1100"/>
+                        <a:buFont typeface="Arial"/>
+                        <a:buNone/>
+                      </a:pPr>
+                      <a:r>
+                        <a:rPr lang="en" sz="1000">
+                          <a:solidFill>
+                            <a:schemeClr val="dk1"/>
+                          </a:solidFill>
+                          <a:latin typeface="Consolas"/>
+                          <a:ea typeface="Consolas"/>
+                          <a:cs typeface="Consolas"/>
+                          <a:sym typeface="Consolas"/>
+                        </a:rPr>
+                        <a:t>    squeeze </a:t>
+                      </a:r>
+                      <a:r>
+                        <a:rPr lang="en" sz="1000">
+                          <a:solidFill>
+                            <a:srgbClr val="616161"/>
+                          </a:solidFill>
+                          <a:latin typeface="Consolas"/>
+                          <a:ea typeface="Consolas"/>
+                          <a:cs typeface="Consolas"/>
+                          <a:sym typeface="Consolas"/>
+                        </a:rPr>
+                        <a:t>=</a:t>
+                      </a:r>
+                      <a:r>
+                        <a:rPr lang="en" sz="1000">
+                          <a:solidFill>
+                            <a:schemeClr val="dk1"/>
+                          </a:solidFill>
+                          <a:latin typeface="Consolas"/>
+                          <a:ea typeface="Consolas"/>
+                          <a:cs typeface="Consolas"/>
+                          <a:sym typeface="Consolas"/>
+                        </a:rPr>
+                        <a:t> </a:t>
+                      </a:r>
+                      <a:r>
+                        <a:rPr lang="en" sz="1000">
+                          <a:solidFill>
+                            <a:srgbClr val="3367D6"/>
+                          </a:solidFill>
+                          <a:latin typeface="Consolas"/>
+                          <a:ea typeface="Consolas"/>
+                          <a:cs typeface="Consolas"/>
+                          <a:sym typeface="Consolas"/>
+                        </a:rPr>
+                        <a:t>Conv2D</a:t>
+                      </a:r>
+                      <a:r>
+                        <a:rPr lang="en" sz="1000">
+                          <a:solidFill>
+                            <a:srgbClr val="616161"/>
+                          </a:solidFill>
+                          <a:latin typeface="Consolas"/>
+                          <a:ea typeface="Consolas"/>
+                          <a:cs typeface="Consolas"/>
+                          <a:sym typeface="Consolas"/>
+                        </a:rPr>
+                        <a:t>(</a:t>
+                      </a:r>
+                      <a:r>
+                        <a:rPr lang="en" sz="1000">
+                          <a:solidFill>
+                            <a:schemeClr val="dk1"/>
+                          </a:solidFill>
+                          <a:latin typeface="Consolas"/>
+                          <a:ea typeface="Consolas"/>
+                          <a:cs typeface="Consolas"/>
+                          <a:sym typeface="Consolas"/>
+                        </a:rPr>
+                        <a:t>n_filters</a:t>
+                      </a:r>
+                      <a:r>
+                        <a:rPr lang="en" sz="1000">
+                          <a:solidFill>
+                            <a:srgbClr val="616161"/>
+                          </a:solidFill>
+                          <a:latin typeface="Consolas"/>
+                          <a:ea typeface="Consolas"/>
+                          <a:cs typeface="Consolas"/>
+                          <a:sym typeface="Consolas"/>
+                        </a:rPr>
+                        <a:t>,</a:t>
+                      </a:r>
+                      <a:r>
+                        <a:rPr lang="en" sz="1000">
+                          <a:solidFill>
+                            <a:schemeClr val="dk1"/>
+                          </a:solidFill>
+                          <a:latin typeface="Consolas"/>
+                          <a:ea typeface="Consolas"/>
+                          <a:cs typeface="Consolas"/>
+                          <a:sym typeface="Consolas"/>
+                        </a:rPr>
+                        <a:t> </a:t>
+                      </a:r>
+                      <a:r>
+                        <a:rPr lang="en" sz="1000">
+                          <a:solidFill>
+                            <a:srgbClr val="616161"/>
+                          </a:solidFill>
+                          <a:latin typeface="Consolas"/>
+                          <a:ea typeface="Consolas"/>
+                          <a:cs typeface="Consolas"/>
+                          <a:sym typeface="Consolas"/>
+                        </a:rPr>
+                        <a:t>(</a:t>
+                      </a:r>
+                      <a:r>
+                        <a:rPr lang="en" sz="1000">
+                          <a:solidFill>
+                            <a:srgbClr val="C53929"/>
+                          </a:solidFill>
+                          <a:latin typeface="Consolas"/>
+                          <a:ea typeface="Consolas"/>
+                          <a:cs typeface="Consolas"/>
+                          <a:sym typeface="Consolas"/>
+                        </a:rPr>
+                        <a:t>1</a:t>
+                      </a:r>
+                      <a:r>
+                        <a:rPr lang="en" sz="1000">
+                          <a:solidFill>
+                            <a:srgbClr val="616161"/>
+                          </a:solidFill>
+                          <a:latin typeface="Consolas"/>
+                          <a:ea typeface="Consolas"/>
+                          <a:cs typeface="Consolas"/>
+                          <a:sym typeface="Consolas"/>
+                        </a:rPr>
+                        <a:t>,</a:t>
+                      </a:r>
+                      <a:r>
+                        <a:rPr lang="en" sz="1000">
+                          <a:solidFill>
+                            <a:schemeClr val="dk1"/>
+                          </a:solidFill>
+                          <a:latin typeface="Consolas"/>
+                          <a:ea typeface="Consolas"/>
+                          <a:cs typeface="Consolas"/>
+                          <a:sym typeface="Consolas"/>
+                        </a:rPr>
+                        <a:t> </a:t>
+                      </a:r>
+                      <a:r>
+                        <a:rPr lang="en" sz="1000">
+                          <a:solidFill>
+                            <a:srgbClr val="C53929"/>
+                          </a:solidFill>
+                          <a:latin typeface="Consolas"/>
+                          <a:ea typeface="Consolas"/>
+                          <a:cs typeface="Consolas"/>
+                          <a:sym typeface="Consolas"/>
+                        </a:rPr>
+                        <a:t>1</a:t>
+                      </a:r>
+                      <a:r>
+                        <a:rPr lang="en" sz="1000">
+                          <a:solidFill>
+                            <a:srgbClr val="616161"/>
+                          </a:solidFill>
+                          <a:latin typeface="Consolas"/>
+                          <a:ea typeface="Consolas"/>
+                          <a:cs typeface="Consolas"/>
+                          <a:sym typeface="Consolas"/>
+                        </a:rPr>
+                        <a:t>),</a:t>
+                      </a:r>
+                      <a:r>
+                        <a:rPr lang="en" sz="1000">
+                          <a:solidFill>
+                            <a:schemeClr val="dk1"/>
+                          </a:solidFill>
+                          <a:latin typeface="Consolas"/>
+                          <a:ea typeface="Consolas"/>
+                          <a:cs typeface="Consolas"/>
+                          <a:sym typeface="Consolas"/>
+                        </a:rPr>
+                        <a:t> strides</a:t>
+                      </a:r>
+                      <a:r>
+                        <a:rPr lang="en" sz="1000">
+                          <a:solidFill>
+                            <a:srgbClr val="616161"/>
+                          </a:solidFill>
+                          <a:latin typeface="Consolas"/>
+                          <a:ea typeface="Consolas"/>
+                          <a:cs typeface="Consolas"/>
+                          <a:sym typeface="Consolas"/>
+                        </a:rPr>
+                        <a:t>=</a:t>
+                      </a:r>
+                      <a:r>
+                        <a:rPr lang="en" sz="1000">
+                          <a:solidFill>
+                            <a:srgbClr val="C53929"/>
+                          </a:solidFill>
+                          <a:latin typeface="Consolas"/>
+                          <a:ea typeface="Consolas"/>
+                          <a:cs typeface="Consolas"/>
+                          <a:sym typeface="Consolas"/>
+                        </a:rPr>
+                        <a:t>1</a:t>
+                      </a:r>
+                      <a:r>
+                        <a:rPr lang="en" sz="1000">
+                          <a:solidFill>
+                            <a:srgbClr val="616161"/>
+                          </a:solidFill>
+                          <a:latin typeface="Consolas"/>
+                          <a:ea typeface="Consolas"/>
+                          <a:cs typeface="Consolas"/>
+                          <a:sym typeface="Consolas"/>
+                        </a:rPr>
+                        <a:t>,</a:t>
+                      </a:r>
+                      <a:r>
+                        <a:rPr lang="en" sz="1000">
+                          <a:solidFill>
+                            <a:schemeClr val="dk1"/>
+                          </a:solidFill>
+                          <a:latin typeface="Consolas"/>
+                          <a:ea typeface="Consolas"/>
+                          <a:cs typeface="Consolas"/>
+                          <a:sym typeface="Consolas"/>
+                        </a:rPr>
+                        <a:t> activation</a:t>
+                      </a:r>
+                      <a:r>
+                        <a:rPr lang="en" sz="1000">
+                          <a:solidFill>
+                            <a:srgbClr val="616161"/>
+                          </a:solidFill>
+                          <a:latin typeface="Consolas"/>
+                          <a:ea typeface="Consolas"/>
+                          <a:cs typeface="Consolas"/>
+                          <a:sym typeface="Consolas"/>
+                        </a:rPr>
+                        <a:t>=</a:t>
+                      </a:r>
+                      <a:r>
+                        <a:rPr lang="en" sz="1000">
+                          <a:solidFill>
+                            <a:srgbClr val="0F9D58"/>
+                          </a:solidFill>
+                          <a:latin typeface="Consolas"/>
+                          <a:ea typeface="Consolas"/>
+                          <a:cs typeface="Consolas"/>
+                          <a:sym typeface="Consolas"/>
+                        </a:rPr>
+                        <a:t>'relu'</a:t>
+                      </a:r>
+                      <a:r>
+                        <a:rPr lang="en" sz="1000">
+                          <a:solidFill>
+                            <a:srgbClr val="616161"/>
+                          </a:solidFill>
+                          <a:latin typeface="Consolas"/>
+                          <a:ea typeface="Consolas"/>
+                          <a:cs typeface="Consolas"/>
+                          <a:sym typeface="Consolas"/>
+                        </a:rPr>
+                        <a:t>,</a:t>
+                      </a:r>
+                      <a:r>
+                        <a:rPr lang="en" sz="1000">
+                          <a:solidFill>
+                            <a:schemeClr val="dk1"/>
+                          </a:solidFill>
+                          <a:latin typeface="Consolas"/>
+                          <a:ea typeface="Consolas"/>
+                          <a:cs typeface="Consolas"/>
+                          <a:sym typeface="Consolas"/>
+                        </a:rPr>
+                        <a:t> padding</a:t>
+                      </a:r>
+                      <a:r>
+                        <a:rPr lang="en" sz="1000">
+                          <a:solidFill>
+                            <a:srgbClr val="616161"/>
+                          </a:solidFill>
+                          <a:latin typeface="Consolas"/>
+                          <a:ea typeface="Consolas"/>
+                          <a:cs typeface="Consolas"/>
+                          <a:sym typeface="Consolas"/>
+                        </a:rPr>
+                        <a:t>=</a:t>
+                      </a:r>
+                      <a:r>
+                        <a:rPr lang="en" sz="1000">
+                          <a:solidFill>
+                            <a:srgbClr val="0F9D58"/>
+                          </a:solidFill>
+                          <a:latin typeface="Consolas"/>
+                          <a:ea typeface="Consolas"/>
+                          <a:cs typeface="Consolas"/>
+                          <a:sym typeface="Consolas"/>
+                        </a:rPr>
+                        <a:t>'same'</a:t>
+                      </a:r>
+                      <a:r>
+                        <a:rPr lang="en" sz="1000">
+                          <a:solidFill>
+                            <a:srgbClr val="616161"/>
+                          </a:solidFill>
+                          <a:latin typeface="Consolas"/>
+                          <a:ea typeface="Consolas"/>
+                          <a:cs typeface="Consolas"/>
+                          <a:sym typeface="Consolas"/>
+                        </a:rPr>
+                        <a:t>)(</a:t>
+                      </a:r>
+                      <a:r>
+                        <a:rPr lang="en" sz="1000">
+                          <a:solidFill>
+                            <a:schemeClr val="dk1"/>
+                          </a:solidFill>
+                          <a:latin typeface="Consolas"/>
+                          <a:ea typeface="Consolas"/>
+                          <a:cs typeface="Consolas"/>
+                          <a:sym typeface="Consolas"/>
+                        </a:rPr>
+                        <a:t>x</a:t>
+                      </a:r>
+                      <a:r>
+                        <a:rPr lang="en" sz="1000">
+                          <a:solidFill>
+                            <a:srgbClr val="616161"/>
+                          </a:solidFill>
+                          <a:latin typeface="Consolas"/>
+                          <a:ea typeface="Consolas"/>
+                          <a:cs typeface="Consolas"/>
+                          <a:sym typeface="Consolas"/>
+                        </a:rPr>
+                        <a:t>)</a:t>
+                      </a:r>
+                      <a:endParaRPr sz="1000">
+                        <a:solidFill>
+                          <a:schemeClr val="dk1"/>
+                        </a:solidFill>
+                        <a:latin typeface="Consolas"/>
+                        <a:ea typeface="Consolas"/>
+                        <a:cs typeface="Consolas"/>
+                        <a:sym typeface="Consolas"/>
+                      </a:endParaRPr>
+                    </a:p>
+                    <a:p>
+                      <a:pPr indent="0" lvl="0" marL="0" rtl="0" algn="l">
+                        <a:lnSpc>
+                          <a:spcPct val="115000"/>
+                        </a:lnSpc>
+                        <a:spcBef>
+                          <a:spcPts val="0"/>
+                        </a:spcBef>
+                        <a:spcAft>
+                          <a:spcPts val="0"/>
+                        </a:spcAft>
+                        <a:buClr>
+                          <a:schemeClr val="dk1"/>
+                        </a:buClr>
+                        <a:buSzPts val="1100"/>
+                        <a:buFont typeface="Arial"/>
+                        <a:buNone/>
+                      </a:pPr>
+                      <a:r>
+                        <a:t/>
+                      </a:r>
+                      <a:endParaRPr sz="1000">
+                        <a:solidFill>
+                          <a:schemeClr val="dk1"/>
+                        </a:solidFill>
+                        <a:latin typeface="Consolas"/>
+                        <a:ea typeface="Consolas"/>
+                        <a:cs typeface="Consolas"/>
+                        <a:sym typeface="Consolas"/>
+                      </a:endParaRPr>
+                    </a:p>
+                    <a:p>
+                      <a:pPr indent="0" lvl="0" marL="0" rtl="0" algn="l">
+                        <a:lnSpc>
+                          <a:spcPct val="115000"/>
+                        </a:lnSpc>
+                        <a:spcBef>
+                          <a:spcPts val="0"/>
+                        </a:spcBef>
+                        <a:spcAft>
+                          <a:spcPts val="0"/>
+                        </a:spcAft>
+                        <a:buClr>
+                          <a:schemeClr val="dk1"/>
+                        </a:buClr>
+                        <a:buSzPts val="1100"/>
+                        <a:buFont typeface="Arial"/>
+                        <a:buNone/>
+                      </a:pPr>
+                      <a:r>
+                        <a:rPr lang="en" sz="1000">
+                          <a:solidFill>
+                            <a:schemeClr val="dk1"/>
+                          </a:solidFill>
+                          <a:latin typeface="Consolas"/>
+                          <a:ea typeface="Consolas"/>
+                          <a:cs typeface="Consolas"/>
+                          <a:sym typeface="Consolas"/>
+                        </a:rPr>
+                        <a:t>    </a:t>
+                      </a:r>
+                      <a:r>
+                        <a:rPr lang="en" sz="1000">
+                          <a:solidFill>
+                            <a:srgbClr val="455A64"/>
+                          </a:solidFill>
+                          <a:latin typeface="Consolas"/>
+                          <a:ea typeface="Consolas"/>
+                          <a:cs typeface="Consolas"/>
+                          <a:sym typeface="Consolas"/>
+                        </a:rPr>
+                        <a:t># branch the squeeze layer into a 1x1 and 3x3 convolution and double the number</a:t>
+                      </a:r>
+                      <a:endParaRPr sz="1000">
+                        <a:solidFill>
+                          <a:schemeClr val="dk1"/>
+                        </a:solidFill>
+                        <a:latin typeface="Consolas"/>
+                        <a:ea typeface="Consolas"/>
+                        <a:cs typeface="Consolas"/>
+                        <a:sym typeface="Consolas"/>
+                      </a:endParaRPr>
+                    </a:p>
+                    <a:p>
+                      <a:pPr indent="0" lvl="0" marL="0" rtl="0" algn="l">
+                        <a:lnSpc>
+                          <a:spcPct val="115000"/>
+                        </a:lnSpc>
+                        <a:spcBef>
+                          <a:spcPts val="0"/>
+                        </a:spcBef>
+                        <a:spcAft>
+                          <a:spcPts val="0"/>
+                        </a:spcAft>
+                        <a:buClr>
+                          <a:schemeClr val="dk1"/>
+                        </a:buClr>
+                        <a:buSzPts val="1100"/>
+                        <a:buFont typeface="Arial"/>
+                        <a:buNone/>
+                      </a:pPr>
+                      <a:r>
+                        <a:rPr lang="en" sz="1000">
+                          <a:solidFill>
+                            <a:schemeClr val="dk1"/>
+                          </a:solidFill>
+                          <a:latin typeface="Consolas"/>
+                          <a:ea typeface="Consolas"/>
+                          <a:cs typeface="Consolas"/>
+                          <a:sym typeface="Consolas"/>
+                        </a:rPr>
+                        <a:t>    </a:t>
+                      </a:r>
+                      <a:r>
+                        <a:rPr lang="en" sz="1000">
+                          <a:solidFill>
+                            <a:srgbClr val="455A64"/>
+                          </a:solidFill>
+                          <a:latin typeface="Consolas"/>
+                          <a:ea typeface="Consolas"/>
+                          <a:cs typeface="Consolas"/>
+                          <a:sym typeface="Consolas"/>
+                        </a:rPr>
+                        <a:t># of filters</a:t>
+                      </a:r>
+                      <a:endParaRPr sz="1000">
+                        <a:solidFill>
+                          <a:schemeClr val="dk1"/>
+                        </a:solidFill>
+                        <a:latin typeface="Consolas"/>
+                        <a:ea typeface="Consolas"/>
+                        <a:cs typeface="Consolas"/>
+                        <a:sym typeface="Consolas"/>
+                      </a:endParaRPr>
+                    </a:p>
+                    <a:p>
+                      <a:pPr indent="0" lvl="0" marL="0" rtl="0" algn="l">
+                        <a:lnSpc>
+                          <a:spcPct val="115000"/>
+                        </a:lnSpc>
+                        <a:spcBef>
+                          <a:spcPts val="0"/>
+                        </a:spcBef>
+                        <a:spcAft>
+                          <a:spcPts val="0"/>
+                        </a:spcAft>
+                        <a:buClr>
+                          <a:schemeClr val="dk1"/>
+                        </a:buClr>
+                        <a:buSzPts val="1100"/>
+                        <a:buFont typeface="Arial"/>
+                        <a:buNone/>
+                      </a:pPr>
+                      <a:r>
+                        <a:rPr lang="en" sz="1000">
+                          <a:solidFill>
+                            <a:schemeClr val="dk1"/>
+                          </a:solidFill>
+                          <a:latin typeface="Consolas"/>
+                          <a:ea typeface="Consolas"/>
+                          <a:cs typeface="Consolas"/>
+                          <a:sym typeface="Consolas"/>
+                        </a:rPr>
+                        <a:t>    expand1x1 </a:t>
+                      </a:r>
+                      <a:r>
+                        <a:rPr lang="en" sz="1000">
+                          <a:solidFill>
+                            <a:srgbClr val="616161"/>
+                          </a:solidFill>
+                          <a:latin typeface="Consolas"/>
+                          <a:ea typeface="Consolas"/>
+                          <a:cs typeface="Consolas"/>
+                          <a:sym typeface="Consolas"/>
+                        </a:rPr>
+                        <a:t>=</a:t>
+                      </a:r>
+                      <a:r>
+                        <a:rPr lang="en" sz="1000">
+                          <a:solidFill>
+                            <a:schemeClr val="dk1"/>
+                          </a:solidFill>
+                          <a:latin typeface="Consolas"/>
+                          <a:ea typeface="Consolas"/>
+                          <a:cs typeface="Consolas"/>
+                          <a:sym typeface="Consolas"/>
+                        </a:rPr>
+                        <a:t> </a:t>
+                      </a:r>
+                      <a:r>
+                        <a:rPr lang="en" sz="1000">
+                          <a:solidFill>
+                            <a:srgbClr val="3367D6"/>
+                          </a:solidFill>
+                          <a:latin typeface="Consolas"/>
+                          <a:ea typeface="Consolas"/>
+                          <a:cs typeface="Consolas"/>
+                          <a:sym typeface="Consolas"/>
+                        </a:rPr>
+                        <a:t>Conv2D</a:t>
+                      </a:r>
+                      <a:r>
+                        <a:rPr lang="en" sz="1000">
+                          <a:solidFill>
+                            <a:srgbClr val="616161"/>
+                          </a:solidFill>
+                          <a:latin typeface="Consolas"/>
+                          <a:ea typeface="Consolas"/>
+                          <a:cs typeface="Consolas"/>
+                          <a:sym typeface="Consolas"/>
+                        </a:rPr>
+                        <a:t>(</a:t>
+                      </a:r>
+                      <a:r>
+                        <a:rPr lang="en" sz="1000">
+                          <a:solidFill>
+                            <a:schemeClr val="dk1"/>
+                          </a:solidFill>
+                          <a:latin typeface="Consolas"/>
+                          <a:ea typeface="Consolas"/>
+                          <a:cs typeface="Consolas"/>
+                          <a:sym typeface="Consolas"/>
+                        </a:rPr>
+                        <a:t>n_filters </a:t>
+                      </a:r>
+                      <a:r>
+                        <a:rPr lang="en" sz="1000">
+                          <a:solidFill>
+                            <a:srgbClr val="616161"/>
+                          </a:solidFill>
+                          <a:latin typeface="Consolas"/>
+                          <a:ea typeface="Consolas"/>
+                          <a:cs typeface="Consolas"/>
+                          <a:sym typeface="Consolas"/>
+                        </a:rPr>
+                        <a:t>*</a:t>
+                      </a:r>
+                      <a:r>
+                        <a:rPr lang="en" sz="1000">
+                          <a:solidFill>
+                            <a:schemeClr val="dk1"/>
+                          </a:solidFill>
+                          <a:latin typeface="Consolas"/>
+                          <a:ea typeface="Consolas"/>
+                          <a:cs typeface="Consolas"/>
+                          <a:sym typeface="Consolas"/>
+                        </a:rPr>
+                        <a:t> </a:t>
+                      </a:r>
+                      <a:r>
+                        <a:rPr lang="en" sz="1000">
+                          <a:solidFill>
+                            <a:srgbClr val="C53929"/>
+                          </a:solidFill>
+                          <a:latin typeface="Consolas"/>
+                          <a:ea typeface="Consolas"/>
+                          <a:cs typeface="Consolas"/>
+                          <a:sym typeface="Consolas"/>
+                        </a:rPr>
+                        <a:t>4</a:t>
+                      </a:r>
+                      <a:r>
+                        <a:rPr lang="en" sz="1000">
+                          <a:solidFill>
+                            <a:srgbClr val="616161"/>
+                          </a:solidFill>
+                          <a:latin typeface="Consolas"/>
+                          <a:ea typeface="Consolas"/>
+                          <a:cs typeface="Consolas"/>
+                          <a:sym typeface="Consolas"/>
+                        </a:rPr>
+                        <a:t>,</a:t>
+                      </a:r>
+                      <a:r>
+                        <a:rPr lang="en" sz="1000">
+                          <a:solidFill>
+                            <a:schemeClr val="dk1"/>
+                          </a:solidFill>
+                          <a:latin typeface="Consolas"/>
+                          <a:ea typeface="Consolas"/>
+                          <a:cs typeface="Consolas"/>
+                          <a:sym typeface="Consolas"/>
+                        </a:rPr>
+                        <a:t> </a:t>
+                      </a:r>
+                      <a:r>
+                        <a:rPr lang="en" sz="1000">
+                          <a:solidFill>
+                            <a:srgbClr val="616161"/>
+                          </a:solidFill>
+                          <a:latin typeface="Consolas"/>
+                          <a:ea typeface="Consolas"/>
+                          <a:cs typeface="Consolas"/>
+                          <a:sym typeface="Consolas"/>
+                        </a:rPr>
+                        <a:t>(</a:t>
+                      </a:r>
+                      <a:r>
+                        <a:rPr lang="en" sz="1000">
+                          <a:solidFill>
+                            <a:srgbClr val="C53929"/>
+                          </a:solidFill>
+                          <a:latin typeface="Consolas"/>
+                          <a:ea typeface="Consolas"/>
+                          <a:cs typeface="Consolas"/>
+                          <a:sym typeface="Consolas"/>
+                        </a:rPr>
+                        <a:t>1</a:t>
+                      </a:r>
+                      <a:r>
+                        <a:rPr lang="en" sz="1000">
+                          <a:solidFill>
+                            <a:srgbClr val="616161"/>
+                          </a:solidFill>
+                          <a:latin typeface="Consolas"/>
+                          <a:ea typeface="Consolas"/>
+                          <a:cs typeface="Consolas"/>
+                          <a:sym typeface="Consolas"/>
+                        </a:rPr>
+                        <a:t>,</a:t>
+                      </a:r>
+                      <a:r>
+                        <a:rPr lang="en" sz="1000">
+                          <a:solidFill>
+                            <a:schemeClr val="dk1"/>
+                          </a:solidFill>
+                          <a:latin typeface="Consolas"/>
+                          <a:ea typeface="Consolas"/>
+                          <a:cs typeface="Consolas"/>
+                          <a:sym typeface="Consolas"/>
+                        </a:rPr>
+                        <a:t> </a:t>
+                      </a:r>
+                      <a:r>
+                        <a:rPr lang="en" sz="1000">
+                          <a:solidFill>
+                            <a:srgbClr val="C53929"/>
+                          </a:solidFill>
+                          <a:latin typeface="Consolas"/>
+                          <a:ea typeface="Consolas"/>
+                          <a:cs typeface="Consolas"/>
+                          <a:sym typeface="Consolas"/>
+                        </a:rPr>
+                        <a:t>1</a:t>
+                      </a:r>
+                      <a:r>
+                        <a:rPr lang="en" sz="1000">
+                          <a:solidFill>
+                            <a:srgbClr val="616161"/>
+                          </a:solidFill>
+                          <a:latin typeface="Consolas"/>
+                          <a:ea typeface="Consolas"/>
+                          <a:cs typeface="Consolas"/>
+                          <a:sym typeface="Consolas"/>
+                        </a:rPr>
+                        <a:t>),</a:t>
+                      </a:r>
+                      <a:r>
+                        <a:rPr lang="en" sz="1000">
+                          <a:solidFill>
+                            <a:schemeClr val="dk1"/>
+                          </a:solidFill>
+                          <a:latin typeface="Consolas"/>
+                          <a:ea typeface="Consolas"/>
+                          <a:cs typeface="Consolas"/>
+                          <a:sym typeface="Consolas"/>
+                        </a:rPr>
+                        <a:t> strides</a:t>
+                      </a:r>
+                      <a:r>
+                        <a:rPr lang="en" sz="1000">
+                          <a:solidFill>
+                            <a:srgbClr val="616161"/>
+                          </a:solidFill>
+                          <a:latin typeface="Consolas"/>
+                          <a:ea typeface="Consolas"/>
+                          <a:cs typeface="Consolas"/>
+                          <a:sym typeface="Consolas"/>
+                        </a:rPr>
+                        <a:t>=</a:t>
+                      </a:r>
+                      <a:r>
+                        <a:rPr lang="en" sz="1000">
+                          <a:solidFill>
+                            <a:srgbClr val="C53929"/>
+                          </a:solidFill>
+                          <a:latin typeface="Consolas"/>
+                          <a:ea typeface="Consolas"/>
+                          <a:cs typeface="Consolas"/>
+                          <a:sym typeface="Consolas"/>
+                        </a:rPr>
+                        <a:t>1</a:t>
+                      </a:r>
+                      <a:r>
+                        <a:rPr lang="en" sz="1000">
+                          <a:solidFill>
+                            <a:srgbClr val="616161"/>
+                          </a:solidFill>
+                          <a:latin typeface="Consolas"/>
+                          <a:ea typeface="Consolas"/>
+                          <a:cs typeface="Consolas"/>
+                          <a:sym typeface="Consolas"/>
+                        </a:rPr>
+                        <a:t>,</a:t>
+                      </a:r>
+                      <a:r>
+                        <a:rPr lang="en" sz="1000">
+                          <a:solidFill>
+                            <a:schemeClr val="dk1"/>
+                          </a:solidFill>
+                          <a:latin typeface="Consolas"/>
+                          <a:ea typeface="Consolas"/>
+                          <a:cs typeface="Consolas"/>
+                          <a:sym typeface="Consolas"/>
+                        </a:rPr>
+                        <a:t> activation</a:t>
+                      </a:r>
+                      <a:r>
+                        <a:rPr lang="en" sz="1000">
+                          <a:solidFill>
+                            <a:srgbClr val="616161"/>
+                          </a:solidFill>
+                          <a:latin typeface="Consolas"/>
+                          <a:ea typeface="Consolas"/>
+                          <a:cs typeface="Consolas"/>
+                          <a:sym typeface="Consolas"/>
+                        </a:rPr>
+                        <a:t>=</a:t>
+                      </a:r>
+                      <a:r>
+                        <a:rPr lang="en" sz="1000">
+                          <a:solidFill>
+                            <a:srgbClr val="0F9D58"/>
+                          </a:solidFill>
+                          <a:latin typeface="Consolas"/>
+                          <a:ea typeface="Consolas"/>
+                          <a:cs typeface="Consolas"/>
+                          <a:sym typeface="Consolas"/>
+                        </a:rPr>
+                        <a:t>'relu'</a:t>
+                      </a:r>
+                      <a:r>
+                        <a:rPr lang="en" sz="1000">
+                          <a:solidFill>
+                            <a:srgbClr val="616161"/>
+                          </a:solidFill>
+                          <a:latin typeface="Consolas"/>
+                          <a:ea typeface="Consolas"/>
+                          <a:cs typeface="Consolas"/>
+                          <a:sym typeface="Consolas"/>
+                        </a:rPr>
+                        <a:t>,</a:t>
+                      </a:r>
+                      <a:r>
+                        <a:rPr lang="en" sz="1000">
+                          <a:solidFill>
+                            <a:schemeClr val="dk1"/>
+                          </a:solidFill>
+                          <a:latin typeface="Consolas"/>
+                          <a:ea typeface="Consolas"/>
+                          <a:cs typeface="Consolas"/>
+                          <a:sym typeface="Consolas"/>
+                        </a:rPr>
+                        <a:t> padding</a:t>
+                      </a:r>
+                      <a:r>
+                        <a:rPr lang="en" sz="1000">
+                          <a:solidFill>
+                            <a:srgbClr val="616161"/>
+                          </a:solidFill>
+                          <a:latin typeface="Consolas"/>
+                          <a:ea typeface="Consolas"/>
+                          <a:cs typeface="Consolas"/>
+                          <a:sym typeface="Consolas"/>
+                        </a:rPr>
+                        <a:t>=</a:t>
+                      </a:r>
+                      <a:r>
+                        <a:rPr lang="en" sz="1000">
+                          <a:solidFill>
+                            <a:srgbClr val="0F9D58"/>
+                          </a:solidFill>
+                          <a:latin typeface="Consolas"/>
+                          <a:ea typeface="Consolas"/>
+                          <a:cs typeface="Consolas"/>
+                          <a:sym typeface="Consolas"/>
+                        </a:rPr>
+                        <a:t>'same'</a:t>
+                      </a:r>
+                      <a:r>
+                        <a:rPr lang="en" sz="1000">
+                          <a:solidFill>
+                            <a:srgbClr val="616161"/>
+                          </a:solidFill>
+                          <a:latin typeface="Consolas"/>
+                          <a:ea typeface="Consolas"/>
+                          <a:cs typeface="Consolas"/>
+                          <a:sym typeface="Consolas"/>
+                        </a:rPr>
+                        <a:t>)(</a:t>
+                      </a:r>
+                      <a:r>
+                        <a:rPr lang="en" sz="1000">
+                          <a:solidFill>
+                            <a:schemeClr val="dk1"/>
+                          </a:solidFill>
+                          <a:latin typeface="Consolas"/>
+                          <a:ea typeface="Consolas"/>
+                          <a:cs typeface="Consolas"/>
+                          <a:sym typeface="Consolas"/>
+                        </a:rPr>
+                        <a:t>squeeze</a:t>
+                      </a:r>
+                      <a:r>
+                        <a:rPr lang="en" sz="1000">
+                          <a:solidFill>
+                            <a:srgbClr val="616161"/>
+                          </a:solidFill>
+                          <a:latin typeface="Consolas"/>
+                          <a:ea typeface="Consolas"/>
+                          <a:cs typeface="Consolas"/>
+                          <a:sym typeface="Consolas"/>
+                        </a:rPr>
+                        <a:t>)</a:t>
+                      </a:r>
+                      <a:endParaRPr sz="1000">
+                        <a:solidFill>
+                          <a:schemeClr val="dk1"/>
+                        </a:solidFill>
+                        <a:latin typeface="Consolas"/>
+                        <a:ea typeface="Consolas"/>
+                        <a:cs typeface="Consolas"/>
+                        <a:sym typeface="Consolas"/>
+                      </a:endParaRPr>
+                    </a:p>
+                    <a:p>
+                      <a:pPr indent="0" lvl="0" marL="0" rtl="0" algn="l">
+                        <a:lnSpc>
+                          <a:spcPct val="115000"/>
+                        </a:lnSpc>
+                        <a:spcBef>
+                          <a:spcPts val="0"/>
+                        </a:spcBef>
+                        <a:spcAft>
+                          <a:spcPts val="0"/>
+                        </a:spcAft>
+                        <a:buClr>
+                          <a:schemeClr val="dk1"/>
+                        </a:buClr>
+                        <a:buSzPts val="1100"/>
+                        <a:buFont typeface="Arial"/>
+                        <a:buNone/>
+                      </a:pPr>
+                      <a:r>
+                        <a:rPr lang="en" sz="1000">
+                          <a:solidFill>
+                            <a:schemeClr val="dk1"/>
+                          </a:solidFill>
+                          <a:latin typeface="Consolas"/>
+                          <a:ea typeface="Consolas"/>
+                          <a:cs typeface="Consolas"/>
+                          <a:sym typeface="Consolas"/>
+                        </a:rPr>
+                        <a:t>    expand3x3 </a:t>
+                      </a:r>
+                      <a:r>
+                        <a:rPr lang="en" sz="1000">
+                          <a:solidFill>
+                            <a:srgbClr val="616161"/>
+                          </a:solidFill>
+                          <a:latin typeface="Consolas"/>
+                          <a:ea typeface="Consolas"/>
+                          <a:cs typeface="Consolas"/>
+                          <a:sym typeface="Consolas"/>
+                        </a:rPr>
+                        <a:t>=</a:t>
+                      </a:r>
+                      <a:r>
+                        <a:rPr lang="en" sz="1000">
+                          <a:solidFill>
+                            <a:schemeClr val="dk1"/>
+                          </a:solidFill>
+                          <a:latin typeface="Consolas"/>
+                          <a:ea typeface="Consolas"/>
+                          <a:cs typeface="Consolas"/>
+                          <a:sym typeface="Consolas"/>
+                        </a:rPr>
+                        <a:t> </a:t>
+                      </a:r>
+                      <a:r>
+                        <a:rPr lang="en" sz="1000">
+                          <a:solidFill>
+                            <a:srgbClr val="3367D6"/>
+                          </a:solidFill>
+                          <a:latin typeface="Consolas"/>
+                          <a:ea typeface="Consolas"/>
+                          <a:cs typeface="Consolas"/>
+                          <a:sym typeface="Consolas"/>
+                        </a:rPr>
+                        <a:t>Conv2D</a:t>
+                      </a:r>
+                      <a:r>
+                        <a:rPr lang="en" sz="1000">
+                          <a:solidFill>
+                            <a:srgbClr val="616161"/>
+                          </a:solidFill>
+                          <a:latin typeface="Consolas"/>
+                          <a:ea typeface="Consolas"/>
+                          <a:cs typeface="Consolas"/>
+                          <a:sym typeface="Consolas"/>
+                        </a:rPr>
+                        <a:t>(</a:t>
+                      </a:r>
+                      <a:r>
+                        <a:rPr lang="en" sz="1000">
+                          <a:solidFill>
+                            <a:schemeClr val="dk1"/>
+                          </a:solidFill>
+                          <a:latin typeface="Consolas"/>
+                          <a:ea typeface="Consolas"/>
+                          <a:cs typeface="Consolas"/>
+                          <a:sym typeface="Consolas"/>
+                        </a:rPr>
+                        <a:t>n_filters </a:t>
+                      </a:r>
+                      <a:r>
+                        <a:rPr lang="en" sz="1000">
+                          <a:solidFill>
+                            <a:srgbClr val="616161"/>
+                          </a:solidFill>
+                          <a:latin typeface="Consolas"/>
+                          <a:ea typeface="Consolas"/>
+                          <a:cs typeface="Consolas"/>
+                          <a:sym typeface="Consolas"/>
+                        </a:rPr>
+                        <a:t>*</a:t>
+                      </a:r>
+                      <a:r>
+                        <a:rPr lang="en" sz="1000">
+                          <a:solidFill>
+                            <a:schemeClr val="dk1"/>
+                          </a:solidFill>
+                          <a:latin typeface="Consolas"/>
+                          <a:ea typeface="Consolas"/>
+                          <a:cs typeface="Consolas"/>
+                          <a:sym typeface="Consolas"/>
+                        </a:rPr>
+                        <a:t> </a:t>
+                      </a:r>
+                      <a:r>
+                        <a:rPr lang="en" sz="1000">
+                          <a:solidFill>
+                            <a:srgbClr val="C53929"/>
+                          </a:solidFill>
+                          <a:latin typeface="Consolas"/>
+                          <a:ea typeface="Consolas"/>
+                          <a:cs typeface="Consolas"/>
+                          <a:sym typeface="Consolas"/>
+                        </a:rPr>
+                        <a:t>4</a:t>
+                      </a:r>
+                      <a:r>
+                        <a:rPr lang="en" sz="1000">
+                          <a:solidFill>
+                            <a:srgbClr val="616161"/>
+                          </a:solidFill>
+                          <a:latin typeface="Consolas"/>
+                          <a:ea typeface="Consolas"/>
+                          <a:cs typeface="Consolas"/>
+                          <a:sym typeface="Consolas"/>
+                        </a:rPr>
+                        <a:t>,</a:t>
+                      </a:r>
+                      <a:r>
+                        <a:rPr lang="en" sz="1000">
+                          <a:solidFill>
+                            <a:schemeClr val="dk1"/>
+                          </a:solidFill>
+                          <a:latin typeface="Consolas"/>
+                          <a:ea typeface="Consolas"/>
+                          <a:cs typeface="Consolas"/>
+                          <a:sym typeface="Consolas"/>
+                        </a:rPr>
+                        <a:t> </a:t>
+                      </a:r>
+                      <a:r>
+                        <a:rPr lang="en" sz="1000">
+                          <a:solidFill>
+                            <a:srgbClr val="616161"/>
+                          </a:solidFill>
+                          <a:latin typeface="Consolas"/>
+                          <a:ea typeface="Consolas"/>
+                          <a:cs typeface="Consolas"/>
+                          <a:sym typeface="Consolas"/>
+                        </a:rPr>
+                        <a:t>(</a:t>
+                      </a:r>
+                      <a:r>
+                        <a:rPr lang="en" sz="1000">
+                          <a:solidFill>
+                            <a:srgbClr val="C53929"/>
+                          </a:solidFill>
+                          <a:latin typeface="Consolas"/>
+                          <a:ea typeface="Consolas"/>
+                          <a:cs typeface="Consolas"/>
+                          <a:sym typeface="Consolas"/>
+                        </a:rPr>
+                        <a:t>3</a:t>
+                      </a:r>
+                      <a:r>
+                        <a:rPr lang="en" sz="1000">
+                          <a:solidFill>
+                            <a:srgbClr val="616161"/>
+                          </a:solidFill>
+                          <a:latin typeface="Consolas"/>
+                          <a:ea typeface="Consolas"/>
+                          <a:cs typeface="Consolas"/>
+                          <a:sym typeface="Consolas"/>
+                        </a:rPr>
+                        <a:t>,</a:t>
+                      </a:r>
+                      <a:r>
+                        <a:rPr lang="en" sz="1000">
+                          <a:solidFill>
+                            <a:schemeClr val="dk1"/>
+                          </a:solidFill>
+                          <a:latin typeface="Consolas"/>
+                          <a:ea typeface="Consolas"/>
+                          <a:cs typeface="Consolas"/>
+                          <a:sym typeface="Consolas"/>
+                        </a:rPr>
+                        <a:t> </a:t>
+                      </a:r>
+                      <a:r>
+                        <a:rPr lang="en" sz="1000">
+                          <a:solidFill>
+                            <a:srgbClr val="C53929"/>
+                          </a:solidFill>
+                          <a:latin typeface="Consolas"/>
+                          <a:ea typeface="Consolas"/>
+                          <a:cs typeface="Consolas"/>
+                          <a:sym typeface="Consolas"/>
+                        </a:rPr>
+                        <a:t>3</a:t>
+                      </a:r>
+                      <a:r>
+                        <a:rPr lang="en" sz="1000">
+                          <a:solidFill>
+                            <a:srgbClr val="616161"/>
+                          </a:solidFill>
+                          <a:latin typeface="Consolas"/>
+                          <a:ea typeface="Consolas"/>
+                          <a:cs typeface="Consolas"/>
+                          <a:sym typeface="Consolas"/>
+                        </a:rPr>
+                        <a:t>),</a:t>
+                      </a:r>
+                      <a:r>
+                        <a:rPr lang="en" sz="1000">
+                          <a:solidFill>
+                            <a:schemeClr val="dk1"/>
+                          </a:solidFill>
+                          <a:latin typeface="Consolas"/>
+                          <a:ea typeface="Consolas"/>
+                          <a:cs typeface="Consolas"/>
+                          <a:sym typeface="Consolas"/>
+                        </a:rPr>
+                        <a:t> strides</a:t>
+                      </a:r>
+                      <a:r>
+                        <a:rPr lang="en" sz="1000">
+                          <a:solidFill>
+                            <a:srgbClr val="616161"/>
+                          </a:solidFill>
+                          <a:latin typeface="Consolas"/>
+                          <a:ea typeface="Consolas"/>
+                          <a:cs typeface="Consolas"/>
+                          <a:sym typeface="Consolas"/>
+                        </a:rPr>
+                        <a:t>=</a:t>
+                      </a:r>
+                      <a:r>
+                        <a:rPr lang="en" sz="1000">
+                          <a:solidFill>
+                            <a:srgbClr val="C53929"/>
+                          </a:solidFill>
+                          <a:latin typeface="Consolas"/>
+                          <a:ea typeface="Consolas"/>
+                          <a:cs typeface="Consolas"/>
+                          <a:sym typeface="Consolas"/>
+                        </a:rPr>
+                        <a:t>1</a:t>
+                      </a:r>
+                      <a:r>
+                        <a:rPr lang="en" sz="1000">
+                          <a:solidFill>
+                            <a:srgbClr val="616161"/>
+                          </a:solidFill>
+                          <a:latin typeface="Consolas"/>
+                          <a:ea typeface="Consolas"/>
+                          <a:cs typeface="Consolas"/>
+                          <a:sym typeface="Consolas"/>
+                        </a:rPr>
+                        <a:t>,</a:t>
+                      </a:r>
+                      <a:r>
+                        <a:rPr lang="en" sz="1000">
+                          <a:solidFill>
+                            <a:schemeClr val="dk1"/>
+                          </a:solidFill>
+                          <a:latin typeface="Consolas"/>
+                          <a:ea typeface="Consolas"/>
+                          <a:cs typeface="Consolas"/>
+                          <a:sym typeface="Consolas"/>
+                        </a:rPr>
+                        <a:t> activation</a:t>
+                      </a:r>
+                      <a:r>
+                        <a:rPr lang="en" sz="1000">
+                          <a:solidFill>
+                            <a:srgbClr val="616161"/>
+                          </a:solidFill>
+                          <a:latin typeface="Consolas"/>
+                          <a:ea typeface="Consolas"/>
+                          <a:cs typeface="Consolas"/>
+                          <a:sym typeface="Consolas"/>
+                        </a:rPr>
+                        <a:t>=</a:t>
+                      </a:r>
+                      <a:r>
+                        <a:rPr lang="en" sz="1000">
+                          <a:solidFill>
+                            <a:srgbClr val="0F9D58"/>
+                          </a:solidFill>
+                          <a:latin typeface="Consolas"/>
+                          <a:ea typeface="Consolas"/>
+                          <a:cs typeface="Consolas"/>
+                          <a:sym typeface="Consolas"/>
+                        </a:rPr>
+                        <a:t>'relu'</a:t>
+                      </a:r>
+                      <a:r>
+                        <a:rPr lang="en" sz="1000">
+                          <a:solidFill>
+                            <a:srgbClr val="616161"/>
+                          </a:solidFill>
+                          <a:latin typeface="Consolas"/>
+                          <a:ea typeface="Consolas"/>
+                          <a:cs typeface="Consolas"/>
+                          <a:sym typeface="Consolas"/>
+                        </a:rPr>
+                        <a:t>,</a:t>
+                      </a:r>
+                      <a:r>
+                        <a:rPr lang="en" sz="1000">
+                          <a:solidFill>
+                            <a:schemeClr val="dk1"/>
+                          </a:solidFill>
+                          <a:latin typeface="Consolas"/>
+                          <a:ea typeface="Consolas"/>
+                          <a:cs typeface="Consolas"/>
+                          <a:sym typeface="Consolas"/>
+                        </a:rPr>
+                        <a:t> padding</a:t>
+                      </a:r>
+                      <a:r>
+                        <a:rPr lang="en" sz="1000">
+                          <a:solidFill>
+                            <a:srgbClr val="616161"/>
+                          </a:solidFill>
+                          <a:latin typeface="Consolas"/>
+                          <a:ea typeface="Consolas"/>
+                          <a:cs typeface="Consolas"/>
+                          <a:sym typeface="Consolas"/>
+                        </a:rPr>
+                        <a:t>=</a:t>
+                      </a:r>
+                      <a:r>
+                        <a:rPr lang="en" sz="1000">
+                          <a:solidFill>
+                            <a:srgbClr val="0F9D58"/>
+                          </a:solidFill>
+                          <a:latin typeface="Consolas"/>
+                          <a:ea typeface="Consolas"/>
+                          <a:cs typeface="Consolas"/>
+                          <a:sym typeface="Consolas"/>
+                        </a:rPr>
+                        <a:t>'same'</a:t>
+                      </a:r>
+                      <a:r>
+                        <a:rPr lang="en" sz="1000">
+                          <a:solidFill>
+                            <a:srgbClr val="616161"/>
+                          </a:solidFill>
+                          <a:latin typeface="Consolas"/>
+                          <a:ea typeface="Consolas"/>
+                          <a:cs typeface="Consolas"/>
+                          <a:sym typeface="Consolas"/>
+                        </a:rPr>
+                        <a:t>)(</a:t>
+                      </a:r>
+                      <a:r>
+                        <a:rPr lang="en" sz="1000">
+                          <a:solidFill>
+                            <a:schemeClr val="dk1"/>
+                          </a:solidFill>
+                          <a:latin typeface="Consolas"/>
+                          <a:ea typeface="Consolas"/>
+                          <a:cs typeface="Consolas"/>
+                          <a:sym typeface="Consolas"/>
+                        </a:rPr>
+                        <a:t>squeeze</a:t>
+                      </a:r>
+                      <a:r>
+                        <a:rPr lang="en" sz="1000">
+                          <a:solidFill>
+                            <a:srgbClr val="616161"/>
+                          </a:solidFill>
+                          <a:latin typeface="Consolas"/>
+                          <a:ea typeface="Consolas"/>
+                          <a:cs typeface="Consolas"/>
+                          <a:sym typeface="Consolas"/>
+                        </a:rPr>
+                        <a:t>)</a:t>
+                      </a:r>
+                      <a:endParaRPr sz="1000">
+                        <a:solidFill>
+                          <a:schemeClr val="dk1"/>
+                        </a:solidFill>
+                        <a:latin typeface="Consolas"/>
+                        <a:ea typeface="Consolas"/>
+                        <a:cs typeface="Consolas"/>
+                        <a:sym typeface="Consolas"/>
+                      </a:endParaRPr>
+                    </a:p>
+                    <a:p>
+                      <a:pPr indent="0" lvl="0" marL="0" rtl="0" algn="l">
+                        <a:lnSpc>
+                          <a:spcPct val="115000"/>
+                        </a:lnSpc>
+                        <a:spcBef>
+                          <a:spcPts val="0"/>
+                        </a:spcBef>
+                        <a:spcAft>
+                          <a:spcPts val="0"/>
+                        </a:spcAft>
+                        <a:buClr>
+                          <a:schemeClr val="dk1"/>
+                        </a:buClr>
+                        <a:buSzPts val="1100"/>
+                        <a:buFont typeface="Arial"/>
+                        <a:buNone/>
+                      </a:pPr>
+                      <a:r>
+                        <a:t/>
+                      </a:r>
+                      <a:endParaRPr sz="1000">
+                        <a:solidFill>
+                          <a:schemeClr val="dk1"/>
+                        </a:solidFill>
+                        <a:latin typeface="Consolas"/>
+                        <a:ea typeface="Consolas"/>
+                        <a:cs typeface="Consolas"/>
+                        <a:sym typeface="Consolas"/>
+                      </a:endParaRPr>
+                    </a:p>
+                    <a:p>
+                      <a:pPr indent="0" lvl="0" marL="0" rtl="0" algn="l">
+                        <a:lnSpc>
+                          <a:spcPct val="115000"/>
+                        </a:lnSpc>
+                        <a:spcBef>
+                          <a:spcPts val="0"/>
+                        </a:spcBef>
+                        <a:spcAft>
+                          <a:spcPts val="0"/>
+                        </a:spcAft>
+                        <a:buClr>
+                          <a:schemeClr val="dk1"/>
+                        </a:buClr>
+                        <a:buSzPts val="1100"/>
+                        <a:buFont typeface="Arial"/>
+                        <a:buNone/>
+                      </a:pPr>
+                      <a:r>
+                        <a:rPr lang="en" sz="1000">
+                          <a:solidFill>
+                            <a:schemeClr val="dk1"/>
+                          </a:solidFill>
+                          <a:latin typeface="Consolas"/>
+                          <a:ea typeface="Consolas"/>
+                          <a:cs typeface="Consolas"/>
+                          <a:sym typeface="Consolas"/>
+                        </a:rPr>
+                        <a:t>    </a:t>
+                      </a:r>
+                      <a:r>
+                        <a:rPr lang="en" sz="1000">
+                          <a:solidFill>
+                            <a:srgbClr val="455A64"/>
+                          </a:solidFill>
+                          <a:latin typeface="Consolas"/>
+                          <a:ea typeface="Consolas"/>
+                          <a:cs typeface="Consolas"/>
+                          <a:sym typeface="Consolas"/>
+                        </a:rPr>
+                        <a:t># concatenate the feature maps from the 1x1 and 3x3 branches</a:t>
+                      </a:r>
+                      <a:endParaRPr sz="1000">
+                        <a:solidFill>
+                          <a:schemeClr val="dk1"/>
+                        </a:solidFill>
+                        <a:latin typeface="Consolas"/>
+                        <a:ea typeface="Consolas"/>
+                        <a:cs typeface="Consolas"/>
+                        <a:sym typeface="Consolas"/>
+                      </a:endParaRPr>
+                    </a:p>
+                    <a:p>
+                      <a:pPr indent="0" lvl="0" marL="0" rtl="0" algn="l">
+                        <a:lnSpc>
+                          <a:spcPct val="115000"/>
+                        </a:lnSpc>
+                        <a:spcBef>
+                          <a:spcPts val="0"/>
+                        </a:spcBef>
+                        <a:spcAft>
+                          <a:spcPts val="0"/>
+                        </a:spcAft>
+                        <a:buClr>
+                          <a:schemeClr val="dk1"/>
+                        </a:buClr>
+                        <a:buSzPts val="1100"/>
+                        <a:buFont typeface="Arial"/>
+                        <a:buNone/>
+                      </a:pPr>
+                      <a:r>
+                        <a:rPr lang="en" sz="1000">
+                          <a:solidFill>
+                            <a:schemeClr val="dk1"/>
+                          </a:solidFill>
+                          <a:latin typeface="Consolas"/>
+                          <a:ea typeface="Consolas"/>
+                          <a:cs typeface="Consolas"/>
+                          <a:sym typeface="Consolas"/>
+                        </a:rPr>
+                        <a:t>    x </a:t>
+                      </a:r>
+                      <a:r>
+                        <a:rPr lang="en" sz="1000">
+                          <a:solidFill>
+                            <a:srgbClr val="616161"/>
+                          </a:solidFill>
+                          <a:latin typeface="Consolas"/>
+                          <a:ea typeface="Consolas"/>
+                          <a:cs typeface="Consolas"/>
+                          <a:sym typeface="Consolas"/>
+                        </a:rPr>
+                        <a:t>=</a:t>
+                      </a:r>
+                      <a:r>
+                        <a:rPr lang="en" sz="1000">
+                          <a:solidFill>
+                            <a:schemeClr val="dk1"/>
+                          </a:solidFill>
+                          <a:latin typeface="Consolas"/>
+                          <a:ea typeface="Consolas"/>
+                          <a:cs typeface="Consolas"/>
+                          <a:sym typeface="Consolas"/>
+                        </a:rPr>
+                        <a:t> </a:t>
+                      </a:r>
+                      <a:r>
+                        <a:rPr lang="en" sz="1000">
+                          <a:solidFill>
+                            <a:srgbClr val="3367D6"/>
+                          </a:solidFill>
+                          <a:latin typeface="Consolas"/>
+                          <a:ea typeface="Consolas"/>
+                          <a:cs typeface="Consolas"/>
+                          <a:sym typeface="Consolas"/>
+                        </a:rPr>
+                        <a:t>Concatenate</a:t>
+                      </a:r>
+                      <a:r>
+                        <a:rPr lang="en" sz="1000">
+                          <a:solidFill>
+                            <a:srgbClr val="616161"/>
+                          </a:solidFill>
+                          <a:latin typeface="Consolas"/>
+                          <a:ea typeface="Consolas"/>
+                          <a:cs typeface="Consolas"/>
+                          <a:sym typeface="Consolas"/>
+                        </a:rPr>
+                        <a:t>()([</a:t>
+                      </a:r>
+                      <a:r>
+                        <a:rPr lang="en" sz="1000">
+                          <a:solidFill>
+                            <a:schemeClr val="dk1"/>
+                          </a:solidFill>
+                          <a:latin typeface="Consolas"/>
+                          <a:ea typeface="Consolas"/>
+                          <a:cs typeface="Consolas"/>
+                          <a:sym typeface="Consolas"/>
+                        </a:rPr>
+                        <a:t>expand1x1</a:t>
+                      </a:r>
+                      <a:r>
+                        <a:rPr lang="en" sz="1000">
+                          <a:solidFill>
+                            <a:srgbClr val="616161"/>
+                          </a:solidFill>
+                          <a:latin typeface="Consolas"/>
+                          <a:ea typeface="Consolas"/>
+                          <a:cs typeface="Consolas"/>
+                          <a:sym typeface="Consolas"/>
+                        </a:rPr>
+                        <a:t>,</a:t>
+                      </a:r>
+                      <a:r>
+                        <a:rPr lang="en" sz="1000">
+                          <a:solidFill>
+                            <a:schemeClr val="dk1"/>
+                          </a:solidFill>
+                          <a:latin typeface="Consolas"/>
+                          <a:ea typeface="Consolas"/>
+                          <a:cs typeface="Consolas"/>
+                          <a:sym typeface="Consolas"/>
+                        </a:rPr>
+                        <a:t> expand3x3</a:t>
+                      </a:r>
+                      <a:r>
+                        <a:rPr lang="en" sz="1000">
+                          <a:solidFill>
+                            <a:srgbClr val="616161"/>
+                          </a:solidFill>
+                          <a:latin typeface="Consolas"/>
+                          <a:ea typeface="Consolas"/>
+                          <a:cs typeface="Consolas"/>
+                          <a:sym typeface="Consolas"/>
+                        </a:rPr>
+                        <a:t>])</a:t>
+                      </a:r>
+                      <a:endParaRPr sz="1000">
+                        <a:solidFill>
+                          <a:schemeClr val="dk1"/>
+                        </a:solidFill>
+                        <a:latin typeface="Consolas"/>
+                        <a:ea typeface="Consolas"/>
+                        <a:cs typeface="Consolas"/>
+                        <a:sym typeface="Consolas"/>
+                      </a:endParaRPr>
+                    </a:p>
+                    <a:p>
+                      <a:pPr indent="0" lvl="0" marL="0" rtl="0" algn="l">
+                        <a:lnSpc>
+                          <a:spcPct val="115000"/>
+                        </a:lnSpc>
+                        <a:spcBef>
+                          <a:spcPts val="0"/>
+                        </a:spcBef>
+                        <a:spcAft>
+                          <a:spcPts val="0"/>
+                        </a:spcAft>
+                        <a:buClr>
+                          <a:schemeClr val="dk1"/>
+                        </a:buClr>
+                        <a:buSzPts val="1100"/>
+                        <a:buFont typeface="Arial"/>
+                        <a:buNone/>
+                      </a:pPr>
+                      <a:r>
+                        <a:rPr lang="en" sz="1000">
+                          <a:solidFill>
+                            <a:schemeClr val="dk1"/>
+                          </a:solidFill>
+                          <a:latin typeface="Consolas"/>
+                          <a:ea typeface="Consolas"/>
+                          <a:cs typeface="Consolas"/>
+                          <a:sym typeface="Consolas"/>
+                        </a:rPr>
+                        <a:t>    </a:t>
+                      </a:r>
+                      <a:r>
+                        <a:rPr lang="en" sz="1000">
+                          <a:solidFill>
+                            <a:srgbClr val="9C27B0"/>
+                          </a:solidFill>
+                          <a:latin typeface="Consolas"/>
+                          <a:ea typeface="Consolas"/>
+                          <a:cs typeface="Consolas"/>
+                          <a:sym typeface="Consolas"/>
+                        </a:rPr>
+                        <a:t>return</a:t>
+                      </a:r>
+                      <a:r>
+                        <a:rPr lang="en" sz="1000">
+                          <a:solidFill>
+                            <a:schemeClr val="dk1"/>
+                          </a:solidFill>
+                          <a:latin typeface="Consolas"/>
+                          <a:ea typeface="Consolas"/>
+                          <a:cs typeface="Consolas"/>
+                          <a:sym typeface="Consolas"/>
+                        </a:rPr>
+                        <a:t> x</a:t>
+                      </a:r>
+                      <a:endParaRPr sz="1000">
+                        <a:solidFill>
+                          <a:srgbClr val="9C27B0"/>
+                        </a:solidFill>
+                        <a:latin typeface="Consolas"/>
+                        <a:ea typeface="Consolas"/>
+                        <a:cs typeface="Consolas"/>
+                        <a:sym typeface="Consolas"/>
+                      </a:endParaRPr>
+                    </a:p>
+                  </a:txBody>
+                  <a:tcPr marT="63500" marB="63500" marR="63500" marL="63500">
+                    <a:solidFill>
+                      <a:srgbClr val="FAFAFA"/>
+                    </a:solidFill>
+                  </a:tcPr>
+                </a:tc>
+              </a:tr>
+            </a:tbl>
+          </a:graphicData>
+        </a:graphic>
+      </p:graphicFrame>
+    </p:spTree>
+  </p:cSld>
+  <p:clrMapOvr>
+    <a:masterClrMapping/>
+  </p:clrMapOvr>
+</p:sld>
+</file>
+
+<file path=ppt/slides/slide32.xml><?xml version="1.0" encoding="utf-8"?>
+<p:sld xmlns:a="http://schemas.openxmlformats.org/drawingml/2006/main" xmlns:r="http://schemas.openxmlformats.org/officeDocument/2006/relationships" xmlns:mc="http://schemas.openxmlformats.org/markup-compatibility/2006" xmlns:mv="urn:schemas-microsoft-com:mac:vml" xmlns:p="http://schemas.openxmlformats.org/presentationml/2006/main" xmlns:c="http://schemas.openxmlformats.org/drawingml/2006/chart" xmlns:dgm="http://schemas.openxmlformats.org/drawingml/2006/diagram" xmlns:o="urn:schemas-microsoft-com:office:office" xmlns:v="urn:schemas-microsoft-com:vml" xmlns:pvml="urn:schemas-microsoft-com:office:powerpoint" xmlns:com="http://schemas.openxmlformats.org/drawingml/2006/compatibility" xmlns:p14="http://schemas.microsoft.com/office/powerpoint/2010/main" xmlns:p15="http://schemas.microsoft.com/office/powerpoint/2012/main">
+  <p:cSld>
+    <p:spTree>
+      <p:nvGrpSpPr>
+        <p:cNvPr id="305" name="Shape 305"/>
+        <p:cNvGrpSpPr/>
+        <p:nvPr/>
+      </p:nvGrpSpPr>
+      <p:grpSpPr>
+        <a:xfrm>
+          <a:off x="0" y="0"/>
+          <a:ext cx="0" cy="0"/>
+          <a:chOff x="0" y="0"/>
+          <a:chExt cx="0" cy="0"/>
+        </a:xfrm>
+      </p:grpSpPr>
+      <p:sp>
+        <p:nvSpPr>
+          <p:cNvPr id="306" name="Google Shape;306;p44"/>
+          <p:cNvSpPr txBox="1"/>
+          <p:nvPr>
+            <p:ph type="title"/>
+          </p:nvPr>
+        </p:nvSpPr>
+        <p:spPr>
+          <a:xfrm>
+            <a:off x="311700" y="445025"/>
+            <a:ext cx="8520600" cy="572700"/>
+          </a:xfrm>
+          <a:prstGeom prst="rect">
+            <a:avLst/>
+          </a:prstGeom>
+          <a:solidFill>
+            <a:srgbClr val="D9D9D9"/>
+          </a:solidFill>
+        </p:spPr>
+        <p:txBody>
+          <a:bodyPr anchorCtr="0" anchor="t" bIns="91425" lIns="91425" spcFirstLastPara="1" rIns="91425" wrap="square" tIns="91425">
+            <a:noAutofit/>
+          </a:bodyPr>
+          <a:lstStyle/>
+          <a:p>
+            <a:pPr indent="0" lvl="0" marL="0" rtl="0" algn="ctr">
+              <a:spcBef>
+                <a:spcPts val="0"/>
+              </a:spcBef>
+              <a:spcAft>
+                <a:spcPts val="0"/>
+              </a:spcAft>
+              <a:buNone/>
+            </a:pPr>
+            <a:r>
+              <a:rPr lang="en">
+                <a:solidFill>
+                  <a:srgbClr val="A61C00"/>
+                </a:solidFill>
+              </a:rPr>
+              <a:t>SqueezeNet - Classifier</a:t>
+            </a:r>
+            <a:endParaRPr>
+              <a:solidFill>
+                <a:srgbClr val="A61C00"/>
+              </a:solidFill>
+            </a:endParaRPr>
+          </a:p>
+        </p:txBody>
+      </p:sp>
+      <p:sp>
+        <p:nvSpPr>
+          <p:cNvPr id="307" name="Google Shape;307;p44"/>
+          <p:cNvSpPr txBox="1"/>
+          <p:nvPr>
+            <p:ph idx="12" type="sldNum"/>
+          </p:nvPr>
+        </p:nvSpPr>
+        <p:spPr>
+          <a:xfrm>
+            <a:off x="8472458" y="4663217"/>
+            <a:ext cx="548700" cy="393600"/>
+          </a:xfrm>
+          <a:prstGeom prst="rect">
+            <a:avLst/>
+          </a:prstGeom>
+        </p:spPr>
+        <p:txBody>
+          <a:bodyPr anchorCtr="0" anchor="ctr" bIns="91425" lIns="91425" spcFirstLastPara="1" rIns="91425" wrap="square" tIns="91425">
+            <a:noAutofit/>
+          </a:bodyPr>
+          <a:lstStyle/>
+          <a:p>
+            <a:pPr indent="0" lvl="0" marL="0" rtl="0" algn="r">
+              <a:spcBef>
+                <a:spcPts val="0"/>
+              </a:spcBef>
+              <a:spcAft>
+                <a:spcPts val="0"/>
+              </a:spcAft>
+              <a:buNone/>
+            </a:pPr>
+            <a:fld id="{00000000-1234-1234-1234-123412341234}" type="slidenum">
+              <a:rPr lang="en"/>
+              <a:t>‹#›</a:t>
+            </a:fld>
+            <a:endParaRPr/>
+          </a:p>
+        </p:txBody>
+      </p:sp>
+      <p:pic>
+        <p:nvPicPr>
+          <p:cNvPr id="308" name="Google Shape;308;p44"/>
+          <p:cNvPicPr preferRelativeResize="0"/>
+          <p:nvPr/>
+        </p:nvPicPr>
+        <p:blipFill>
+          <a:blip r:embed="rId3">
+            <a:alphaModFix/>
+          </a:blip>
+          <a:stretch>
+            <a:fillRect/>
+          </a:stretch>
+        </p:blipFill>
+        <p:spPr>
+          <a:xfrm>
+            <a:off x="2112825" y="1159575"/>
+            <a:ext cx="4744164" cy="3820975"/>
+          </a:xfrm>
+          <a:prstGeom prst="rect">
+            <a:avLst/>
+          </a:prstGeom>
+          <a:noFill/>
+          <a:ln>
+            <a:noFill/>
+          </a:ln>
+        </p:spPr>
+      </p:pic>
+    </p:spTree>
+  </p:cSld>
+  <p:clrMapOvr>
+    <a:masterClrMapping/>
+  </p:clrMapOvr>
+</p:sld>
+</file>
+
+<file path=ppt/slides/slide33.xml><?xml version="1.0" encoding="utf-8"?>
+<p:sld xmlns:a="http://schemas.openxmlformats.org/drawingml/2006/main" xmlns:r="http://schemas.openxmlformats.org/officeDocument/2006/relationships" xmlns:mc="http://schemas.openxmlformats.org/markup-compatibility/2006" xmlns:mv="urn:schemas-microsoft-com:mac:vml" xmlns:p="http://schemas.openxmlformats.org/presentationml/2006/main" xmlns:c="http://schemas.openxmlformats.org/drawingml/2006/chart" xmlns:dgm="http://schemas.openxmlformats.org/drawingml/2006/diagram" xmlns:o="urn:schemas-microsoft-com:office:office" xmlns:v="urn:schemas-microsoft-com:vml" xmlns:pvml="urn:schemas-microsoft-com:office:powerpoint" xmlns:com="http://schemas.openxmlformats.org/drawingml/2006/compatibility" xmlns:p14="http://schemas.microsoft.com/office/powerpoint/2010/main" xmlns:p15="http://schemas.microsoft.com/office/powerpoint/2012/main">
+  <p:cSld>
+    <p:spTree>
+      <p:nvGrpSpPr>
+        <p:cNvPr id="312" name="Shape 312"/>
+        <p:cNvGrpSpPr/>
+        <p:nvPr/>
+      </p:nvGrpSpPr>
+      <p:grpSpPr>
+        <a:xfrm>
+          <a:off x="0" y="0"/>
+          <a:ext cx="0" cy="0"/>
+          <a:chOff x="0" y="0"/>
+          <a:chExt cx="0" cy="0"/>
+        </a:xfrm>
+      </p:grpSpPr>
+      <p:sp>
+        <p:nvSpPr>
+          <p:cNvPr id="313" name="Google Shape;313;p45"/>
+          <p:cNvSpPr txBox="1"/>
+          <p:nvPr>
+            <p:ph type="title"/>
+          </p:nvPr>
+        </p:nvSpPr>
+        <p:spPr>
+          <a:xfrm>
+            <a:off x="311700" y="445025"/>
+            <a:ext cx="8520600" cy="572700"/>
+          </a:xfrm>
+          <a:prstGeom prst="rect">
+            <a:avLst/>
+          </a:prstGeom>
+          <a:solidFill>
+            <a:srgbClr val="D9D9D9"/>
+          </a:solidFill>
+        </p:spPr>
+        <p:txBody>
+          <a:bodyPr anchorCtr="0" anchor="t" bIns="91425" lIns="91425" spcFirstLastPara="1" rIns="91425" wrap="square" tIns="91425">
+            <a:noAutofit/>
+          </a:bodyPr>
+          <a:lstStyle/>
+          <a:p>
+            <a:pPr indent="0" lvl="0" marL="0" rtl="0" algn="ctr">
+              <a:spcBef>
+                <a:spcPts val="0"/>
+              </a:spcBef>
+              <a:spcAft>
+                <a:spcPts val="0"/>
+              </a:spcAft>
+              <a:buNone/>
+            </a:pPr>
+            <a:r>
+              <a:rPr lang="en">
+                <a:solidFill>
+                  <a:srgbClr val="A61C00"/>
+                </a:solidFill>
+              </a:rPr>
+              <a:t>SqueezeNet - Bypass Connections</a:t>
+            </a:r>
+            <a:endParaRPr>
+              <a:solidFill>
+                <a:srgbClr val="A61C00"/>
+              </a:solidFill>
+            </a:endParaRPr>
+          </a:p>
+        </p:txBody>
+      </p:sp>
+      <p:sp>
+        <p:nvSpPr>
+          <p:cNvPr id="314" name="Google Shape;314;p45"/>
+          <p:cNvSpPr txBox="1"/>
+          <p:nvPr>
+            <p:ph idx="12" type="sldNum"/>
+          </p:nvPr>
+        </p:nvSpPr>
+        <p:spPr>
+          <a:xfrm>
+            <a:off x="8472458" y="4663217"/>
+            <a:ext cx="548700" cy="393600"/>
+          </a:xfrm>
+          <a:prstGeom prst="rect">
+            <a:avLst/>
+          </a:prstGeom>
+        </p:spPr>
+        <p:txBody>
+          <a:bodyPr anchorCtr="0" anchor="ctr" bIns="91425" lIns="91425" spcFirstLastPara="1" rIns="91425" wrap="square" tIns="91425">
+            <a:noAutofit/>
+          </a:bodyPr>
+          <a:lstStyle/>
+          <a:p>
+            <a:pPr indent="0" lvl="0" marL="0" rtl="0" algn="r">
+              <a:spcBef>
+                <a:spcPts val="0"/>
+              </a:spcBef>
+              <a:spcAft>
+                <a:spcPts val="0"/>
+              </a:spcAft>
+              <a:buNone/>
+            </a:pPr>
+            <a:fld id="{00000000-1234-1234-1234-123412341234}" type="slidenum">
+              <a:rPr lang="en"/>
+              <a:t>‹#›</a:t>
+            </a:fld>
+            <a:endParaRPr/>
+          </a:p>
+        </p:txBody>
+      </p:sp>
+      <p:sp>
+        <p:nvSpPr>
+          <p:cNvPr id="315" name="Google Shape;315;p45"/>
+          <p:cNvSpPr txBox="1"/>
+          <p:nvPr/>
+        </p:nvSpPr>
+        <p:spPr>
+          <a:xfrm>
+            <a:off x="343200" y="1231100"/>
+            <a:ext cx="8457600" cy="1045500"/>
+          </a:xfrm>
+          <a:prstGeom prst="rect">
+            <a:avLst/>
+          </a:prstGeom>
+          <a:noFill/>
+          <a:ln>
+            <a:noFill/>
+          </a:ln>
+        </p:spPr>
+        <p:txBody>
+          <a:bodyPr anchorCtr="0" anchor="t" bIns="91425" lIns="91425" spcFirstLastPara="1" rIns="91425" wrap="square" tIns="91425">
+            <a:noAutofit/>
+          </a:bodyPr>
+          <a:lstStyle/>
+          <a:p>
+            <a:pPr indent="0" lvl="0" marL="0" rtl="0" algn="l">
+              <a:lnSpc>
+                <a:spcPct val="115000"/>
+              </a:lnSpc>
+              <a:spcBef>
+                <a:spcPts val="0"/>
+              </a:spcBef>
+              <a:spcAft>
+                <a:spcPts val="0"/>
+              </a:spcAft>
+              <a:buNone/>
+            </a:pPr>
+            <a:r>
+              <a:rPr lang="en" sz="1200">
+                <a:solidFill>
+                  <a:schemeClr val="dk1"/>
+                </a:solidFill>
+              </a:rPr>
+              <a:t>The authors found by </a:t>
+            </a:r>
+            <a:r>
+              <a:rPr b="1" lang="en" sz="1200">
+                <a:solidFill>
+                  <a:srgbClr val="4A86E8"/>
+                </a:solidFill>
+              </a:rPr>
+              <a:t>adding bypass connections, they increased the accuracy by 2%</a:t>
+            </a:r>
+            <a:r>
+              <a:rPr lang="en" sz="1200">
+                <a:solidFill>
+                  <a:schemeClr val="dk1"/>
+                </a:solidFill>
+              </a:rPr>
+              <a:t> (ImageNet).</a:t>
+            </a:r>
+            <a:endParaRPr sz="1200">
+              <a:solidFill>
+                <a:schemeClr val="dk1"/>
+              </a:solidFill>
+            </a:endParaRPr>
+          </a:p>
+          <a:p>
+            <a:pPr indent="0" lvl="0" marL="0" rtl="0" algn="l">
+              <a:lnSpc>
+                <a:spcPct val="115000"/>
+              </a:lnSpc>
+              <a:spcBef>
+                <a:spcPts val="0"/>
+              </a:spcBef>
+              <a:spcAft>
+                <a:spcPts val="0"/>
+              </a:spcAft>
+              <a:buNone/>
+            </a:pPr>
+            <a:r>
+              <a:t/>
+            </a:r>
+            <a:endParaRPr sz="1200">
+              <a:solidFill>
+                <a:schemeClr val="dk1"/>
+              </a:solidFill>
+            </a:endParaRPr>
+          </a:p>
+          <a:p>
+            <a:pPr indent="0" lvl="0" marL="0" rtl="0" algn="l">
+              <a:lnSpc>
+                <a:spcPct val="115000"/>
+              </a:lnSpc>
+              <a:spcBef>
+                <a:spcPts val="0"/>
+              </a:spcBef>
+              <a:spcAft>
+                <a:spcPts val="0"/>
+              </a:spcAft>
+              <a:buNone/>
+            </a:pPr>
+            <a:r>
+              <a:rPr lang="en" sz="1200">
+                <a:solidFill>
+                  <a:schemeClr val="dk1"/>
+                </a:solidFill>
+              </a:rPr>
+              <a:t>In the </a:t>
+            </a:r>
+            <a:r>
+              <a:rPr b="1" lang="en" sz="1200">
+                <a:solidFill>
+                  <a:srgbClr val="4A86E8"/>
+                </a:solidFill>
+              </a:rPr>
+              <a:t>simple bypass</a:t>
+            </a:r>
+            <a:r>
+              <a:rPr lang="en" sz="1200">
+                <a:solidFill>
+                  <a:schemeClr val="dk1"/>
+                </a:solidFill>
+              </a:rPr>
+              <a:t>, the identity link occurs only in the first </a:t>
+            </a:r>
+            <a:r>
+              <a:rPr i="1" lang="en" sz="1200">
+                <a:solidFill>
+                  <a:schemeClr val="dk1"/>
+                </a:solidFill>
+              </a:rPr>
+              <a:t>fire</a:t>
+            </a:r>
+            <a:r>
+              <a:rPr lang="en" sz="1200">
+                <a:solidFill>
+                  <a:schemeClr val="dk1"/>
+                </a:solidFill>
+              </a:rPr>
+              <a:t> block (entry into the group) and third </a:t>
+            </a:r>
+            <a:r>
+              <a:rPr i="1" lang="en" sz="1200">
+                <a:solidFill>
+                  <a:schemeClr val="dk1"/>
+                </a:solidFill>
+              </a:rPr>
+              <a:t>fire</a:t>
+            </a:r>
+            <a:r>
+              <a:rPr lang="en" sz="1200">
+                <a:solidFill>
+                  <a:schemeClr val="dk1"/>
+                </a:solidFill>
+              </a:rPr>
+              <a:t> block (after number of filters has been doubled).</a:t>
+            </a:r>
+            <a:endParaRPr sz="1200">
+              <a:solidFill>
+                <a:schemeClr val="dk1"/>
+              </a:solidFill>
+            </a:endParaRPr>
+          </a:p>
+          <a:p>
+            <a:pPr indent="0" lvl="0" marL="0" rtl="0" algn="l">
+              <a:lnSpc>
+                <a:spcPct val="115000"/>
+              </a:lnSpc>
+              <a:spcBef>
+                <a:spcPts val="0"/>
+              </a:spcBef>
+              <a:spcAft>
+                <a:spcPts val="0"/>
+              </a:spcAft>
+              <a:buNone/>
+            </a:pPr>
+            <a:r>
+              <a:t/>
+            </a:r>
+            <a:endParaRPr sz="1200">
+              <a:solidFill>
+                <a:schemeClr val="dk1"/>
+              </a:solidFill>
+            </a:endParaRPr>
+          </a:p>
+        </p:txBody>
+      </p:sp>
+      <p:pic>
+        <p:nvPicPr>
+          <p:cNvPr id="316" name="Google Shape;316;p45"/>
+          <p:cNvPicPr preferRelativeResize="0"/>
+          <p:nvPr/>
+        </p:nvPicPr>
+        <p:blipFill>
+          <a:blip r:embed="rId3">
+            <a:alphaModFix/>
+          </a:blip>
+          <a:stretch>
+            <a:fillRect/>
+          </a:stretch>
+        </p:blipFill>
+        <p:spPr>
+          <a:xfrm>
+            <a:off x="1707450" y="2217250"/>
+            <a:ext cx="5172724" cy="2926250"/>
+          </a:xfrm>
+          <a:prstGeom prst="rect">
+            <a:avLst/>
+          </a:prstGeom>
+          <a:noFill/>
+          <a:ln>
+            <a:noFill/>
+          </a:ln>
+        </p:spPr>
+      </p:pic>
+    </p:spTree>
+  </p:cSld>
+  <p:clrMapOvr>
+    <a:masterClrMapping/>
+  </p:clrMapOvr>
+</p:sld>
+</file>
+
+<file path=ppt/slides/slide34.xml><?xml version="1.0" encoding="utf-8"?>
+<p:sld xmlns:a="http://schemas.openxmlformats.org/drawingml/2006/main" xmlns:r="http://schemas.openxmlformats.org/officeDocument/2006/relationships" xmlns:mc="http://schemas.openxmlformats.org/markup-compatibility/2006" xmlns:mv="urn:schemas-microsoft-com:mac:vml" xmlns:p="http://schemas.openxmlformats.org/presentationml/2006/main" xmlns:c="http://schemas.openxmlformats.org/drawingml/2006/chart" xmlns:dgm="http://schemas.openxmlformats.org/drawingml/2006/diagram" xmlns:o="urn:schemas-microsoft-com:office:office" xmlns:v="urn:schemas-microsoft-com:vml" xmlns:pvml="urn:schemas-microsoft-com:office:powerpoint" xmlns:com="http://schemas.openxmlformats.org/drawingml/2006/compatibility" xmlns:p14="http://schemas.microsoft.com/office/powerpoint/2010/main" xmlns:p15="http://schemas.microsoft.com/office/powerpoint/2012/main">
+  <p:cSld>
+    <p:spTree>
+      <p:nvGrpSpPr>
+        <p:cNvPr id="320" name="Shape 320"/>
+        <p:cNvGrpSpPr/>
+        <p:nvPr/>
+      </p:nvGrpSpPr>
+      <p:grpSpPr>
+        <a:xfrm>
+          <a:off x="0" y="0"/>
+          <a:ext cx="0" cy="0"/>
+          <a:chOff x="0" y="0"/>
+          <a:chExt cx="0" cy="0"/>
+        </a:xfrm>
+      </p:grpSpPr>
+      <p:sp>
+        <p:nvSpPr>
+          <p:cNvPr id="321" name="Google Shape;321;p46"/>
+          <p:cNvSpPr txBox="1"/>
+          <p:nvPr>
+            <p:ph type="title"/>
+          </p:nvPr>
+        </p:nvSpPr>
+        <p:spPr>
+          <a:xfrm>
+            <a:off x="311700" y="445025"/>
+            <a:ext cx="8520600" cy="572700"/>
+          </a:xfrm>
+          <a:prstGeom prst="rect">
+            <a:avLst/>
+          </a:prstGeom>
+          <a:solidFill>
+            <a:srgbClr val="D9D9D9"/>
+          </a:solidFill>
+        </p:spPr>
+        <p:txBody>
+          <a:bodyPr anchorCtr="0" anchor="t" bIns="91425" lIns="91425" spcFirstLastPara="1" rIns="91425" wrap="square" tIns="91425">
+            <a:noAutofit/>
+          </a:bodyPr>
+          <a:lstStyle/>
+          <a:p>
+            <a:pPr indent="0" lvl="0" marL="0" rtl="0" algn="ctr">
+              <a:spcBef>
+                <a:spcPts val="0"/>
+              </a:spcBef>
+              <a:spcAft>
+                <a:spcPts val="0"/>
+              </a:spcAft>
+              <a:buNone/>
+            </a:pPr>
+            <a:r>
+              <a:rPr lang="en">
+                <a:solidFill>
+                  <a:srgbClr val="A61C00"/>
+                </a:solidFill>
+              </a:rPr>
+              <a:t>SqueezeNet - Simple Bypass</a:t>
+            </a:r>
+            <a:endParaRPr>
+              <a:solidFill>
+                <a:srgbClr val="A61C00"/>
+              </a:solidFill>
+            </a:endParaRPr>
+          </a:p>
+        </p:txBody>
+      </p:sp>
+      <p:sp>
+        <p:nvSpPr>
+          <p:cNvPr id="322" name="Google Shape;322;p46"/>
+          <p:cNvSpPr txBox="1"/>
+          <p:nvPr>
+            <p:ph idx="12" type="sldNum"/>
+          </p:nvPr>
+        </p:nvSpPr>
+        <p:spPr>
+          <a:xfrm>
+            <a:off x="8472458" y="4663217"/>
+            <a:ext cx="548700" cy="393600"/>
+          </a:xfrm>
+          <a:prstGeom prst="rect">
+            <a:avLst/>
+          </a:prstGeom>
+        </p:spPr>
+        <p:txBody>
+          <a:bodyPr anchorCtr="0" anchor="ctr" bIns="91425" lIns="91425" spcFirstLastPara="1" rIns="91425" wrap="square" tIns="91425">
+            <a:noAutofit/>
+          </a:bodyPr>
+          <a:lstStyle/>
+          <a:p>
+            <a:pPr indent="0" lvl="0" marL="0" rtl="0" algn="r">
+              <a:spcBef>
+                <a:spcPts val="0"/>
+              </a:spcBef>
+              <a:spcAft>
+                <a:spcPts val="0"/>
+              </a:spcAft>
+              <a:buNone/>
+            </a:pPr>
+            <a:fld id="{00000000-1234-1234-1234-123412341234}" type="slidenum">
+              <a:rPr lang="en"/>
+              <a:t>‹#›</a:t>
+            </a:fld>
+            <a:endParaRPr/>
+          </a:p>
+        </p:txBody>
+      </p:sp>
+      <p:sp>
+        <p:nvSpPr>
+          <p:cNvPr id="323" name="Google Shape;323;p46"/>
+          <p:cNvSpPr txBox="1"/>
+          <p:nvPr/>
+        </p:nvSpPr>
+        <p:spPr>
+          <a:xfrm>
+            <a:off x="343200" y="1231100"/>
+            <a:ext cx="8457600" cy="393600"/>
+          </a:xfrm>
+          <a:prstGeom prst="rect">
+            <a:avLst/>
+          </a:prstGeom>
+          <a:noFill/>
+          <a:ln>
+            <a:noFill/>
+          </a:ln>
+        </p:spPr>
+        <p:txBody>
+          <a:bodyPr anchorCtr="0" anchor="t" bIns="91425" lIns="91425" spcFirstLastPara="1" rIns="91425" wrap="square" tIns="91425">
+            <a:noAutofit/>
+          </a:bodyPr>
+          <a:lstStyle/>
+          <a:p>
+            <a:pPr indent="0" lvl="0" marL="0" rtl="0" algn="l">
+              <a:lnSpc>
+                <a:spcPct val="115000"/>
+              </a:lnSpc>
+              <a:spcBef>
+                <a:spcPts val="0"/>
+              </a:spcBef>
+              <a:spcAft>
+                <a:spcPts val="0"/>
+              </a:spcAft>
+              <a:buNone/>
+            </a:pPr>
+            <a:r>
+              <a:t/>
+            </a:r>
+            <a:endParaRPr sz="1200">
+              <a:solidFill>
+                <a:schemeClr val="dk1"/>
+              </a:solidFill>
+            </a:endParaRPr>
+          </a:p>
+          <a:p>
+            <a:pPr indent="0" lvl="0" marL="0" rtl="0" algn="l">
+              <a:lnSpc>
+                <a:spcPct val="115000"/>
+              </a:lnSpc>
+              <a:spcBef>
+                <a:spcPts val="0"/>
+              </a:spcBef>
+              <a:spcAft>
+                <a:spcPts val="0"/>
+              </a:spcAft>
+              <a:buNone/>
+            </a:pPr>
+            <a:r>
+              <a:t/>
+            </a:r>
+            <a:endParaRPr sz="1200">
+              <a:solidFill>
+                <a:schemeClr val="dk1"/>
+              </a:solidFill>
+            </a:endParaRPr>
+          </a:p>
+        </p:txBody>
+      </p:sp>
+      <p:pic>
+        <p:nvPicPr>
+          <p:cNvPr id="324" name="Google Shape;324;p46"/>
+          <p:cNvPicPr preferRelativeResize="0"/>
+          <p:nvPr/>
+        </p:nvPicPr>
+        <p:blipFill>
+          <a:blip r:embed="rId3">
+            <a:alphaModFix/>
+          </a:blip>
+          <a:stretch>
+            <a:fillRect/>
+          </a:stretch>
+        </p:blipFill>
+        <p:spPr>
+          <a:xfrm>
+            <a:off x="1533150" y="1471425"/>
+            <a:ext cx="5943600" cy="3124200"/>
+          </a:xfrm>
+          <a:prstGeom prst="rect">
+            <a:avLst/>
+          </a:prstGeom>
+          <a:noFill/>
+          <a:ln>
+            <a:noFill/>
+          </a:ln>
+        </p:spPr>
+      </p:pic>
+    </p:spTree>
+  </p:cSld>
+  <p:clrMapOvr>
+    <a:masterClrMapping/>
+  </p:clrMapOvr>
+</p:sld>
+</file>
+
+<file path=ppt/slides/slide35.xml><?xml version="1.0" encoding="utf-8"?>
+<p:sld xmlns:a="http://schemas.openxmlformats.org/drawingml/2006/main" xmlns:r="http://schemas.openxmlformats.org/officeDocument/2006/relationships" xmlns:mc="http://schemas.openxmlformats.org/markup-compatibility/2006" xmlns:mv="urn:schemas-microsoft-com:mac:vml" xmlns:p="http://schemas.openxmlformats.org/presentationml/2006/main" xmlns:c="http://schemas.openxmlformats.org/drawingml/2006/chart" xmlns:dgm="http://schemas.openxmlformats.org/drawingml/2006/diagram" xmlns:o="urn:schemas-microsoft-com:office:office" xmlns:v="urn:schemas-microsoft-com:vml" xmlns:pvml="urn:schemas-microsoft-com:office:powerpoint" xmlns:com="http://schemas.openxmlformats.org/drawingml/2006/compatibility" xmlns:p14="http://schemas.microsoft.com/office/powerpoint/2010/main" xmlns:p15="http://schemas.microsoft.com/office/powerpoint/2012/main">
+  <p:cSld>
+    <p:spTree>
+      <p:nvGrpSpPr>
+        <p:cNvPr id="328" name="Shape 328"/>
+        <p:cNvGrpSpPr/>
+        <p:nvPr/>
+      </p:nvGrpSpPr>
+      <p:grpSpPr>
+        <a:xfrm>
+          <a:off x="0" y="0"/>
+          <a:ext cx="0" cy="0"/>
+          <a:chOff x="0" y="0"/>
+          <a:chExt cx="0" cy="0"/>
+        </a:xfrm>
+      </p:grpSpPr>
+      <p:sp>
+        <p:nvSpPr>
+          <p:cNvPr id="329" name="Google Shape;329;p47"/>
+          <p:cNvSpPr txBox="1"/>
+          <p:nvPr>
+            <p:ph type="title"/>
+          </p:nvPr>
+        </p:nvSpPr>
+        <p:spPr>
+          <a:xfrm>
+            <a:off x="311700" y="445025"/>
+            <a:ext cx="8520600" cy="572700"/>
+          </a:xfrm>
+          <a:prstGeom prst="rect">
+            <a:avLst/>
+          </a:prstGeom>
+          <a:solidFill>
+            <a:srgbClr val="D9D9D9"/>
+          </a:solidFill>
+        </p:spPr>
+        <p:txBody>
+          <a:bodyPr anchorCtr="0" anchor="t" bIns="91425" lIns="91425" spcFirstLastPara="1" rIns="91425" wrap="square" tIns="91425">
+            <a:noAutofit/>
+          </a:bodyPr>
+          <a:lstStyle/>
+          <a:p>
+            <a:pPr indent="0" lvl="0" marL="0" rtl="0" algn="ctr">
+              <a:spcBef>
+                <a:spcPts val="0"/>
+              </a:spcBef>
+              <a:spcAft>
+                <a:spcPts val="0"/>
+              </a:spcAft>
+              <a:buNone/>
+            </a:pPr>
+            <a:r>
+              <a:rPr lang="en">
+                <a:solidFill>
+                  <a:srgbClr val="A61C00"/>
+                </a:solidFill>
+              </a:rPr>
+              <a:t>SqueezeNet - Simple Bypass</a:t>
+            </a:r>
+            <a:endParaRPr>
+              <a:solidFill>
+                <a:srgbClr val="A61C00"/>
+              </a:solidFill>
+            </a:endParaRPr>
+          </a:p>
+        </p:txBody>
+      </p:sp>
+      <p:sp>
+        <p:nvSpPr>
+          <p:cNvPr id="330" name="Google Shape;330;p47"/>
+          <p:cNvSpPr txBox="1"/>
+          <p:nvPr>
+            <p:ph idx="12" type="sldNum"/>
+          </p:nvPr>
+        </p:nvSpPr>
+        <p:spPr>
+          <a:xfrm>
+            <a:off x="8472458" y="4663217"/>
+            <a:ext cx="548700" cy="393600"/>
+          </a:xfrm>
+          <a:prstGeom prst="rect">
+            <a:avLst/>
+          </a:prstGeom>
+        </p:spPr>
+        <p:txBody>
+          <a:bodyPr anchorCtr="0" anchor="ctr" bIns="91425" lIns="91425" spcFirstLastPara="1" rIns="91425" wrap="square" tIns="91425">
+            <a:noAutofit/>
+          </a:bodyPr>
+          <a:lstStyle/>
+          <a:p>
+            <a:pPr indent="0" lvl="0" marL="0" rtl="0" algn="r">
+              <a:spcBef>
+                <a:spcPts val="0"/>
+              </a:spcBef>
+              <a:spcAft>
+                <a:spcPts val="0"/>
+              </a:spcAft>
+              <a:buNone/>
+            </a:pPr>
+            <a:fld id="{00000000-1234-1234-1234-123412341234}" type="slidenum">
+              <a:rPr lang="en"/>
+              <a:t>‹#›</a:t>
+            </a:fld>
+            <a:endParaRPr/>
+          </a:p>
+        </p:txBody>
+      </p:sp>
+      <p:sp>
+        <p:nvSpPr>
+          <p:cNvPr id="331" name="Google Shape;331;p47"/>
+          <p:cNvSpPr txBox="1"/>
+          <p:nvPr/>
+        </p:nvSpPr>
+        <p:spPr>
+          <a:xfrm>
+            <a:off x="343200" y="1241650"/>
+            <a:ext cx="8457600" cy="393600"/>
+          </a:xfrm>
+          <a:prstGeom prst="rect">
+            <a:avLst/>
+          </a:prstGeom>
+          <a:noFill/>
+          <a:ln>
+            <a:noFill/>
+          </a:ln>
+        </p:spPr>
+        <p:txBody>
+          <a:bodyPr anchorCtr="0" anchor="t" bIns="91425" lIns="91425" spcFirstLastPara="1" rIns="91425" wrap="square" tIns="91425">
+            <a:noAutofit/>
+          </a:bodyPr>
+          <a:lstStyle/>
+          <a:p>
+            <a:pPr indent="0" lvl="0" marL="0" rtl="0" algn="l">
+              <a:lnSpc>
+                <a:spcPct val="115000"/>
+              </a:lnSpc>
+              <a:spcBef>
+                <a:spcPts val="0"/>
+              </a:spcBef>
+              <a:spcAft>
+                <a:spcPts val="0"/>
+              </a:spcAft>
+              <a:buClr>
+                <a:schemeClr val="dk1"/>
+              </a:buClr>
+              <a:buSzPts val="1100"/>
+              <a:buFont typeface="Arial"/>
+              <a:buNone/>
+            </a:pPr>
+            <a:r>
+              <a:rPr lang="en" sz="1200">
+                <a:solidFill>
+                  <a:schemeClr val="dk1"/>
+                </a:solidFill>
+              </a:rPr>
+              <a:t>Below is an example implementation of a fire block with a simple bypass connection (identity link):</a:t>
+            </a:r>
+            <a:endParaRPr sz="1200"/>
+          </a:p>
+        </p:txBody>
+      </p:sp>
+      <p:graphicFrame>
+        <p:nvGraphicFramePr>
+          <p:cNvPr id="332" name="Google Shape;332;p47"/>
+          <p:cNvGraphicFramePr/>
+          <p:nvPr/>
+        </p:nvGraphicFramePr>
+        <p:xfrm>
+          <a:off x="343200" y="1849325"/>
+          <a:ext cx="3000000" cy="3000000"/>
+        </p:xfrm>
+        <a:graphic>
+          <a:graphicData uri="http://schemas.openxmlformats.org/drawingml/2006/table">
+            <a:tbl>
+              <a:tblPr>
+                <a:noFill/>
+                <a:tableStyleId>{B073F476-F391-438D-A385-14AA45281D93}</a:tableStyleId>
+              </a:tblPr>
+              <a:tblGrid>
+                <a:gridCol w="7654550"/>
+              </a:tblGrid>
+              <a:tr h="2258900">
+                <a:tc>
+                  <a:txBody>
+                    <a:bodyPr/>
+                    <a:lstStyle/>
+                    <a:p>
+                      <a:pPr indent="0" lvl="0" marL="0" rtl="0" algn="l">
+                        <a:lnSpc>
+                          <a:spcPct val="115000"/>
+                        </a:lnSpc>
+                        <a:spcBef>
+                          <a:spcPts val="0"/>
+                        </a:spcBef>
+                        <a:spcAft>
+                          <a:spcPts val="0"/>
+                        </a:spcAft>
+                        <a:buNone/>
+                      </a:pPr>
+                      <a:r>
+                        <a:rPr lang="en" sz="1000">
+                          <a:solidFill>
+                            <a:srgbClr val="9C27B0"/>
+                          </a:solidFill>
+                          <a:latin typeface="Consolas"/>
+                          <a:ea typeface="Consolas"/>
+                          <a:cs typeface="Consolas"/>
+                          <a:sym typeface="Consolas"/>
+                        </a:rPr>
+                        <a:t>def</a:t>
+                      </a:r>
+                      <a:r>
+                        <a:rPr lang="en" sz="1000">
+                          <a:latin typeface="Consolas"/>
+                          <a:ea typeface="Consolas"/>
+                          <a:cs typeface="Consolas"/>
+                          <a:sym typeface="Consolas"/>
+                        </a:rPr>
+                        <a:t> fire_block</a:t>
+                      </a:r>
+                      <a:r>
+                        <a:rPr lang="en" sz="1000">
+                          <a:solidFill>
+                            <a:srgbClr val="616161"/>
+                          </a:solidFill>
+                          <a:latin typeface="Consolas"/>
+                          <a:ea typeface="Consolas"/>
+                          <a:cs typeface="Consolas"/>
+                          <a:sym typeface="Consolas"/>
+                        </a:rPr>
+                        <a:t>(</a:t>
+                      </a:r>
+                      <a:r>
+                        <a:rPr lang="en" sz="1000">
+                          <a:latin typeface="Consolas"/>
+                          <a:ea typeface="Consolas"/>
+                          <a:cs typeface="Consolas"/>
+                          <a:sym typeface="Consolas"/>
+                        </a:rPr>
+                        <a:t>x</a:t>
+                      </a:r>
+                      <a:r>
+                        <a:rPr lang="en" sz="1000">
+                          <a:solidFill>
+                            <a:srgbClr val="616161"/>
+                          </a:solidFill>
+                          <a:latin typeface="Consolas"/>
+                          <a:ea typeface="Consolas"/>
+                          <a:cs typeface="Consolas"/>
+                          <a:sym typeface="Consolas"/>
+                        </a:rPr>
+                        <a:t>,</a:t>
+                      </a:r>
+                      <a:r>
+                        <a:rPr lang="en" sz="1000">
+                          <a:latin typeface="Consolas"/>
+                          <a:ea typeface="Consolas"/>
+                          <a:cs typeface="Consolas"/>
+                          <a:sym typeface="Consolas"/>
+                        </a:rPr>
+                        <a:t> n_filters</a:t>
+                      </a:r>
+                      <a:r>
+                        <a:rPr lang="en" sz="1000">
+                          <a:solidFill>
+                            <a:srgbClr val="616161"/>
+                          </a:solidFill>
+                          <a:latin typeface="Consolas"/>
+                          <a:ea typeface="Consolas"/>
+                          <a:cs typeface="Consolas"/>
+                          <a:sym typeface="Consolas"/>
+                        </a:rPr>
+                        <a:t>,</a:t>
+                      </a:r>
+                      <a:r>
+                        <a:rPr lang="en" sz="1000">
+                          <a:latin typeface="Consolas"/>
+                          <a:ea typeface="Consolas"/>
+                          <a:cs typeface="Consolas"/>
+                          <a:sym typeface="Consolas"/>
+                        </a:rPr>
+                        <a:t> bypass</a:t>
+                      </a:r>
+                      <a:r>
+                        <a:rPr lang="en" sz="1000">
+                          <a:solidFill>
+                            <a:srgbClr val="616161"/>
+                          </a:solidFill>
+                          <a:latin typeface="Consolas"/>
+                          <a:ea typeface="Consolas"/>
+                          <a:cs typeface="Consolas"/>
+                          <a:sym typeface="Consolas"/>
+                        </a:rPr>
+                        <a:t>=</a:t>
+                      </a:r>
+                      <a:r>
+                        <a:rPr lang="en" sz="1000">
+                          <a:solidFill>
+                            <a:srgbClr val="9C27B0"/>
+                          </a:solidFill>
+                          <a:latin typeface="Consolas"/>
+                          <a:ea typeface="Consolas"/>
+                          <a:cs typeface="Consolas"/>
+                          <a:sym typeface="Consolas"/>
+                        </a:rPr>
+                        <a:t>False</a:t>
+                      </a:r>
+                      <a:r>
+                        <a:rPr lang="en" sz="1000">
+                          <a:solidFill>
+                            <a:srgbClr val="616161"/>
+                          </a:solidFill>
+                          <a:latin typeface="Consolas"/>
+                          <a:ea typeface="Consolas"/>
+                          <a:cs typeface="Consolas"/>
+                          <a:sym typeface="Consolas"/>
+                        </a:rPr>
+                        <a:t>):</a:t>
+                      </a:r>
+                      <a:endParaRPr sz="1000">
+                        <a:latin typeface="Consolas"/>
+                        <a:ea typeface="Consolas"/>
+                        <a:cs typeface="Consolas"/>
+                        <a:sym typeface="Consolas"/>
+                      </a:endParaRPr>
+                    </a:p>
+                    <a:p>
+                      <a:pPr indent="0" lvl="0" marL="0" rtl="0" algn="l">
+                        <a:lnSpc>
+                          <a:spcPct val="115000"/>
+                        </a:lnSpc>
+                        <a:spcBef>
+                          <a:spcPts val="0"/>
+                        </a:spcBef>
+                        <a:spcAft>
+                          <a:spcPts val="0"/>
+                        </a:spcAft>
+                        <a:buNone/>
+                      </a:pPr>
+                      <a:r>
+                        <a:rPr lang="en" sz="1000">
+                          <a:latin typeface="Consolas"/>
+                          <a:ea typeface="Consolas"/>
+                          <a:cs typeface="Consolas"/>
+                          <a:sym typeface="Consolas"/>
+                        </a:rPr>
+                        <a:t>    </a:t>
+                      </a:r>
+                      <a:r>
+                        <a:rPr lang="en" sz="1000">
+                          <a:solidFill>
+                            <a:srgbClr val="455A64"/>
+                          </a:solidFill>
+                          <a:latin typeface="Consolas"/>
+                          <a:ea typeface="Consolas"/>
+                          <a:cs typeface="Consolas"/>
+                          <a:sym typeface="Consolas"/>
+                        </a:rPr>
+                        <a:t># remember the input</a:t>
+                      </a:r>
+                      <a:endParaRPr sz="1000">
+                        <a:latin typeface="Consolas"/>
+                        <a:ea typeface="Consolas"/>
+                        <a:cs typeface="Consolas"/>
+                        <a:sym typeface="Consolas"/>
+                      </a:endParaRPr>
+                    </a:p>
+                    <a:p>
+                      <a:pPr indent="0" lvl="0" marL="0" rtl="0" algn="l">
+                        <a:lnSpc>
+                          <a:spcPct val="115000"/>
+                        </a:lnSpc>
+                        <a:spcBef>
+                          <a:spcPts val="0"/>
+                        </a:spcBef>
+                        <a:spcAft>
+                          <a:spcPts val="0"/>
+                        </a:spcAft>
+                        <a:buNone/>
+                      </a:pPr>
+                      <a:r>
+                        <a:rPr lang="en" sz="1000">
+                          <a:latin typeface="Consolas"/>
+                          <a:ea typeface="Consolas"/>
+                          <a:cs typeface="Consolas"/>
+                          <a:sym typeface="Consolas"/>
+                        </a:rPr>
+                        <a:t>    shortcut </a:t>
+                      </a:r>
+                      <a:r>
+                        <a:rPr lang="en" sz="1000">
+                          <a:solidFill>
+                            <a:srgbClr val="616161"/>
+                          </a:solidFill>
+                          <a:latin typeface="Consolas"/>
+                          <a:ea typeface="Consolas"/>
+                          <a:cs typeface="Consolas"/>
+                          <a:sym typeface="Consolas"/>
+                        </a:rPr>
+                        <a:t>=</a:t>
+                      </a:r>
+                      <a:r>
+                        <a:rPr lang="en" sz="1000">
+                          <a:latin typeface="Consolas"/>
+                          <a:ea typeface="Consolas"/>
+                          <a:cs typeface="Consolas"/>
+                          <a:sym typeface="Consolas"/>
+                        </a:rPr>
+                        <a:t> x</a:t>
+                      </a:r>
+                      <a:endParaRPr sz="1000">
+                        <a:latin typeface="Consolas"/>
+                        <a:ea typeface="Consolas"/>
+                        <a:cs typeface="Consolas"/>
+                        <a:sym typeface="Consolas"/>
+                      </a:endParaRPr>
+                    </a:p>
+                    <a:p>
+                      <a:pPr indent="0" lvl="0" marL="0" rtl="0" algn="l">
+                        <a:lnSpc>
+                          <a:spcPct val="115000"/>
+                        </a:lnSpc>
+                        <a:spcBef>
+                          <a:spcPts val="0"/>
+                        </a:spcBef>
+                        <a:spcAft>
+                          <a:spcPts val="0"/>
+                        </a:spcAft>
+                        <a:buNone/>
+                      </a:pPr>
+                      <a:r>
+                        <a:t/>
+                      </a:r>
+                      <a:endParaRPr sz="1000">
+                        <a:latin typeface="Consolas"/>
+                        <a:ea typeface="Consolas"/>
+                        <a:cs typeface="Consolas"/>
+                        <a:sym typeface="Consolas"/>
+                      </a:endParaRPr>
+                    </a:p>
+                    <a:p>
+                      <a:pPr indent="0" lvl="0" marL="0" rtl="0" algn="l">
+                        <a:lnSpc>
+                          <a:spcPct val="115000"/>
+                        </a:lnSpc>
+                        <a:spcBef>
+                          <a:spcPts val="0"/>
+                        </a:spcBef>
+                        <a:spcAft>
+                          <a:spcPts val="0"/>
+                        </a:spcAft>
+                        <a:buNone/>
+                      </a:pPr>
+                      <a:r>
+                        <a:rPr lang="en" sz="1000">
+                          <a:latin typeface="Consolas"/>
+                          <a:ea typeface="Consolas"/>
+                          <a:cs typeface="Consolas"/>
+                          <a:sym typeface="Consolas"/>
+                        </a:rPr>
+                        <a:t>    </a:t>
+                      </a:r>
+                      <a:r>
+                        <a:rPr lang="en" sz="1000">
+                          <a:solidFill>
+                            <a:srgbClr val="455A64"/>
+                          </a:solidFill>
+                          <a:latin typeface="Consolas"/>
+                          <a:ea typeface="Consolas"/>
+                          <a:cs typeface="Consolas"/>
+                          <a:sym typeface="Consolas"/>
+                        </a:rPr>
+                        <a:t># squeeze layer</a:t>
+                      </a:r>
+                      <a:endParaRPr sz="1000">
+                        <a:latin typeface="Consolas"/>
+                        <a:ea typeface="Consolas"/>
+                        <a:cs typeface="Consolas"/>
+                        <a:sym typeface="Consolas"/>
+                      </a:endParaRPr>
+                    </a:p>
+                    <a:p>
+                      <a:pPr indent="0" lvl="0" marL="0" rtl="0" algn="l">
+                        <a:lnSpc>
+                          <a:spcPct val="115000"/>
+                        </a:lnSpc>
+                        <a:spcBef>
+                          <a:spcPts val="0"/>
+                        </a:spcBef>
+                        <a:spcAft>
+                          <a:spcPts val="0"/>
+                        </a:spcAft>
+                        <a:buNone/>
+                      </a:pPr>
+                      <a:r>
+                        <a:rPr lang="en" sz="1000">
+                          <a:latin typeface="Consolas"/>
+                          <a:ea typeface="Consolas"/>
+                          <a:cs typeface="Consolas"/>
+                          <a:sym typeface="Consolas"/>
+                        </a:rPr>
+                        <a:t>    squeeze </a:t>
+                      </a:r>
+                      <a:r>
+                        <a:rPr lang="en" sz="1000">
+                          <a:solidFill>
+                            <a:srgbClr val="616161"/>
+                          </a:solidFill>
+                          <a:latin typeface="Consolas"/>
+                          <a:ea typeface="Consolas"/>
+                          <a:cs typeface="Consolas"/>
+                          <a:sym typeface="Consolas"/>
+                        </a:rPr>
+                        <a:t>=</a:t>
+                      </a:r>
+                      <a:r>
+                        <a:rPr lang="en" sz="1000">
+                          <a:latin typeface="Consolas"/>
+                          <a:ea typeface="Consolas"/>
+                          <a:cs typeface="Consolas"/>
+                          <a:sym typeface="Consolas"/>
+                        </a:rPr>
+                        <a:t> </a:t>
+                      </a:r>
+                      <a:r>
+                        <a:rPr lang="en" sz="1000">
+                          <a:solidFill>
+                            <a:srgbClr val="3367D6"/>
+                          </a:solidFill>
+                          <a:latin typeface="Consolas"/>
+                          <a:ea typeface="Consolas"/>
+                          <a:cs typeface="Consolas"/>
+                          <a:sym typeface="Consolas"/>
+                        </a:rPr>
+                        <a:t>Conv2D</a:t>
+                      </a:r>
+                      <a:r>
+                        <a:rPr lang="en" sz="1000">
+                          <a:solidFill>
+                            <a:srgbClr val="616161"/>
+                          </a:solidFill>
+                          <a:latin typeface="Consolas"/>
+                          <a:ea typeface="Consolas"/>
+                          <a:cs typeface="Consolas"/>
+                          <a:sym typeface="Consolas"/>
+                        </a:rPr>
+                        <a:t>(</a:t>
+                      </a:r>
+                      <a:r>
+                        <a:rPr lang="en" sz="1000">
+                          <a:latin typeface="Consolas"/>
+                          <a:ea typeface="Consolas"/>
+                          <a:cs typeface="Consolas"/>
+                          <a:sym typeface="Consolas"/>
+                        </a:rPr>
+                        <a:t>n_filters</a:t>
+                      </a:r>
+                      <a:r>
+                        <a:rPr lang="en" sz="1000">
+                          <a:solidFill>
+                            <a:srgbClr val="616161"/>
+                          </a:solidFill>
+                          <a:latin typeface="Consolas"/>
+                          <a:ea typeface="Consolas"/>
+                          <a:cs typeface="Consolas"/>
+                          <a:sym typeface="Consolas"/>
+                        </a:rPr>
+                        <a:t>,</a:t>
+                      </a:r>
+                      <a:r>
+                        <a:rPr lang="en" sz="1000">
+                          <a:latin typeface="Consolas"/>
+                          <a:ea typeface="Consolas"/>
+                          <a:cs typeface="Consolas"/>
+                          <a:sym typeface="Consolas"/>
+                        </a:rPr>
+                        <a:t> </a:t>
+                      </a:r>
+                      <a:r>
+                        <a:rPr lang="en" sz="1000">
+                          <a:solidFill>
+                            <a:srgbClr val="616161"/>
+                          </a:solidFill>
+                          <a:latin typeface="Consolas"/>
+                          <a:ea typeface="Consolas"/>
+                          <a:cs typeface="Consolas"/>
+                          <a:sym typeface="Consolas"/>
+                        </a:rPr>
+                        <a:t>(</a:t>
+                      </a:r>
+                      <a:r>
+                        <a:rPr lang="en" sz="1000">
+                          <a:solidFill>
+                            <a:srgbClr val="C53929"/>
+                          </a:solidFill>
+                          <a:latin typeface="Consolas"/>
+                          <a:ea typeface="Consolas"/>
+                          <a:cs typeface="Consolas"/>
+                          <a:sym typeface="Consolas"/>
+                        </a:rPr>
+                        <a:t>1</a:t>
+                      </a:r>
+                      <a:r>
+                        <a:rPr lang="en" sz="1000">
+                          <a:solidFill>
+                            <a:srgbClr val="616161"/>
+                          </a:solidFill>
+                          <a:latin typeface="Consolas"/>
+                          <a:ea typeface="Consolas"/>
+                          <a:cs typeface="Consolas"/>
+                          <a:sym typeface="Consolas"/>
+                        </a:rPr>
+                        <a:t>,</a:t>
+                      </a:r>
+                      <a:r>
+                        <a:rPr lang="en" sz="1000">
+                          <a:latin typeface="Consolas"/>
+                          <a:ea typeface="Consolas"/>
+                          <a:cs typeface="Consolas"/>
+                          <a:sym typeface="Consolas"/>
+                        </a:rPr>
+                        <a:t> </a:t>
+                      </a:r>
+                      <a:r>
+                        <a:rPr lang="en" sz="1000">
+                          <a:solidFill>
+                            <a:srgbClr val="C53929"/>
+                          </a:solidFill>
+                          <a:latin typeface="Consolas"/>
+                          <a:ea typeface="Consolas"/>
+                          <a:cs typeface="Consolas"/>
+                          <a:sym typeface="Consolas"/>
+                        </a:rPr>
+                        <a:t>1</a:t>
+                      </a:r>
+                      <a:r>
+                        <a:rPr lang="en" sz="1000">
+                          <a:solidFill>
+                            <a:srgbClr val="616161"/>
+                          </a:solidFill>
+                          <a:latin typeface="Consolas"/>
+                          <a:ea typeface="Consolas"/>
+                          <a:cs typeface="Consolas"/>
+                          <a:sym typeface="Consolas"/>
+                        </a:rPr>
+                        <a:t>),</a:t>
+                      </a:r>
+                      <a:r>
+                        <a:rPr lang="en" sz="1000">
+                          <a:latin typeface="Consolas"/>
+                          <a:ea typeface="Consolas"/>
+                          <a:cs typeface="Consolas"/>
+                          <a:sym typeface="Consolas"/>
+                        </a:rPr>
+                        <a:t> strides</a:t>
+                      </a:r>
+                      <a:r>
+                        <a:rPr lang="en" sz="1000">
+                          <a:solidFill>
+                            <a:srgbClr val="616161"/>
+                          </a:solidFill>
+                          <a:latin typeface="Consolas"/>
+                          <a:ea typeface="Consolas"/>
+                          <a:cs typeface="Consolas"/>
+                          <a:sym typeface="Consolas"/>
+                        </a:rPr>
+                        <a:t>=</a:t>
+                      </a:r>
+                      <a:r>
+                        <a:rPr lang="en" sz="1000">
+                          <a:solidFill>
+                            <a:srgbClr val="C53929"/>
+                          </a:solidFill>
+                          <a:latin typeface="Consolas"/>
+                          <a:ea typeface="Consolas"/>
+                          <a:cs typeface="Consolas"/>
+                          <a:sym typeface="Consolas"/>
+                        </a:rPr>
+                        <a:t>1</a:t>
+                      </a:r>
+                      <a:r>
+                        <a:rPr lang="en" sz="1000">
+                          <a:solidFill>
+                            <a:srgbClr val="616161"/>
+                          </a:solidFill>
+                          <a:latin typeface="Consolas"/>
+                          <a:ea typeface="Consolas"/>
+                          <a:cs typeface="Consolas"/>
+                          <a:sym typeface="Consolas"/>
+                        </a:rPr>
+                        <a:t>,</a:t>
+                      </a:r>
+                      <a:r>
+                        <a:rPr lang="en" sz="1000">
+                          <a:latin typeface="Consolas"/>
+                          <a:ea typeface="Consolas"/>
+                          <a:cs typeface="Consolas"/>
+                          <a:sym typeface="Consolas"/>
+                        </a:rPr>
+                        <a:t> activation</a:t>
+                      </a:r>
+                      <a:r>
+                        <a:rPr lang="en" sz="1000">
+                          <a:solidFill>
+                            <a:srgbClr val="616161"/>
+                          </a:solidFill>
+                          <a:latin typeface="Consolas"/>
+                          <a:ea typeface="Consolas"/>
+                          <a:cs typeface="Consolas"/>
+                          <a:sym typeface="Consolas"/>
+                        </a:rPr>
+                        <a:t>=</a:t>
+                      </a:r>
+                      <a:r>
+                        <a:rPr lang="en" sz="1000">
+                          <a:solidFill>
+                            <a:srgbClr val="0F9D58"/>
+                          </a:solidFill>
+                          <a:latin typeface="Consolas"/>
+                          <a:ea typeface="Consolas"/>
+                          <a:cs typeface="Consolas"/>
+                          <a:sym typeface="Consolas"/>
+                        </a:rPr>
+                        <a:t>'relu'</a:t>
+                      </a:r>
+                      <a:r>
+                        <a:rPr lang="en" sz="1000">
+                          <a:solidFill>
+                            <a:srgbClr val="616161"/>
+                          </a:solidFill>
+                          <a:latin typeface="Consolas"/>
+                          <a:ea typeface="Consolas"/>
+                          <a:cs typeface="Consolas"/>
+                          <a:sym typeface="Consolas"/>
+                        </a:rPr>
+                        <a:t>,</a:t>
+                      </a:r>
+                      <a:r>
+                        <a:rPr lang="en" sz="1000">
+                          <a:latin typeface="Consolas"/>
+                          <a:ea typeface="Consolas"/>
+                          <a:cs typeface="Consolas"/>
+                          <a:sym typeface="Consolas"/>
+                        </a:rPr>
+                        <a:t> </a:t>
+                      </a:r>
+                      <a:br>
+                        <a:rPr lang="en" sz="1000">
+                          <a:latin typeface="Consolas"/>
+                          <a:ea typeface="Consolas"/>
+                          <a:cs typeface="Consolas"/>
+                          <a:sym typeface="Consolas"/>
+                        </a:rPr>
+                      </a:br>
+                      <a:r>
+                        <a:rPr lang="en" sz="1000">
+                          <a:latin typeface="Consolas"/>
+                          <a:ea typeface="Consolas"/>
+                          <a:cs typeface="Consolas"/>
+                          <a:sym typeface="Consolas"/>
+                        </a:rPr>
+                        <a:t>                     padding</a:t>
+                      </a:r>
+                      <a:r>
+                        <a:rPr lang="en" sz="1000">
+                          <a:solidFill>
+                            <a:srgbClr val="616161"/>
+                          </a:solidFill>
+                          <a:latin typeface="Consolas"/>
+                          <a:ea typeface="Consolas"/>
+                          <a:cs typeface="Consolas"/>
+                          <a:sym typeface="Consolas"/>
+                        </a:rPr>
+                        <a:t>=</a:t>
+                      </a:r>
+                      <a:r>
+                        <a:rPr lang="en" sz="1000">
+                          <a:solidFill>
+                            <a:srgbClr val="0F9D58"/>
+                          </a:solidFill>
+                          <a:latin typeface="Consolas"/>
+                          <a:ea typeface="Consolas"/>
+                          <a:cs typeface="Consolas"/>
+                          <a:sym typeface="Consolas"/>
+                        </a:rPr>
+                        <a:t>'same'</a:t>
+                      </a:r>
+                      <a:r>
+                        <a:rPr lang="en" sz="1000">
+                          <a:solidFill>
+                            <a:srgbClr val="616161"/>
+                          </a:solidFill>
+                          <a:latin typeface="Consolas"/>
+                          <a:ea typeface="Consolas"/>
+                          <a:cs typeface="Consolas"/>
+                          <a:sym typeface="Consolas"/>
+                        </a:rPr>
+                        <a:t>)(</a:t>
+                      </a:r>
+                      <a:r>
+                        <a:rPr lang="en" sz="1000">
+                          <a:latin typeface="Consolas"/>
+                          <a:ea typeface="Consolas"/>
+                          <a:cs typeface="Consolas"/>
+                          <a:sym typeface="Consolas"/>
+                        </a:rPr>
+                        <a:t>x</a:t>
+                      </a:r>
+                      <a:r>
+                        <a:rPr lang="en" sz="1000">
+                          <a:solidFill>
+                            <a:srgbClr val="616161"/>
+                          </a:solidFill>
+                          <a:latin typeface="Consolas"/>
+                          <a:ea typeface="Consolas"/>
+                          <a:cs typeface="Consolas"/>
+                          <a:sym typeface="Consolas"/>
+                        </a:rPr>
+                        <a:t>)</a:t>
+                      </a:r>
+                      <a:endParaRPr sz="1000">
+                        <a:latin typeface="Consolas"/>
+                        <a:ea typeface="Consolas"/>
+                        <a:cs typeface="Consolas"/>
+                        <a:sym typeface="Consolas"/>
+                      </a:endParaRPr>
+                    </a:p>
+                    <a:p>
+                      <a:pPr indent="0" lvl="0" marL="0" rtl="0" algn="l">
+                        <a:lnSpc>
+                          <a:spcPct val="115000"/>
+                        </a:lnSpc>
+                        <a:spcBef>
+                          <a:spcPts val="0"/>
+                        </a:spcBef>
+                        <a:spcAft>
+                          <a:spcPts val="0"/>
+                        </a:spcAft>
+                        <a:buNone/>
+                      </a:pPr>
+                      <a:r>
+                        <a:t/>
+                      </a:r>
+                      <a:endParaRPr sz="1000">
+                        <a:latin typeface="Consolas"/>
+                        <a:ea typeface="Consolas"/>
+                        <a:cs typeface="Consolas"/>
+                        <a:sym typeface="Consolas"/>
+                      </a:endParaRPr>
+                    </a:p>
+                    <a:p>
+                      <a:pPr indent="0" lvl="0" marL="0" rtl="0" algn="l">
+                        <a:lnSpc>
+                          <a:spcPct val="115000"/>
+                        </a:lnSpc>
+                        <a:spcBef>
+                          <a:spcPts val="0"/>
+                        </a:spcBef>
+                        <a:spcAft>
+                          <a:spcPts val="0"/>
+                        </a:spcAft>
+                        <a:buNone/>
+                      </a:pPr>
+                      <a:r>
+                        <a:rPr lang="en" sz="1000">
+                          <a:latin typeface="Consolas"/>
+                          <a:ea typeface="Consolas"/>
+                          <a:cs typeface="Consolas"/>
+                          <a:sym typeface="Consolas"/>
+                        </a:rPr>
+                        <a:t>    # REMOVED for brevity</a:t>
+                      </a:r>
+                      <a:endParaRPr sz="1000">
+                        <a:latin typeface="Consolas"/>
+                        <a:ea typeface="Consolas"/>
+                        <a:cs typeface="Consolas"/>
+                        <a:sym typeface="Consolas"/>
+                      </a:endParaRPr>
+                    </a:p>
+                    <a:p>
+                      <a:pPr indent="0" lvl="0" marL="0" rtl="0" algn="l">
+                        <a:lnSpc>
+                          <a:spcPct val="115000"/>
+                        </a:lnSpc>
+                        <a:spcBef>
+                          <a:spcPts val="0"/>
+                        </a:spcBef>
+                        <a:spcAft>
+                          <a:spcPts val="0"/>
+                        </a:spcAft>
+                        <a:buNone/>
+                      </a:pPr>
+                      <a:r>
+                        <a:t/>
+                      </a:r>
+                      <a:endParaRPr sz="1000">
+                        <a:latin typeface="Consolas"/>
+                        <a:ea typeface="Consolas"/>
+                        <a:cs typeface="Consolas"/>
+                        <a:sym typeface="Consolas"/>
+                      </a:endParaRPr>
+                    </a:p>
+                    <a:p>
+                      <a:pPr indent="0" lvl="0" marL="0" rtl="0" algn="l">
+                        <a:lnSpc>
+                          <a:spcPct val="115000"/>
+                        </a:lnSpc>
+                        <a:spcBef>
+                          <a:spcPts val="0"/>
+                        </a:spcBef>
+                        <a:spcAft>
+                          <a:spcPts val="0"/>
+                        </a:spcAft>
+                        <a:buNone/>
+                      </a:pPr>
+                      <a:r>
+                        <a:rPr lang="en" sz="1000">
+                          <a:latin typeface="Consolas"/>
+                          <a:ea typeface="Consolas"/>
+                          <a:cs typeface="Consolas"/>
+                          <a:sym typeface="Consolas"/>
+                        </a:rPr>
+                        <a:t>    </a:t>
+                      </a:r>
+                      <a:r>
+                        <a:rPr lang="en" sz="1000">
+                          <a:solidFill>
+                            <a:srgbClr val="455A64"/>
+                          </a:solidFill>
+                          <a:latin typeface="Consolas"/>
+                          <a:ea typeface="Consolas"/>
+                          <a:cs typeface="Consolas"/>
+                          <a:sym typeface="Consolas"/>
+                        </a:rPr>
+                        <a:t># concatenate the feature maps from the 1x1 and 3x3 branches</a:t>
+                      </a:r>
+                      <a:endParaRPr sz="1000">
+                        <a:latin typeface="Consolas"/>
+                        <a:ea typeface="Consolas"/>
+                        <a:cs typeface="Consolas"/>
+                        <a:sym typeface="Consolas"/>
+                      </a:endParaRPr>
+                    </a:p>
+                    <a:p>
+                      <a:pPr indent="0" lvl="0" marL="0" rtl="0" algn="l">
+                        <a:lnSpc>
+                          <a:spcPct val="115000"/>
+                        </a:lnSpc>
+                        <a:spcBef>
+                          <a:spcPts val="0"/>
+                        </a:spcBef>
+                        <a:spcAft>
+                          <a:spcPts val="0"/>
+                        </a:spcAft>
+                        <a:buNone/>
+                      </a:pPr>
+                      <a:r>
+                        <a:rPr lang="en" sz="1000">
+                          <a:latin typeface="Consolas"/>
+                          <a:ea typeface="Consolas"/>
+                          <a:cs typeface="Consolas"/>
+                          <a:sym typeface="Consolas"/>
+                        </a:rPr>
+                        <a:t>    x </a:t>
+                      </a:r>
+                      <a:r>
+                        <a:rPr lang="en" sz="1000">
+                          <a:solidFill>
+                            <a:srgbClr val="616161"/>
+                          </a:solidFill>
+                          <a:latin typeface="Consolas"/>
+                          <a:ea typeface="Consolas"/>
+                          <a:cs typeface="Consolas"/>
+                          <a:sym typeface="Consolas"/>
+                        </a:rPr>
+                        <a:t>=</a:t>
+                      </a:r>
+                      <a:r>
+                        <a:rPr lang="en" sz="1000">
+                          <a:latin typeface="Consolas"/>
+                          <a:ea typeface="Consolas"/>
+                          <a:cs typeface="Consolas"/>
+                          <a:sym typeface="Consolas"/>
+                        </a:rPr>
+                        <a:t> </a:t>
+                      </a:r>
+                      <a:r>
+                        <a:rPr lang="en" sz="1000">
+                          <a:solidFill>
+                            <a:srgbClr val="3367D6"/>
+                          </a:solidFill>
+                          <a:latin typeface="Consolas"/>
+                          <a:ea typeface="Consolas"/>
+                          <a:cs typeface="Consolas"/>
+                          <a:sym typeface="Consolas"/>
+                        </a:rPr>
+                        <a:t>Concatenate</a:t>
+                      </a:r>
+                      <a:r>
+                        <a:rPr lang="en" sz="1000">
+                          <a:solidFill>
+                            <a:srgbClr val="616161"/>
+                          </a:solidFill>
+                          <a:latin typeface="Consolas"/>
+                          <a:ea typeface="Consolas"/>
+                          <a:cs typeface="Consolas"/>
+                          <a:sym typeface="Consolas"/>
+                        </a:rPr>
+                        <a:t>()([</a:t>
+                      </a:r>
+                      <a:r>
+                        <a:rPr lang="en" sz="1000">
+                          <a:latin typeface="Consolas"/>
+                          <a:ea typeface="Consolas"/>
+                          <a:cs typeface="Consolas"/>
+                          <a:sym typeface="Consolas"/>
+                        </a:rPr>
+                        <a:t>expand1x1</a:t>
+                      </a:r>
+                      <a:r>
+                        <a:rPr lang="en" sz="1000">
+                          <a:solidFill>
+                            <a:srgbClr val="616161"/>
+                          </a:solidFill>
+                          <a:latin typeface="Consolas"/>
+                          <a:ea typeface="Consolas"/>
+                          <a:cs typeface="Consolas"/>
+                          <a:sym typeface="Consolas"/>
+                        </a:rPr>
+                        <a:t>,</a:t>
+                      </a:r>
+                      <a:r>
+                        <a:rPr lang="en" sz="1000">
+                          <a:latin typeface="Consolas"/>
+                          <a:ea typeface="Consolas"/>
+                          <a:cs typeface="Consolas"/>
+                          <a:sym typeface="Consolas"/>
+                        </a:rPr>
+                        <a:t> expand3x3</a:t>
+                      </a:r>
+                      <a:r>
+                        <a:rPr lang="en" sz="1000">
+                          <a:solidFill>
+                            <a:srgbClr val="616161"/>
+                          </a:solidFill>
+                          <a:latin typeface="Consolas"/>
+                          <a:ea typeface="Consolas"/>
+                          <a:cs typeface="Consolas"/>
+                          <a:sym typeface="Consolas"/>
+                        </a:rPr>
+                        <a:t>])</a:t>
+                      </a:r>
+                      <a:endParaRPr sz="1000">
+                        <a:latin typeface="Consolas"/>
+                        <a:ea typeface="Consolas"/>
+                        <a:cs typeface="Consolas"/>
+                        <a:sym typeface="Consolas"/>
+                      </a:endParaRPr>
+                    </a:p>
+                    <a:p>
+                      <a:pPr indent="0" lvl="0" marL="0" rtl="0" algn="l">
+                        <a:lnSpc>
+                          <a:spcPct val="115000"/>
+                        </a:lnSpc>
+                        <a:spcBef>
+                          <a:spcPts val="0"/>
+                        </a:spcBef>
+                        <a:spcAft>
+                          <a:spcPts val="0"/>
+                        </a:spcAft>
+                        <a:buNone/>
+                      </a:pPr>
+                      <a:r>
+                        <a:t/>
+                      </a:r>
+                      <a:endParaRPr sz="1000">
+                        <a:latin typeface="Consolas"/>
+                        <a:ea typeface="Consolas"/>
+                        <a:cs typeface="Consolas"/>
+                        <a:sym typeface="Consolas"/>
+                      </a:endParaRPr>
+                    </a:p>
+                    <a:p>
+                      <a:pPr indent="0" lvl="0" marL="0" rtl="0" algn="l">
+                        <a:lnSpc>
+                          <a:spcPct val="115000"/>
+                        </a:lnSpc>
+                        <a:spcBef>
+                          <a:spcPts val="0"/>
+                        </a:spcBef>
+                        <a:spcAft>
+                          <a:spcPts val="0"/>
+                        </a:spcAft>
+                        <a:buNone/>
+                      </a:pPr>
+                      <a:r>
+                        <a:rPr lang="en" sz="1000">
+                          <a:latin typeface="Consolas"/>
+                          <a:ea typeface="Consolas"/>
+                          <a:cs typeface="Consolas"/>
+                          <a:sym typeface="Consolas"/>
+                        </a:rPr>
+                        <a:t>    </a:t>
+                      </a:r>
+                      <a:r>
+                        <a:rPr lang="en" sz="1000">
+                          <a:solidFill>
+                            <a:srgbClr val="455A64"/>
+                          </a:solidFill>
+                          <a:latin typeface="Consolas"/>
+                          <a:ea typeface="Consolas"/>
+                          <a:cs typeface="Consolas"/>
+                          <a:sym typeface="Consolas"/>
+                        </a:rPr>
+                        <a:t># if identity link, add (matrix addition) input filters to output filters</a:t>
+                      </a:r>
+                      <a:endParaRPr sz="1000">
+                        <a:latin typeface="Consolas"/>
+                        <a:ea typeface="Consolas"/>
+                        <a:cs typeface="Consolas"/>
+                        <a:sym typeface="Consolas"/>
+                      </a:endParaRPr>
+                    </a:p>
+                    <a:p>
+                      <a:pPr indent="0" lvl="0" marL="0" rtl="0" algn="l">
+                        <a:lnSpc>
+                          <a:spcPct val="115000"/>
+                        </a:lnSpc>
+                        <a:spcBef>
+                          <a:spcPts val="0"/>
+                        </a:spcBef>
+                        <a:spcAft>
+                          <a:spcPts val="0"/>
+                        </a:spcAft>
+                        <a:buNone/>
+                      </a:pPr>
+                      <a:r>
+                        <a:rPr lang="en" sz="1000">
+                          <a:latin typeface="Consolas"/>
+                          <a:ea typeface="Consolas"/>
+                          <a:cs typeface="Consolas"/>
+                          <a:sym typeface="Consolas"/>
+                        </a:rPr>
+                        <a:t>    </a:t>
+                      </a:r>
+                      <a:r>
+                        <a:rPr lang="en" sz="1000">
+                          <a:solidFill>
+                            <a:srgbClr val="9C27B0"/>
+                          </a:solidFill>
+                          <a:latin typeface="Consolas"/>
+                          <a:ea typeface="Consolas"/>
+                          <a:cs typeface="Consolas"/>
+                          <a:sym typeface="Consolas"/>
+                        </a:rPr>
+                        <a:t>if</a:t>
+                      </a:r>
+                      <a:r>
+                        <a:rPr lang="en" sz="1000">
+                          <a:latin typeface="Consolas"/>
+                          <a:ea typeface="Consolas"/>
+                          <a:cs typeface="Consolas"/>
+                          <a:sym typeface="Consolas"/>
+                        </a:rPr>
+                        <a:t> bypass</a:t>
+                      </a:r>
+                      <a:r>
+                        <a:rPr lang="en" sz="1000">
+                          <a:solidFill>
+                            <a:srgbClr val="616161"/>
+                          </a:solidFill>
+                          <a:latin typeface="Consolas"/>
+                          <a:ea typeface="Consolas"/>
+                          <a:cs typeface="Consolas"/>
+                          <a:sym typeface="Consolas"/>
+                        </a:rPr>
+                        <a:t>:</a:t>
+                      </a:r>
+                      <a:endParaRPr sz="1000">
+                        <a:latin typeface="Consolas"/>
+                        <a:ea typeface="Consolas"/>
+                        <a:cs typeface="Consolas"/>
+                        <a:sym typeface="Consolas"/>
+                      </a:endParaRPr>
+                    </a:p>
+                    <a:p>
+                      <a:pPr indent="0" lvl="0" marL="0" rtl="0" algn="l">
+                        <a:lnSpc>
+                          <a:spcPct val="115000"/>
+                        </a:lnSpc>
+                        <a:spcBef>
+                          <a:spcPts val="0"/>
+                        </a:spcBef>
+                        <a:spcAft>
+                          <a:spcPts val="0"/>
+                        </a:spcAft>
+                        <a:buNone/>
+                      </a:pPr>
+                      <a:r>
+                        <a:rPr lang="en" sz="1000">
+                          <a:latin typeface="Consolas"/>
+                          <a:ea typeface="Consolas"/>
+                          <a:cs typeface="Consolas"/>
+                          <a:sym typeface="Consolas"/>
+                        </a:rPr>
+                        <a:t>        x </a:t>
+                      </a:r>
+                      <a:r>
+                        <a:rPr lang="en" sz="1000">
+                          <a:solidFill>
+                            <a:srgbClr val="616161"/>
+                          </a:solidFill>
+                          <a:latin typeface="Consolas"/>
+                          <a:ea typeface="Consolas"/>
+                          <a:cs typeface="Consolas"/>
+                          <a:sym typeface="Consolas"/>
+                        </a:rPr>
+                        <a:t>=</a:t>
+                      </a:r>
+                      <a:r>
+                        <a:rPr lang="en" sz="1000">
+                          <a:latin typeface="Consolas"/>
+                          <a:ea typeface="Consolas"/>
+                          <a:cs typeface="Consolas"/>
+                          <a:sym typeface="Consolas"/>
+                        </a:rPr>
+                        <a:t> </a:t>
+                      </a:r>
+                      <a:r>
+                        <a:rPr lang="en" sz="1000">
+                          <a:solidFill>
+                            <a:srgbClr val="3367D6"/>
+                          </a:solidFill>
+                          <a:latin typeface="Consolas"/>
+                          <a:ea typeface="Consolas"/>
+                          <a:cs typeface="Consolas"/>
+                          <a:sym typeface="Consolas"/>
+                        </a:rPr>
+                        <a:t>Add</a:t>
+                      </a:r>
+                      <a:r>
+                        <a:rPr lang="en" sz="1000">
+                          <a:solidFill>
+                            <a:srgbClr val="616161"/>
+                          </a:solidFill>
+                          <a:latin typeface="Consolas"/>
+                          <a:ea typeface="Consolas"/>
+                          <a:cs typeface="Consolas"/>
+                          <a:sym typeface="Consolas"/>
+                        </a:rPr>
+                        <a:t>()([</a:t>
+                      </a:r>
+                      <a:r>
+                        <a:rPr lang="en" sz="1000">
+                          <a:latin typeface="Consolas"/>
+                          <a:ea typeface="Consolas"/>
+                          <a:cs typeface="Consolas"/>
+                          <a:sym typeface="Consolas"/>
+                        </a:rPr>
+                        <a:t>x</a:t>
+                      </a:r>
+                      <a:r>
+                        <a:rPr lang="en" sz="1000">
+                          <a:solidFill>
+                            <a:srgbClr val="616161"/>
+                          </a:solidFill>
+                          <a:latin typeface="Consolas"/>
+                          <a:ea typeface="Consolas"/>
+                          <a:cs typeface="Consolas"/>
+                          <a:sym typeface="Consolas"/>
+                        </a:rPr>
+                        <a:t>,</a:t>
+                      </a:r>
+                      <a:r>
+                        <a:rPr lang="en" sz="1000">
+                          <a:latin typeface="Consolas"/>
+                          <a:ea typeface="Consolas"/>
+                          <a:cs typeface="Consolas"/>
+                          <a:sym typeface="Consolas"/>
+                        </a:rPr>
+                        <a:t> shortcut</a:t>
+                      </a:r>
+                      <a:r>
+                        <a:rPr lang="en" sz="1000">
+                          <a:solidFill>
+                            <a:srgbClr val="616161"/>
+                          </a:solidFill>
+                          <a:latin typeface="Consolas"/>
+                          <a:ea typeface="Consolas"/>
+                          <a:cs typeface="Consolas"/>
+                          <a:sym typeface="Consolas"/>
+                        </a:rPr>
+                        <a:t>])</a:t>
+                      </a:r>
+                      <a:endParaRPr sz="1000">
+                        <a:latin typeface="Consolas"/>
+                        <a:ea typeface="Consolas"/>
+                        <a:cs typeface="Consolas"/>
+                        <a:sym typeface="Consolas"/>
+                      </a:endParaRPr>
+                    </a:p>
+                    <a:p>
+                      <a:pPr indent="0" lvl="0" marL="0" rtl="0" algn="l">
+                        <a:lnSpc>
+                          <a:spcPct val="115000"/>
+                        </a:lnSpc>
+                        <a:spcBef>
+                          <a:spcPts val="0"/>
+                        </a:spcBef>
+                        <a:spcAft>
+                          <a:spcPts val="0"/>
+                        </a:spcAft>
+                        <a:buNone/>
+                      </a:pPr>
+                      <a:r>
+                        <a:t/>
+                      </a:r>
+                      <a:endParaRPr sz="1000">
+                        <a:latin typeface="Consolas"/>
+                        <a:ea typeface="Consolas"/>
+                        <a:cs typeface="Consolas"/>
+                        <a:sym typeface="Consolas"/>
+                      </a:endParaRPr>
+                    </a:p>
+                    <a:p>
+                      <a:pPr indent="0" lvl="0" marL="0" rtl="0" algn="l">
+                        <a:lnSpc>
+                          <a:spcPct val="115000"/>
+                        </a:lnSpc>
+                        <a:spcBef>
+                          <a:spcPts val="0"/>
+                        </a:spcBef>
+                        <a:spcAft>
+                          <a:spcPts val="0"/>
+                        </a:spcAft>
+                        <a:buNone/>
+                      </a:pPr>
+                      <a:r>
+                        <a:rPr lang="en" sz="1000">
+                          <a:latin typeface="Consolas"/>
+                          <a:ea typeface="Consolas"/>
+                          <a:cs typeface="Consolas"/>
+                          <a:sym typeface="Consolas"/>
+                        </a:rPr>
+                        <a:t>    </a:t>
+                      </a:r>
+                      <a:r>
+                        <a:rPr lang="en" sz="1000">
+                          <a:solidFill>
+                            <a:srgbClr val="9C27B0"/>
+                          </a:solidFill>
+                          <a:latin typeface="Consolas"/>
+                          <a:ea typeface="Consolas"/>
+                          <a:cs typeface="Consolas"/>
+                          <a:sym typeface="Consolas"/>
+                        </a:rPr>
+                        <a:t>return</a:t>
+                      </a:r>
+                      <a:r>
+                        <a:rPr lang="en" sz="1000">
+                          <a:latin typeface="Consolas"/>
+                          <a:ea typeface="Consolas"/>
+                          <a:cs typeface="Consolas"/>
+                          <a:sym typeface="Consolas"/>
+                        </a:rPr>
+                        <a:t> x</a:t>
+                      </a:r>
+                      <a:endParaRPr sz="1000">
+                        <a:solidFill>
+                          <a:srgbClr val="9C27B0"/>
+                        </a:solidFill>
+                        <a:latin typeface="Consolas"/>
+                        <a:ea typeface="Consolas"/>
+                        <a:cs typeface="Consolas"/>
+                        <a:sym typeface="Consolas"/>
+                      </a:endParaRPr>
+                    </a:p>
+                  </a:txBody>
+                  <a:tcPr marT="63500" marB="63500" marR="63500" marL="63500">
+                    <a:solidFill>
+                      <a:srgbClr val="FAFAFA"/>
+                    </a:solidFill>
+                  </a:tcPr>
+                </a:tc>
+              </a:tr>
+            </a:tbl>
+          </a:graphicData>
+        </a:graphic>
+      </p:graphicFrame>
+    </p:spTree>
+  </p:cSld>
+  <p:clrMapOvr>
+    <a:masterClrMapping/>
+  </p:clrMapOvr>
+</p:sld>
+</file>
+
+<file path=ppt/slides/slide36.xml><?xml version="1.0" encoding="utf-8"?>
+<p:sld xmlns:a="http://schemas.openxmlformats.org/drawingml/2006/main" xmlns:r="http://schemas.openxmlformats.org/officeDocument/2006/relationships" xmlns:mc="http://schemas.openxmlformats.org/markup-compatibility/2006" xmlns:mv="urn:schemas-microsoft-com:mac:vml" xmlns:p="http://schemas.openxmlformats.org/presentationml/2006/main" xmlns:c="http://schemas.openxmlformats.org/drawingml/2006/chart" xmlns:dgm="http://schemas.openxmlformats.org/drawingml/2006/diagram" xmlns:o="urn:schemas-microsoft-com:office:office" xmlns:v="urn:schemas-microsoft-com:vml" xmlns:pvml="urn:schemas-microsoft-com:office:powerpoint" xmlns:com="http://schemas.openxmlformats.org/drawingml/2006/compatibility" xmlns:p14="http://schemas.microsoft.com/office/powerpoint/2010/main" xmlns:p15="http://schemas.microsoft.com/office/powerpoint/2012/main">
+  <p:cSld>
+    <p:spTree>
+      <p:nvGrpSpPr>
+        <p:cNvPr id="336" name="Shape 336"/>
+        <p:cNvGrpSpPr/>
+        <p:nvPr/>
+      </p:nvGrpSpPr>
+      <p:grpSpPr>
+        <a:xfrm>
+          <a:off x="0" y="0"/>
+          <a:ext cx="0" cy="0"/>
+          <a:chOff x="0" y="0"/>
+          <a:chExt cx="0" cy="0"/>
+        </a:xfrm>
+      </p:grpSpPr>
+      <p:sp>
+        <p:nvSpPr>
+          <p:cNvPr id="337" name="Google Shape;337;p48"/>
+          <p:cNvSpPr txBox="1"/>
+          <p:nvPr>
+            <p:ph type="title"/>
+          </p:nvPr>
+        </p:nvSpPr>
+        <p:spPr>
+          <a:xfrm>
+            <a:off x="311700" y="445025"/>
+            <a:ext cx="8520600" cy="572700"/>
+          </a:xfrm>
+          <a:prstGeom prst="rect">
+            <a:avLst/>
+          </a:prstGeom>
+          <a:solidFill>
+            <a:srgbClr val="D9D9D9"/>
+          </a:solidFill>
+        </p:spPr>
+        <p:txBody>
+          <a:bodyPr anchorCtr="0" anchor="t" bIns="91425" lIns="91425" spcFirstLastPara="1" rIns="91425" wrap="square" tIns="91425">
+            <a:noAutofit/>
+          </a:bodyPr>
+          <a:lstStyle/>
+          <a:p>
+            <a:pPr indent="0" lvl="0" marL="0" rtl="0" algn="ctr">
+              <a:spcBef>
+                <a:spcPts val="0"/>
+              </a:spcBef>
+              <a:spcAft>
+                <a:spcPts val="0"/>
+              </a:spcAft>
+              <a:buNone/>
+            </a:pPr>
+            <a:r>
+              <a:rPr lang="en">
+                <a:solidFill>
+                  <a:srgbClr val="A61C00"/>
+                </a:solidFill>
+              </a:rPr>
+              <a:t>ShuffleNet V1</a:t>
+            </a:r>
+            <a:endParaRPr>
+              <a:solidFill>
+                <a:srgbClr val="A61C00"/>
+              </a:solidFill>
+            </a:endParaRPr>
+          </a:p>
+        </p:txBody>
+      </p:sp>
+      <p:sp>
+        <p:nvSpPr>
+          <p:cNvPr id="338" name="Google Shape;338;p48"/>
+          <p:cNvSpPr txBox="1"/>
+          <p:nvPr>
+            <p:ph idx="12" type="sldNum"/>
+          </p:nvPr>
+        </p:nvSpPr>
+        <p:spPr>
+          <a:xfrm>
+            <a:off x="8472458" y="4663217"/>
+            <a:ext cx="548700" cy="393600"/>
+          </a:xfrm>
+          <a:prstGeom prst="rect">
+            <a:avLst/>
+          </a:prstGeom>
+        </p:spPr>
+        <p:txBody>
+          <a:bodyPr anchorCtr="0" anchor="ctr" bIns="91425" lIns="91425" spcFirstLastPara="1" rIns="91425" wrap="square" tIns="91425">
+            <a:noAutofit/>
+          </a:bodyPr>
+          <a:lstStyle/>
+          <a:p>
+            <a:pPr indent="0" lvl="0" marL="0" rtl="0" algn="r">
+              <a:spcBef>
+                <a:spcPts val="0"/>
+              </a:spcBef>
+              <a:spcAft>
+                <a:spcPts val="0"/>
+              </a:spcAft>
+              <a:buNone/>
+            </a:pPr>
+            <a:fld id="{00000000-1234-1234-1234-123412341234}" type="slidenum">
+              <a:rPr lang="en"/>
+              <a:t>‹#›</a:t>
+            </a:fld>
+            <a:endParaRPr/>
+          </a:p>
+        </p:txBody>
+      </p:sp>
+      <p:sp>
+        <p:nvSpPr>
+          <p:cNvPr id="339" name="Google Shape;339;p48"/>
+          <p:cNvSpPr txBox="1"/>
+          <p:nvPr/>
+        </p:nvSpPr>
+        <p:spPr>
+          <a:xfrm>
+            <a:off x="343200" y="1241650"/>
+            <a:ext cx="8457600" cy="1129800"/>
+          </a:xfrm>
+          <a:prstGeom prst="rect">
+            <a:avLst/>
+          </a:prstGeom>
+          <a:noFill/>
+          <a:ln>
+            <a:noFill/>
+          </a:ln>
+        </p:spPr>
+        <p:txBody>
+          <a:bodyPr anchorCtr="0" anchor="t" bIns="91425" lIns="91425" spcFirstLastPara="1" rIns="91425" wrap="square" tIns="91425">
+            <a:noAutofit/>
+          </a:bodyPr>
+          <a:lstStyle/>
+          <a:p>
+            <a:pPr indent="0" lvl="0" marL="0" rtl="0" algn="l">
+              <a:lnSpc>
+                <a:spcPct val="115000"/>
+              </a:lnSpc>
+              <a:spcBef>
+                <a:spcPts val="0"/>
+              </a:spcBef>
+              <a:spcAft>
+                <a:spcPts val="0"/>
+              </a:spcAft>
+              <a:buNone/>
+            </a:pPr>
+            <a:r>
+              <a:rPr b="1" lang="en" sz="1200">
+                <a:solidFill>
+                  <a:schemeClr val="dk1"/>
+                </a:solidFill>
+              </a:rPr>
+              <a:t>ShuffleNet v1 </a:t>
+            </a:r>
+            <a:r>
+              <a:rPr lang="en" sz="1200">
+                <a:solidFill>
+                  <a:schemeClr val="dk1"/>
+                </a:solidFill>
+              </a:rPr>
+              <a:t>is an architecture introduced by Face++ in 2017. The architecture introduced new layer operations: groupwise point convolutions and channel shuffle. The authors designed the architecture specifically for low-compute devices typically found on mobile phones, drones and robots.</a:t>
+            </a:r>
+            <a:endParaRPr sz="1200">
+              <a:solidFill>
+                <a:schemeClr val="dk1"/>
+              </a:solidFill>
+            </a:endParaRPr>
+          </a:p>
+        </p:txBody>
+      </p:sp>
+    </p:spTree>
+  </p:cSld>
+  <p:clrMapOvr>
+    <a:masterClrMapping/>
+  </p:clrMapOvr>
+</p:sld>
+</file>
+
+<file path=ppt/slides/slide37.xml><?xml version="1.0" encoding="utf-8"?>
+<p:sld xmlns:a="http://schemas.openxmlformats.org/drawingml/2006/main" xmlns:r="http://schemas.openxmlformats.org/officeDocument/2006/relationships" xmlns:mc="http://schemas.openxmlformats.org/markup-compatibility/2006" xmlns:mv="urn:schemas-microsoft-com:mac:vml" xmlns:p="http://schemas.openxmlformats.org/presentationml/2006/main" xmlns:c="http://schemas.openxmlformats.org/drawingml/2006/chart" xmlns:dgm="http://schemas.openxmlformats.org/drawingml/2006/diagram" xmlns:o="urn:schemas-microsoft-com:office:office" xmlns:v="urn:schemas-microsoft-com:vml" xmlns:pvml="urn:schemas-microsoft-com:office:powerpoint" xmlns:com="http://schemas.openxmlformats.org/drawingml/2006/compatibility" xmlns:p14="http://schemas.microsoft.com/office/powerpoint/2010/main" xmlns:p15="http://schemas.microsoft.com/office/powerpoint/2012/main">
+  <p:cSld>
+    <p:spTree>
+      <p:nvGrpSpPr>
+        <p:cNvPr id="343" name="Shape 343"/>
+        <p:cNvGrpSpPr/>
+        <p:nvPr/>
+      </p:nvGrpSpPr>
+      <p:grpSpPr>
+        <a:xfrm>
+          <a:off x="0" y="0"/>
+          <a:ext cx="0" cy="0"/>
+          <a:chOff x="0" y="0"/>
+          <a:chExt cx="0" cy="0"/>
+        </a:xfrm>
+      </p:grpSpPr>
+      <p:sp>
+        <p:nvSpPr>
+          <p:cNvPr id="344" name="Google Shape;344;p49"/>
+          <p:cNvSpPr txBox="1"/>
+          <p:nvPr>
+            <p:ph idx="1" type="subTitle"/>
+          </p:nvPr>
+        </p:nvSpPr>
+        <p:spPr>
+          <a:xfrm>
+            <a:off x="835000" y="118125"/>
+            <a:ext cx="8520600" cy="792600"/>
+          </a:xfrm>
+          <a:prstGeom prst="rect">
+            <a:avLst/>
+          </a:prstGeom>
+        </p:spPr>
+        <p:txBody>
+          <a:bodyPr anchorCtr="0" anchor="t" bIns="91425" lIns="91425" spcFirstLastPara="1" rIns="91425" wrap="square" tIns="91425">
+            <a:noAutofit/>
+          </a:bodyPr>
+          <a:lstStyle/>
+          <a:p>
+            <a:pPr indent="0" lvl="0" marL="0" rtl="0" algn="ctr">
+              <a:spcBef>
+                <a:spcPts val="0"/>
+              </a:spcBef>
+              <a:spcAft>
+                <a:spcPts val="0"/>
+              </a:spcAft>
+              <a:buNone/>
+            </a:pPr>
+            <a:r>
+              <a:rPr lang="en">
+                <a:solidFill>
+                  <a:srgbClr val="38761D"/>
+                </a:solidFill>
+              </a:rPr>
+              <a:t>Mobile Networks</a:t>
+            </a:r>
+            <a:r>
+              <a:rPr lang="en">
+                <a:solidFill>
+                  <a:srgbClr val="38761D"/>
+                </a:solidFill>
+              </a:rPr>
+              <a:t> - Lab Exercise #8</a:t>
+            </a:r>
+            <a:endParaRPr>
+              <a:solidFill>
+                <a:srgbClr val="38761D"/>
+              </a:solidFill>
+            </a:endParaRPr>
+          </a:p>
+        </p:txBody>
+      </p:sp>
+      <p:pic>
+        <p:nvPicPr>
+          <p:cNvPr id="345" name="Google Shape;345;p49"/>
+          <p:cNvPicPr preferRelativeResize="0"/>
+          <p:nvPr/>
+        </p:nvPicPr>
+        <p:blipFill>
+          <a:blip r:embed="rId3">
+            <a:alphaModFix/>
+          </a:blip>
+          <a:stretch>
+            <a:fillRect/>
+          </a:stretch>
+        </p:blipFill>
+        <p:spPr>
+          <a:xfrm>
+            <a:off x="0" y="0"/>
+            <a:ext cx="1466275" cy="730575"/>
+          </a:xfrm>
+          <a:prstGeom prst="rect">
+            <a:avLst/>
+          </a:prstGeom>
+          <a:noFill/>
+          <a:ln>
+            <a:noFill/>
+          </a:ln>
+        </p:spPr>
+      </p:pic>
+      <p:sp>
+        <p:nvSpPr>
+          <p:cNvPr id="346" name="Google Shape;346;p49"/>
+          <p:cNvSpPr txBox="1"/>
+          <p:nvPr/>
+        </p:nvSpPr>
+        <p:spPr>
+          <a:xfrm>
+            <a:off x="423375" y="730575"/>
+            <a:ext cx="8430600" cy="4302900"/>
+          </a:xfrm>
+          <a:prstGeom prst="rect">
+            <a:avLst/>
+          </a:prstGeom>
+          <a:noFill/>
+          <a:ln>
+            <a:noFill/>
+          </a:ln>
+        </p:spPr>
+        <p:txBody>
+          <a:bodyPr anchorCtr="0" anchor="t" bIns="91425" lIns="91425" spcFirstLastPara="1" rIns="91425" wrap="square" tIns="91425">
+            <a:noAutofit/>
+          </a:bodyPr>
+          <a:lstStyle/>
+          <a:p>
+            <a:pPr indent="0" lvl="0" marL="0" rtl="0" algn="ctr">
+              <a:spcBef>
+                <a:spcPts val="1100"/>
+              </a:spcBef>
+              <a:spcAft>
+                <a:spcPts val="0"/>
+              </a:spcAft>
+              <a:buNone/>
+            </a:pPr>
+            <a:r>
+              <a:rPr b="1" lang="en" sz="1200">
+                <a:solidFill>
+                  <a:schemeClr val="dk1"/>
+                </a:solidFill>
+                <a:highlight>
+                  <a:schemeClr val="lt1"/>
+                </a:highlight>
+              </a:rPr>
+              <a:t>Optional Code Lab - </a:t>
+            </a:r>
+            <a:r>
+              <a:rPr b="1" lang="en" sz="1200">
+                <a:solidFill>
+                  <a:srgbClr val="0000FF"/>
+                </a:solidFill>
+                <a:highlight>
+                  <a:srgbClr val="FFFFFF"/>
+                </a:highlight>
+              </a:rPr>
+              <a:t>Get Familiar with Mobile Networks</a:t>
+            </a:r>
+            <a:endParaRPr sz="1100">
+              <a:solidFill>
+                <a:schemeClr val="dk1"/>
+              </a:solidFill>
+            </a:endParaRPr>
+          </a:p>
+          <a:p>
+            <a:pPr indent="0" lvl="0" marL="0" rtl="0" algn="l">
+              <a:spcBef>
+                <a:spcPts val="1100"/>
+              </a:spcBef>
+              <a:spcAft>
+                <a:spcPts val="0"/>
+              </a:spcAft>
+              <a:buClr>
+                <a:schemeClr val="dk1"/>
+              </a:buClr>
+              <a:buSzPts val="1100"/>
+              <a:buFont typeface="Arial"/>
+              <a:buNone/>
+            </a:pPr>
+            <a:r>
+              <a:t/>
+            </a:r>
+            <a:endParaRPr b="1" sz="1650">
+              <a:solidFill>
+                <a:srgbClr val="337AB7"/>
+              </a:solidFill>
+              <a:highlight>
+                <a:srgbClr val="FFFFFF"/>
+              </a:highlight>
+            </a:endParaRPr>
+          </a:p>
+          <a:p>
+            <a:pPr indent="0" lvl="0" marL="0" rtl="0" algn="ctr">
+              <a:lnSpc>
+                <a:spcPct val="115000"/>
+              </a:lnSpc>
+              <a:spcBef>
+                <a:spcPts val="0"/>
+              </a:spcBef>
+              <a:spcAft>
+                <a:spcPts val="0"/>
+              </a:spcAft>
+              <a:buNone/>
+            </a:pPr>
+            <a:r>
+              <a:rPr lang="en" sz="1000" u="sng">
+                <a:solidFill>
+                  <a:schemeClr val="hlink"/>
+                </a:solidFill>
+                <a:highlight>
+                  <a:srgbClr val="FAFAFA"/>
+                </a:highlight>
+                <a:hlinkClick r:id="rId4"/>
+              </a:rPr>
+              <a:t>Deep Learning Design Patterns - Workshop - Chapter 4.ipynb</a:t>
+            </a:r>
+            <a:endParaRPr b="1" sz="1200">
+              <a:solidFill>
+                <a:schemeClr val="dk1"/>
+              </a:solidFill>
+            </a:endParaRPr>
+          </a:p>
+          <a:p>
+            <a:pPr indent="0" lvl="0" marL="0" rtl="0" algn="l">
+              <a:lnSpc>
+                <a:spcPct val="115000"/>
+              </a:lnSpc>
+              <a:spcBef>
+                <a:spcPts val="0"/>
+              </a:spcBef>
+              <a:spcAft>
+                <a:spcPts val="0"/>
+              </a:spcAft>
+              <a:buNone/>
+            </a:pPr>
+            <a:r>
+              <a:t/>
+            </a:r>
+            <a:endParaRPr sz="1200">
+              <a:solidFill>
+                <a:schemeClr val="dk1"/>
+              </a:solidFill>
+            </a:endParaRPr>
+          </a:p>
+          <a:p>
+            <a:pPr indent="0" lvl="0" marL="0" rtl="0" algn="l">
+              <a:lnSpc>
+                <a:spcPct val="115000"/>
+              </a:lnSpc>
+              <a:spcBef>
+                <a:spcPts val="1100"/>
+              </a:spcBef>
+              <a:spcAft>
+                <a:spcPts val="0"/>
+              </a:spcAft>
+              <a:buNone/>
+            </a:pPr>
+            <a:r>
+              <a:t/>
+            </a:r>
+            <a:endParaRPr sz="1200">
+              <a:solidFill>
+                <a:schemeClr val="dk1"/>
+              </a:solidFill>
+              <a:highlight>
+                <a:srgbClr val="FFFFFF"/>
+              </a:highlight>
             </a:endParaRPr>
           </a:p>
         </p:txBody>
@@ -28357,7 +36308,7 @@
             <a:tbl>
               <a:tblPr>
                 <a:noFill/>
-                <a:tableStyleId>{10FEF1FE-55A9-4735-BBD3-201494F4F201}</a:tableStyleId>
+                <a:tableStyleId>{B073F476-F391-438D-A385-14AA45281D93}</a:tableStyleId>
               </a:tblPr>
               <a:tblGrid>
                 <a:gridCol w="3849175"/>
@@ -29145,7 +37096,7 @@
             <a:tbl>
               <a:tblPr>
                 <a:noFill/>
-                <a:tableStyleId>{10FEF1FE-55A9-4735-BBD3-201494F4F201}</a:tableStyleId>
+                <a:tableStyleId>{B073F476-F391-438D-A385-14AA45281D93}</a:tableStyleId>
               </a:tblPr>
               <a:tblGrid>
                 <a:gridCol w="4396475"/>
